--- a/W13/W13S2/W13S2.pptx
+++ b/W13/W13S2/W13S2.pptx
@@ -5,7 +5,7 @@
     <p:sldMasterId id="2147483648" r:id="rId1"/>
   </p:sldMasterIdLst>
   <p:notesMasterIdLst>
-    <p:notesMasterId r:id="rId66"/>
+    <p:notesMasterId r:id="rId70"/>
   </p:notesMasterIdLst>
   <p:sldIdLst>
     <p:sldId id="377" r:id="rId2"/>
@@ -21,57 +21,61 @@
     <p:sldId id="384" r:id="rId12"/>
     <p:sldId id="383" r:id="rId13"/>
     <p:sldId id="382" r:id="rId14"/>
-    <p:sldId id="393" r:id="rId15"/>
-    <p:sldId id="395" r:id="rId16"/>
-    <p:sldId id="397" r:id="rId17"/>
-    <p:sldId id="464" r:id="rId18"/>
-    <p:sldId id="386" r:id="rId19"/>
-    <p:sldId id="385" r:id="rId20"/>
-    <p:sldId id="387" r:id="rId21"/>
-    <p:sldId id="421" r:id="rId22"/>
-    <p:sldId id="388" r:id="rId23"/>
-    <p:sldId id="422" r:id="rId24"/>
-    <p:sldId id="423" r:id="rId25"/>
-    <p:sldId id="424" r:id="rId26"/>
-    <p:sldId id="425" r:id="rId27"/>
-    <p:sldId id="426" r:id="rId28"/>
-    <p:sldId id="427" r:id="rId29"/>
-    <p:sldId id="428" r:id="rId30"/>
-    <p:sldId id="429" r:id="rId31"/>
-    <p:sldId id="431" r:id="rId32"/>
-    <p:sldId id="432" r:id="rId33"/>
-    <p:sldId id="433" r:id="rId34"/>
-    <p:sldId id="434" r:id="rId35"/>
-    <p:sldId id="435" r:id="rId36"/>
-    <p:sldId id="436" r:id="rId37"/>
-    <p:sldId id="437" r:id="rId38"/>
-    <p:sldId id="438" r:id="rId39"/>
-    <p:sldId id="439" r:id="rId40"/>
-    <p:sldId id="440" r:id="rId41"/>
-    <p:sldId id="441" r:id="rId42"/>
-    <p:sldId id="442" r:id="rId43"/>
-    <p:sldId id="443" r:id="rId44"/>
-    <p:sldId id="430" r:id="rId45"/>
-    <p:sldId id="444" r:id="rId46"/>
-    <p:sldId id="445" r:id="rId47"/>
-    <p:sldId id="446" r:id="rId48"/>
-    <p:sldId id="447" r:id="rId49"/>
-    <p:sldId id="448" r:id="rId50"/>
-    <p:sldId id="449" r:id="rId51"/>
-    <p:sldId id="450" r:id="rId52"/>
-    <p:sldId id="451" r:id="rId53"/>
-    <p:sldId id="452" r:id="rId54"/>
-    <p:sldId id="453" r:id="rId55"/>
-    <p:sldId id="454" r:id="rId56"/>
-    <p:sldId id="455" r:id="rId57"/>
-    <p:sldId id="456" r:id="rId58"/>
-    <p:sldId id="458" r:id="rId59"/>
-    <p:sldId id="459" r:id="rId60"/>
-    <p:sldId id="460" r:id="rId61"/>
-    <p:sldId id="461" r:id="rId62"/>
-    <p:sldId id="463" r:id="rId63"/>
-    <p:sldId id="462" r:id="rId64"/>
-    <p:sldId id="465" r:id="rId65"/>
+    <p:sldId id="386" r:id="rId15"/>
+    <p:sldId id="385" r:id="rId16"/>
+    <p:sldId id="387" r:id="rId17"/>
+    <p:sldId id="421" r:id="rId18"/>
+    <p:sldId id="388" r:id="rId19"/>
+    <p:sldId id="422" r:id="rId20"/>
+    <p:sldId id="423" r:id="rId21"/>
+    <p:sldId id="424" r:id="rId22"/>
+    <p:sldId id="425" r:id="rId23"/>
+    <p:sldId id="426" r:id="rId24"/>
+    <p:sldId id="427" r:id="rId25"/>
+    <p:sldId id="428" r:id="rId26"/>
+    <p:sldId id="429" r:id="rId27"/>
+    <p:sldId id="431" r:id="rId28"/>
+    <p:sldId id="432" r:id="rId29"/>
+    <p:sldId id="433" r:id="rId30"/>
+    <p:sldId id="434" r:id="rId31"/>
+    <p:sldId id="435" r:id="rId32"/>
+    <p:sldId id="436" r:id="rId33"/>
+    <p:sldId id="437" r:id="rId34"/>
+    <p:sldId id="438" r:id="rId35"/>
+    <p:sldId id="439" r:id="rId36"/>
+    <p:sldId id="440" r:id="rId37"/>
+    <p:sldId id="441" r:id="rId38"/>
+    <p:sldId id="442" r:id="rId39"/>
+    <p:sldId id="443" r:id="rId40"/>
+    <p:sldId id="430" r:id="rId41"/>
+    <p:sldId id="444" r:id="rId42"/>
+    <p:sldId id="445" r:id="rId43"/>
+    <p:sldId id="446" r:id="rId44"/>
+    <p:sldId id="447" r:id="rId45"/>
+    <p:sldId id="448" r:id="rId46"/>
+    <p:sldId id="449" r:id="rId47"/>
+    <p:sldId id="450" r:id="rId48"/>
+    <p:sldId id="451" r:id="rId49"/>
+    <p:sldId id="452" r:id="rId50"/>
+    <p:sldId id="453" r:id="rId51"/>
+    <p:sldId id="454" r:id="rId52"/>
+    <p:sldId id="455" r:id="rId53"/>
+    <p:sldId id="456" r:id="rId54"/>
+    <p:sldId id="458" r:id="rId55"/>
+    <p:sldId id="459" r:id="rId56"/>
+    <p:sldId id="460" r:id="rId57"/>
+    <p:sldId id="461" r:id="rId58"/>
+    <p:sldId id="463" r:id="rId59"/>
+    <p:sldId id="473" r:id="rId60"/>
+    <p:sldId id="474" r:id="rId61"/>
+    <p:sldId id="465" r:id="rId62"/>
+    <p:sldId id="468" r:id="rId63"/>
+    <p:sldId id="467" r:id="rId64"/>
+    <p:sldId id="466" r:id="rId65"/>
+    <p:sldId id="471" r:id="rId66"/>
+    <p:sldId id="472" r:id="rId67"/>
+    <p:sldId id="469" r:id="rId68"/>
+    <p:sldId id="470" r:id="rId69"/>
   </p:sldIdLst>
   <p:sldSz cx="12192000" cy="6858000"/>
   <p:notesSz cx="6858000" cy="9144000"/>
@@ -196,14 +200,6 @@
             <p14:sldId id="384"/>
             <p14:sldId id="383"/>
             <p14:sldId id="382"/>
-            <p14:sldId id="393"/>
-            <p14:sldId id="395"/>
-            <p14:sldId id="397"/>
-          </p14:sldIdLst>
-        </p14:section>
-        <p14:section name="A quick word on instruction scheduling" id="{5E8715D8-2D89-445C-80BB-262FFA1CFC1B}">
-          <p14:sldIdLst>
-            <p14:sldId id="464"/>
           </p14:sldIdLst>
         </p14:section>
         <p14:section name="Registers allocation" id="{8A7FA993-BF75-473A-ABF1-87691F0EA32F}">
@@ -283,14 +279,18 @@
             <p14:sldId id="463"/>
           </p14:sldIdLst>
         </p14:section>
-        <p14:section name="A quick word on garbage collection" id="{88A404A5-8D53-413C-B87C-4B9CFD232CD3}">
-          <p14:sldIdLst>
-            <p14:sldId id="462"/>
-          </p14:sldIdLst>
-        </p14:section>
         <p14:section name="Quiz time!" id="{19274B32-BED4-4204-A2A0-D1246EB4AD97}">
           <p14:sldIdLst>
+            <p14:sldId id="473"/>
+            <p14:sldId id="474"/>
             <p14:sldId id="465"/>
+            <p14:sldId id="468"/>
+            <p14:sldId id="467"/>
+            <p14:sldId id="466"/>
+            <p14:sldId id="471"/>
+            <p14:sldId id="472"/>
+            <p14:sldId id="469"/>
+            <p14:sldId id="470"/>
           </p14:sldIdLst>
         </p14:section>
       </p14:sectionLst>
@@ -321,18 +321,18 @@
   <pc:docChgLst>
     <pc:chgData name="Matthieu De Mari" userId="dfb708c9-d8dc-439f-9a3b-c772bf4a311c" providerId="ADAL" clId="{B0CEE87B-D72F-42C4-9252-B1F3D053B793}"/>
     <pc:docChg chg="undo custSel addSld delSld modSld sldOrd addSection delSection modSection">
-      <pc:chgData name="Matthieu De Mari" userId="dfb708c9-d8dc-439f-9a3b-c772bf4a311c" providerId="ADAL" clId="{B0CEE87B-D72F-42C4-9252-B1F3D053B793}" dt="2023-04-18T09:38:33.861" v="8493" actId="20577"/>
+      <pc:chgData name="Matthieu De Mari" userId="dfb708c9-d8dc-439f-9a3b-c772bf4a311c" providerId="ADAL" clId="{B0CEE87B-D72F-42C4-9252-B1F3D053B793}" dt="2023-04-20T06:23:08.368" v="8871" actId="20577"/>
       <pc:docMkLst>
         <pc:docMk/>
       </pc:docMkLst>
       <pc:sldChg chg="modSp mod">
-        <pc:chgData name="Matthieu De Mari" userId="dfb708c9-d8dc-439f-9a3b-c772bf4a311c" providerId="ADAL" clId="{B0CEE87B-D72F-42C4-9252-B1F3D053B793}" dt="2023-04-13T06:05:13.725" v="2" actId="20577"/>
+        <pc:chgData name="Matthieu De Mari" userId="dfb708c9-d8dc-439f-9a3b-c772bf4a311c" providerId="ADAL" clId="{B0CEE87B-D72F-42C4-9252-B1F3D053B793}" dt="2023-04-20T06:23:08.368" v="8871" actId="20577"/>
         <pc:sldMkLst>
           <pc:docMk/>
           <pc:sldMk cId="1040156172" sldId="377"/>
         </pc:sldMkLst>
         <pc:spChg chg="mod">
-          <ac:chgData name="Matthieu De Mari" userId="dfb708c9-d8dc-439f-9a3b-c772bf4a311c" providerId="ADAL" clId="{B0CEE87B-D72F-42C4-9252-B1F3D053B793}" dt="2023-04-13T06:05:13.725" v="2" actId="20577"/>
+          <ac:chgData name="Matthieu De Mari" userId="dfb708c9-d8dc-439f-9a3b-c772bf4a311c" providerId="ADAL" clId="{B0CEE87B-D72F-42C4-9252-B1F3D053B793}" dt="2023-04-20T06:23:08.368" v="8871" actId="20577"/>
           <ac:spMkLst>
             <pc:docMk/>
             <pc:sldMk cId="1040156172" sldId="377"/>
@@ -779,8 +779,8 @@
           <pc:sldMk cId="1253114987" sldId="392"/>
         </pc:sldMkLst>
       </pc:sldChg>
-      <pc:sldChg chg="add">
-        <pc:chgData name="Matthieu De Mari" userId="dfb708c9-d8dc-439f-9a3b-c772bf4a311c" providerId="ADAL" clId="{B0CEE87B-D72F-42C4-9252-B1F3D053B793}" dt="2023-04-18T08:32:17.279" v="3558"/>
+      <pc:sldChg chg="add del">
+        <pc:chgData name="Matthieu De Mari" userId="dfb708c9-d8dc-439f-9a3b-c772bf4a311c" providerId="ADAL" clId="{B0CEE87B-D72F-42C4-9252-B1F3D053B793}" dt="2023-04-18T12:57:37.355" v="8495" actId="47"/>
         <pc:sldMkLst>
           <pc:docMk/>
           <pc:sldMk cId="1060213588" sldId="393"/>
@@ -793,15 +793,15 @@
           <pc:sldMk cId="1215328976" sldId="394"/>
         </pc:sldMkLst>
       </pc:sldChg>
-      <pc:sldChg chg="add">
-        <pc:chgData name="Matthieu De Mari" userId="dfb708c9-d8dc-439f-9a3b-c772bf4a311c" providerId="ADAL" clId="{B0CEE87B-D72F-42C4-9252-B1F3D053B793}" dt="2023-04-18T08:32:17.279" v="3558"/>
+      <pc:sldChg chg="add del">
+        <pc:chgData name="Matthieu De Mari" userId="dfb708c9-d8dc-439f-9a3b-c772bf4a311c" providerId="ADAL" clId="{B0CEE87B-D72F-42C4-9252-B1F3D053B793}" dt="2023-04-18T12:57:32.630" v="8494" actId="47"/>
         <pc:sldMkLst>
           <pc:docMk/>
           <pc:sldMk cId="3544056403" sldId="395"/>
         </pc:sldMkLst>
       </pc:sldChg>
-      <pc:sldChg chg="add">
-        <pc:chgData name="Matthieu De Mari" userId="dfb708c9-d8dc-439f-9a3b-c772bf4a311c" providerId="ADAL" clId="{B0CEE87B-D72F-42C4-9252-B1F3D053B793}" dt="2023-04-18T08:32:17.279" v="3558"/>
+      <pc:sldChg chg="add del">
+        <pc:chgData name="Matthieu De Mari" userId="dfb708c9-d8dc-439f-9a3b-c772bf4a311c" providerId="ADAL" clId="{B0CEE87B-D72F-42C4-9252-B1F3D053B793}" dt="2023-04-18T12:57:40.416" v="8496" actId="47"/>
         <pc:sldMkLst>
           <pc:docMk/>
           <pc:sldMk cId="511100047" sldId="397"/>
@@ -1858,7 +1858,7 @@
         </pc:spChg>
       </pc:sldChg>
       <pc:sldChg chg="addSp delSp modSp new mod">
-        <pc:chgData name="Matthieu De Mari" userId="dfb708c9-d8dc-439f-9a3b-c772bf4a311c" providerId="ADAL" clId="{B0CEE87B-D72F-42C4-9252-B1F3D053B793}" dt="2023-04-18T09:16:28.184" v="6923" actId="20577"/>
+        <pc:chgData name="Matthieu De Mari" userId="dfb708c9-d8dc-439f-9a3b-c772bf4a311c" providerId="ADAL" clId="{B0CEE87B-D72F-42C4-9252-B1F3D053B793}" dt="2023-04-18T12:58:57.024" v="8511" actId="20577"/>
         <pc:sldMkLst>
           <pc:docMk/>
           <pc:sldMk cId="2128357209" sldId="455"/>
@@ -1888,7 +1888,7 @@
           </ac:spMkLst>
         </pc:spChg>
         <pc:spChg chg="add mod ord">
-          <ac:chgData name="Matthieu De Mari" userId="dfb708c9-d8dc-439f-9a3b-c772bf4a311c" providerId="ADAL" clId="{B0CEE87B-D72F-42C4-9252-B1F3D053B793}" dt="2023-04-18T09:16:28.184" v="6923" actId="20577"/>
+          <ac:chgData name="Matthieu De Mari" userId="dfb708c9-d8dc-439f-9a3b-c772bf4a311c" providerId="ADAL" clId="{B0CEE87B-D72F-42C4-9252-B1F3D053B793}" dt="2023-04-18T12:58:57.024" v="8511" actId="20577"/>
           <ac:spMkLst>
             <pc:docMk/>
             <pc:sldMk cId="2128357209" sldId="455"/>
@@ -2113,8 +2113,8 @@
           </ac:picMkLst>
         </pc:picChg>
       </pc:sldChg>
-      <pc:sldChg chg="modSp new mod">
-        <pc:chgData name="Matthieu De Mari" userId="dfb708c9-d8dc-439f-9a3b-c772bf4a311c" providerId="ADAL" clId="{B0CEE87B-D72F-42C4-9252-B1F3D053B793}" dt="2023-04-18T09:35:32.915" v="8449" actId="20577"/>
+      <pc:sldChg chg="modSp new del mod">
+        <pc:chgData name="Matthieu De Mari" userId="dfb708c9-d8dc-439f-9a3b-c772bf4a311c" providerId="ADAL" clId="{B0CEE87B-D72F-42C4-9252-B1F3D053B793}" dt="2023-04-18T12:59:50.018" v="8512" actId="47"/>
         <pc:sldMkLst>
           <pc:docMk/>
           <pc:sldMk cId="2491171818" sldId="462"/>
@@ -2143,8 +2143,8 @@
           </ac:spMkLst>
         </pc:spChg>
       </pc:sldChg>
-      <pc:sldChg chg="modSp new mod">
-        <pc:chgData name="Matthieu De Mari" userId="dfb708c9-d8dc-439f-9a3b-c772bf4a311c" providerId="ADAL" clId="{B0CEE87B-D72F-42C4-9252-B1F3D053B793}" dt="2023-04-18T09:38:33.861" v="8493" actId="20577"/>
+      <pc:sldChg chg="modSp new del mod">
+        <pc:chgData name="Matthieu De Mari" userId="dfb708c9-d8dc-439f-9a3b-c772bf4a311c" providerId="ADAL" clId="{B0CEE87B-D72F-42C4-9252-B1F3D053B793}" dt="2023-04-18T12:57:44.794" v="8497" actId="47"/>
         <pc:sldMkLst>
           <pc:docMk/>
           <pc:sldMk cId="2748147379" sldId="464"/>
@@ -2158,12 +2158,218 @@
           </ac:spMkLst>
         </pc:spChg>
       </pc:sldChg>
-      <pc:sldChg chg="new">
-        <pc:chgData name="Matthieu De Mari" userId="dfb708c9-d8dc-439f-9a3b-c772bf4a311c" providerId="ADAL" clId="{B0CEE87B-D72F-42C4-9252-B1F3D053B793}" dt="2023-04-18T09:36:05.349" v="8455" actId="680"/>
+      <pc:sldChg chg="addSp delSp modSp new mod modClrScheme chgLayout">
+        <pc:chgData name="Matthieu De Mari" userId="dfb708c9-d8dc-439f-9a3b-c772bf4a311c" providerId="ADAL" clId="{B0CEE87B-D72F-42C4-9252-B1F3D053B793}" dt="2023-04-18T13:04:34.978" v="8656" actId="113"/>
         <pc:sldMkLst>
           <pc:docMk/>
           <pc:sldMk cId="284645869" sldId="465"/>
         </pc:sldMkLst>
+        <pc:spChg chg="del mod ord">
+          <ac:chgData name="Matthieu De Mari" userId="dfb708c9-d8dc-439f-9a3b-c772bf4a311c" providerId="ADAL" clId="{B0CEE87B-D72F-42C4-9252-B1F3D053B793}" dt="2023-04-18T13:00:01.450" v="8513" actId="700"/>
+          <ac:spMkLst>
+            <pc:docMk/>
+            <pc:sldMk cId="284645869" sldId="465"/>
+            <ac:spMk id="2" creationId="{B8164294-BDA9-E340-C51A-A5DFCEDA01D9}"/>
+          </ac:spMkLst>
+        </pc:spChg>
+        <pc:spChg chg="del mod ord">
+          <ac:chgData name="Matthieu De Mari" userId="dfb708c9-d8dc-439f-9a3b-c772bf4a311c" providerId="ADAL" clId="{B0CEE87B-D72F-42C4-9252-B1F3D053B793}" dt="2023-04-18T13:00:01.450" v="8513" actId="700"/>
+          <ac:spMkLst>
+            <pc:docMk/>
+            <pc:sldMk cId="284645869" sldId="465"/>
+            <ac:spMk id="3" creationId="{CFD10E1C-3AFB-DFF2-7F48-4AA5874565AB}"/>
+          </ac:spMkLst>
+        </pc:spChg>
+        <pc:spChg chg="del">
+          <ac:chgData name="Matthieu De Mari" userId="dfb708c9-d8dc-439f-9a3b-c772bf4a311c" providerId="ADAL" clId="{B0CEE87B-D72F-42C4-9252-B1F3D053B793}" dt="2023-04-18T13:00:01.450" v="8513" actId="700"/>
+          <ac:spMkLst>
+            <pc:docMk/>
+            <pc:sldMk cId="284645869" sldId="465"/>
+            <ac:spMk id="4" creationId="{C2432F25-6717-D27C-F6BC-FAF822F07152}"/>
+          </ac:spMkLst>
+        </pc:spChg>
+        <pc:spChg chg="add mod ord">
+          <ac:chgData name="Matthieu De Mari" userId="dfb708c9-d8dc-439f-9a3b-c772bf4a311c" providerId="ADAL" clId="{B0CEE87B-D72F-42C4-9252-B1F3D053B793}" dt="2023-04-18T13:00:04.598" v="8523" actId="20577"/>
+          <ac:spMkLst>
+            <pc:docMk/>
+            <pc:sldMk cId="284645869" sldId="465"/>
+            <ac:spMk id="5" creationId="{40BB58BE-9308-E2D0-621F-896D9F7A3F80}"/>
+          </ac:spMkLst>
+        </pc:spChg>
+        <pc:spChg chg="add mod ord">
+          <ac:chgData name="Matthieu De Mari" userId="dfb708c9-d8dc-439f-9a3b-c772bf4a311c" providerId="ADAL" clId="{B0CEE87B-D72F-42C4-9252-B1F3D053B793}" dt="2023-04-18T13:04:34.978" v="8656" actId="113"/>
+          <ac:spMkLst>
+            <pc:docMk/>
+            <pc:sldMk cId="284645869" sldId="465"/>
+            <ac:spMk id="6" creationId="{AD739F93-6CBC-214F-C0F7-13E4C4714B32}"/>
+          </ac:spMkLst>
+        </pc:spChg>
+      </pc:sldChg>
+      <pc:sldChg chg="modSp add mod">
+        <pc:chgData name="Matthieu De Mari" userId="dfb708c9-d8dc-439f-9a3b-c772bf4a311c" providerId="ADAL" clId="{B0CEE87B-D72F-42C4-9252-B1F3D053B793}" dt="2023-04-18T13:03:02.119" v="8577" actId="207"/>
+        <pc:sldMkLst>
+          <pc:docMk/>
+          <pc:sldMk cId="3664371702" sldId="466"/>
+        </pc:sldMkLst>
+        <pc:spChg chg="mod">
+          <ac:chgData name="Matthieu De Mari" userId="dfb708c9-d8dc-439f-9a3b-c772bf4a311c" providerId="ADAL" clId="{B0CEE87B-D72F-42C4-9252-B1F3D053B793}" dt="2023-04-18T13:03:02.119" v="8577" actId="207"/>
+          <ac:spMkLst>
+            <pc:docMk/>
+            <pc:sldMk cId="3664371702" sldId="466"/>
+            <ac:spMk id="6" creationId="{AD739F93-6CBC-214F-C0F7-13E4C4714B32}"/>
+          </ac:spMkLst>
+        </pc:spChg>
+      </pc:sldChg>
+      <pc:sldChg chg="add">
+        <pc:chgData name="Matthieu De Mari" userId="dfb708c9-d8dc-439f-9a3b-c772bf4a311c" providerId="ADAL" clId="{B0CEE87B-D72F-42C4-9252-B1F3D053B793}" dt="2023-04-18T13:03:17.099" v="8580" actId="2890"/>
+        <pc:sldMkLst>
+          <pc:docMk/>
+          <pc:sldMk cId="579872451" sldId="467"/>
+        </pc:sldMkLst>
+      </pc:sldChg>
+      <pc:sldChg chg="new del">
+        <pc:chgData name="Matthieu De Mari" userId="dfb708c9-d8dc-439f-9a3b-c772bf4a311c" providerId="ADAL" clId="{B0CEE87B-D72F-42C4-9252-B1F3D053B793}" dt="2023-04-18T13:03:15.567" v="8579" actId="47"/>
+        <pc:sldMkLst>
+          <pc:docMk/>
+          <pc:sldMk cId="2832122264" sldId="467"/>
+        </pc:sldMkLst>
+      </pc:sldChg>
+      <pc:sldChg chg="modSp add mod">
+        <pc:chgData name="Matthieu De Mari" userId="dfb708c9-d8dc-439f-9a3b-c772bf4a311c" providerId="ADAL" clId="{B0CEE87B-D72F-42C4-9252-B1F3D053B793}" dt="2023-04-18T13:04:37.993" v="8657" actId="113"/>
+        <pc:sldMkLst>
+          <pc:docMk/>
+          <pc:sldMk cId="3320168754" sldId="468"/>
+        </pc:sldMkLst>
+        <pc:spChg chg="mod">
+          <ac:chgData name="Matthieu De Mari" userId="dfb708c9-d8dc-439f-9a3b-c772bf4a311c" providerId="ADAL" clId="{B0CEE87B-D72F-42C4-9252-B1F3D053B793}" dt="2023-04-18T13:04:37.993" v="8657" actId="113"/>
+          <ac:spMkLst>
+            <pc:docMk/>
+            <pc:sldMk cId="3320168754" sldId="468"/>
+            <ac:spMk id="6" creationId="{AD739F93-6CBC-214F-C0F7-13E4C4714B32}"/>
+          </ac:spMkLst>
+        </pc:spChg>
+      </pc:sldChg>
+      <pc:sldChg chg="modSp new mod">
+        <pc:chgData name="Matthieu De Mari" userId="dfb708c9-d8dc-439f-9a3b-c772bf4a311c" providerId="ADAL" clId="{B0CEE87B-D72F-42C4-9252-B1F3D053B793}" dt="2023-04-18T13:06:00.087" v="8782" actId="20577"/>
+        <pc:sldMkLst>
+          <pc:docMk/>
+          <pc:sldMk cId="230960679" sldId="469"/>
+        </pc:sldMkLst>
+        <pc:spChg chg="mod">
+          <ac:chgData name="Matthieu De Mari" userId="dfb708c9-d8dc-439f-9a3b-c772bf4a311c" providerId="ADAL" clId="{B0CEE87B-D72F-42C4-9252-B1F3D053B793}" dt="2023-04-18T13:06:00.087" v="8782" actId="20577"/>
+          <ac:spMkLst>
+            <pc:docMk/>
+            <pc:sldMk cId="230960679" sldId="469"/>
+            <ac:spMk id="2" creationId="{55ABAB9C-4A01-3B3C-24B3-EBAE2686E672}"/>
+          </ac:spMkLst>
+        </pc:spChg>
+        <pc:spChg chg="mod">
+          <ac:chgData name="Matthieu De Mari" userId="dfb708c9-d8dc-439f-9a3b-c772bf4a311c" providerId="ADAL" clId="{B0CEE87B-D72F-42C4-9252-B1F3D053B793}" dt="2023-04-18T13:04:29.859" v="8655" actId="113"/>
+          <ac:spMkLst>
+            <pc:docMk/>
+            <pc:sldMk cId="230960679" sldId="469"/>
+            <ac:spMk id="3" creationId="{2278344A-215D-7B2D-E9FA-EDED5099B989}"/>
+          </ac:spMkLst>
+        </pc:spChg>
+      </pc:sldChg>
+      <pc:sldChg chg="modSp add mod">
+        <pc:chgData name="Matthieu De Mari" userId="dfb708c9-d8dc-439f-9a3b-c772bf4a311c" providerId="ADAL" clId="{B0CEE87B-D72F-42C4-9252-B1F3D053B793}" dt="2023-04-18T13:06:03.705" v="8783"/>
+        <pc:sldMkLst>
+          <pc:docMk/>
+          <pc:sldMk cId="3870046890" sldId="470"/>
+        </pc:sldMkLst>
+        <pc:spChg chg="mod">
+          <ac:chgData name="Matthieu De Mari" userId="dfb708c9-d8dc-439f-9a3b-c772bf4a311c" providerId="ADAL" clId="{B0CEE87B-D72F-42C4-9252-B1F3D053B793}" dt="2023-04-18T13:06:03.705" v="8783"/>
+          <ac:spMkLst>
+            <pc:docMk/>
+            <pc:sldMk cId="3870046890" sldId="470"/>
+            <ac:spMk id="2" creationId="{55ABAB9C-4A01-3B3C-24B3-EBAE2686E672}"/>
+          </ac:spMkLst>
+        </pc:spChg>
+        <pc:spChg chg="mod">
+          <ac:chgData name="Matthieu De Mari" userId="dfb708c9-d8dc-439f-9a3b-c772bf4a311c" providerId="ADAL" clId="{B0CEE87B-D72F-42C4-9252-B1F3D053B793}" dt="2023-04-18T13:04:48.268" v="8660" actId="207"/>
+          <ac:spMkLst>
+            <pc:docMk/>
+            <pc:sldMk cId="3870046890" sldId="470"/>
+            <ac:spMk id="3" creationId="{2278344A-215D-7B2D-E9FA-EDED5099B989}"/>
+          </ac:spMkLst>
+        </pc:spChg>
+      </pc:sldChg>
+      <pc:sldChg chg="modSp new mod">
+        <pc:chgData name="Matthieu De Mari" userId="dfb708c9-d8dc-439f-9a3b-c772bf4a311c" providerId="ADAL" clId="{B0CEE87B-D72F-42C4-9252-B1F3D053B793}" dt="2023-04-18T13:06:10.085" v="8784" actId="11"/>
+        <pc:sldMkLst>
+          <pc:docMk/>
+          <pc:sldMk cId="412335008" sldId="471"/>
+        </pc:sldMkLst>
+        <pc:spChg chg="mod">
+          <ac:chgData name="Matthieu De Mari" userId="dfb708c9-d8dc-439f-9a3b-c772bf4a311c" providerId="ADAL" clId="{B0CEE87B-D72F-42C4-9252-B1F3D053B793}" dt="2023-04-18T13:05:53.280" v="8770" actId="20577"/>
+          <ac:spMkLst>
+            <pc:docMk/>
+            <pc:sldMk cId="412335008" sldId="471"/>
+            <ac:spMk id="2" creationId="{110E6894-5FF9-E10E-0E7B-43752AE3FB7D}"/>
+          </ac:spMkLst>
+        </pc:spChg>
+        <pc:spChg chg="mod">
+          <ac:chgData name="Matthieu De Mari" userId="dfb708c9-d8dc-439f-9a3b-c772bf4a311c" providerId="ADAL" clId="{B0CEE87B-D72F-42C4-9252-B1F3D053B793}" dt="2023-04-18T13:06:10.085" v="8784" actId="11"/>
+          <ac:spMkLst>
+            <pc:docMk/>
+            <pc:sldMk cId="412335008" sldId="471"/>
+            <ac:spMk id="3" creationId="{0B2B4336-BB3D-7291-D6DE-C910A086B5D4}"/>
+          </ac:spMkLst>
+        </pc:spChg>
+      </pc:sldChg>
+      <pc:sldChg chg="modSp add mod">
+        <pc:chgData name="Matthieu De Mari" userId="dfb708c9-d8dc-439f-9a3b-c772bf4a311c" providerId="ADAL" clId="{B0CEE87B-D72F-42C4-9252-B1F3D053B793}" dt="2023-04-18T13:06:16.165" v="8787" actId="207"/>
+        <pc:sldMkLst>
+          <pc:docMk/>
+          <pc:sldMk cId="15714287" sldId="472"/>
+        </pc:sldMkLst>
+        <pc:spChg chg="mod">
+          <ac:chgData name="Matthieu De Mari" userId="dfb708c9-d8dc-439f-9a3b-c772bf4a311c" providerId="ADAL" clId="{B0CEE87B-D72F-42C4-9252-B1F3D053B793}" dt="2023-04-18T13:06:16.165" v="8787" actId="207"/>
+          <ac:spMkLst>
+            <pc:docMk/>
+            <pc:sldMk cId="15714287" sldId="472"/>
+            <ac:spMk id="3" creationId="{0B2B4336-BB3D-7291-D6DE-C910A086B5D4}"/>
+          </ac:spMkLst>
+        </pc:spChg>
+      </pc:sldChg>
+      <pc:sldChg chg="modSp new mod">
+        <pc:chgData name="Matthieu De Mari" userId="dfb708c9-d8dc-439f-9a3b-c772bf4a311c" providerId="ADAL" clId="{B0CEE87B-D72F-42C4-9252-B1F3D053B793}" dt="2023-04-18T13:08:23.250" v="8860" actId="20577"/>
+        <pc:sldMkLst>
+          <pc:docMk/>
+          <pc:sldMk cId="1085855309" sldId="473"/>
+        </pc:sldMkLst>
+        <pc:spChg chg="mod">
+          <ac:chgData name="Matthieu De Mari" userId="dfb708c9-d8dc-439f-9a3b-c772bf4a311c" providerId="ADAL" clId="{B0CEE87B-D72F-42C4-9252-B1F3D053B793}" dt="2023-04-18T13:08:05.400" v="8814" actId="20577"/>
+          <ac:spMkLst>
+            <pc:docMk/>
+            <pc:sldMk cId="1085855309" sldId="473"/>
+            <ac:spMk id="2" creationId="{DA211EE2-653C-8B2F-77B8-DDABD73CA4B3}"/>
+          </ac:spMkLst>
+        </pc:spChg>
+        <pc:spChg chg="mod">
+          <ac:chgData name="Matthieu De Mari" userId="dfb708c9-d8dc-439f-9a3b-c772bf4a311c" providerId="ADAL" clId="{B0CEE87B-D72F-42C4-9252-B1F3D053B793}" dt="2023-04-18T13:08:23.250" v="8860" actId="20577"/>
+          <ac:spMkLst>
+            <pc:docMk/>
+            <pc:sldMk cId="1085855309" sldId="473"/>
+            <ac:spMk id="3" creationId="{C3D080E1-9C7F-E92E-EE4C-7CD33FA938A0}"/>
+          </ac:spMkLst>
+        </pc:spChg>
+      </pc:sldChg>
+      <pc:sldChg chg="modSp add mod">
+        <pc:chgData name="Matthieu De Mari" userId="dfb708c9-d8dc-439f-9a3b-c772bf4a311c" providerId="ADAL" clId="{B0CEE87B-D72F-42C4-9252-B1F3D053B793}" dt="2023-04-18T13:08:40.199" v="8863" actId="207"/>
+        <pc:sldMkLst>
+          <pc:docMk/>
+          <pc:sldMk cId="1742133511" sldId="474"/>
+        </pc:sldMkLst>
+        <pc:spChg chg="mod">
+          <ac:chgData name="Matthieu De Mari" userId="dfb708c9-d8dc-439f-9a3b-c772bf4a311c" providerId="ADAL" clId="{B0CEE87B-D72F-42C4-9252-B1F3D053B793}" dt="2023-04-18T13:08:40.199" v="8863" actId="207"/>
+          <ac:spMkLst>
+            <pc:docMk/>
+            <pc:sldMk cId="1742133511" sldId="474"/>
+            <ac:spMk id="3" creationId="{C3D080E1-9C7F-E92E-EE4C-7CD33FA938A0}"/>
+          </ac:spMkLst>
+        </pc:spChg>
       </pc:sldChg>
     </pc:docChg>
   </pc:docChgLst>
@@ -23606,7 +23812,7 @@
           <a:p>
             <a:fld id="{98CFC6A4-B085-437B-8084-693BEB2A32DE}" type="datetimeFigureOut">
               <a:rPr lang="en-SG" smtClean="0"/>
-              <a:t>18/4/2023</a:t>
+              <a:t>20/4/2023</a:t>
             </a:fld>
             <a:endParaRPr lang="en-SG"/>
           </a:p>
@@ -24023,7 +24229,7 @@
           <a:p>
             <a:fld id="{AB35F6B0-D468-4997-9CE3-CF2A1AE5E3F9}" type="datetimeFigureOut">
               <a:rPr lang="en-SG" smtClean="0"/>
-              <a:t>18/4/2023</a:t>
+              <a:t>20/4/2023</a:t>
             </a:fld>
             <a:endParaRPr lang="en-SG"/>
           </a:p>
@@ -24223,7 +24429,7 @@
           <a:p>
             <a:fld id="{AB35F6B0-D468-4997-9CE3-CF2A1AE5E3F9}" type="datetimeFigureOut">
               <a:rPr lang="en-SG" smtClean="0"/>
-              <a:t>18/4/2023</a:t>
+              <a:t>20/4/2023</a:t>
             </a:fld>
             <a:endParaRPr lang="en-SG"/>
           </a:p>
@@ -24433,7 +24639,7 @@
           <a:p>
             <a:fld id="{AB35F6B0-D468-4997-9CE3-CF2A1AE5E3F9}" type="datetimeFigureOut">
               <a:rPr lang="en-SG" smtClean="0"/>
-              <a:t>18/4/2023</a:t>
+              <a:t>20/4/2023</a:t>
             </a:fld>
             <a:endParaRPr lang="en-SG"/>
           </a:p>
@@ -24633,7 +24839,7 @@
           <a:p>
             <a:fld id="{AB35F6B0-D468-4997-9CE3-CF2A1AE5E3F9}" type="datetimeFigureOut">
               <a:rPr lang="en-SG" smtClean="0"/>
-              <a:t>18/4/2023</a:t>
+              <a:t>20/4/2023</a:t>
             </a:fld>
             <a:endParaRPr lang="en-SG"/>
           </a:p>
@@ -24909,7 +25115,7 @@
           <a:p>
             <a:fld id="{AB35F6B0-D468-4997-9CE3-CF2A1AE5E3F9}" type="datetimeFigureOut">
               <a:rPr lang="en-SG" smtClean="0"/>
-              <a:t>18/4/2023</a:t>
+              <a:t>20/4/2023</a:t>
             </a:fld>
             <a:endParaRPr lang="en-SG"/>
           </a:p>
@@ -25177,7 +25383,7 @@
           <a:p>
             <a:fld id="{AB35F6B0-D468-4997-9CE3-CF2A1AE5E3F9}" type="datetimeFigureOut">
               <a:rPr lang="en-SG" smtClean="0"/>
-              <a:t>18/4/2023</a:t>
+              <a:t>20/4/2023</a:t>
             </a:fld>
             <a:endParaRPr lang="en-SG"/>
           </a:p>
@@ -25592,7 +25798,7 @@
           <a:p>
             <a:fld id="{AB35F6B0-D468-4997-9CE3-CF2A1AE5E3F9}" type="datetimeFigureOut">
               <a:rPr lang="en-SG" smtClean="0"/>
-              <a:t>18/4/2023</a:t>
+              <a:t>20/4/2023</a:t>
             </a:fld>
             <a:endParaRPr lang="en-SG"/>
           </a:p>
@@ -25734,7 +25940,7 @@
           <a:p>
             <a:fld id="{AB35F6B0-D468-4997-9CE3-CF2A1AE5E3F9}" type="datetimeFigureOut">
               <a:rPr lang="en-SG" smtClean="0"/>
-              <a:t>18/4/2023</a:t>
+              <a:t>20/4/2023</a:t>
             </a:fld>
             <a:endParaRPr lang="en-SG"/>
           </a:p>
@@ -25847,7 +26053,7 @@
           <a:p>
             <a:fld id="{AB35F6B0-D468-4997-9CE3-CF2A1AE5E3F9}" type="datetimeFigureOut">
               <a:rPr lang="en-SG" smtClean="0"/>
-              <a:t>18/4/2023</a:t>
+              <a:t>20/4/2023</a:t>
             </a:fld>
             <a:endParaRPr lang="en-SG"/>
           </a:p>
@@ -26160,7 +26366,7 @@
           <a:p>
             <a:fld id="{AB35F6B0-D468-4997-9CE3-CF2A1AE5E3F9}" type="datetimeFigureOut">
               <a:rPr lang="en-SG" smtClean="0"/>
-              <a:t>18/4/2023</a:t>
+              <a:t>20/4/2023</a:t>
             </a:fld>
             <a:endParaRPr lang="en-SG"/>
           </a:p>
@@ -26449,7 +26655,7 @@
           <a:p>
             <a:fld id="{AB35F6B0-D468-4997-9CE3-CF2A1AE5E3F9}" type="datetimeFigureOut">
               <a:rPr lang="en-SG" smtClean="0"/>
-              <a:t>18/4/2023</a:t>
+              <a:t>20/4/2023</a:t>
             </a:fld>
             <a:endParaRPr lang="en-SG"/>
           </a:p>
@@ -26692,7 +26898,7 @@
           <a:p>
             <a:fld id="{AB35F6B0-D468-4997-9CE3-CF2A1AE5E3F9}" type="datetimeFigureOut">
               <a:rPr lang="en-SG" smtClean="0"/>
-              <a:t>18/4/2023</a:t>
+              <a:t>20/4/2023</a:t>
             </a:fld>
             <a:endParaRPr lang="en-SG"/>
           </a:p>
@@ -27243,14 +27449,18 @@
             </a:br>
             <a:r>
               <a:rPr lang="en-US" dirty="0"/>
-              <a:t>W13-S2 Code Generation,</a:t>
+              <a:t>W13-S2 </a:t>
+            </a:r>
+            <a:r>
+              <a:rPr lang="en-US"/>
+              <a:t>Code Generation and</a:t>
             </a:r>
             <a:br>
               <a:rPr lang="en-US" dirty="0"/>
             </a:br>
             <a:r>
-              <a:rPr lang="en-US" dirty="0"/>
-              <a:t>Register Allocation and Linking/Loading</a:t>
+              <a:rPr lang="en-US"/>
+              <a:t>Register Allocation</a:t>
             </a:r>
             <a:endParaRPr lang="en-GB" dirty="0"/>
           </a:p>
@@ -27908,733 +28118,6 @@
       </p:grpSpPr>
       <p:sp>
         <p:nvSpPr>
-          <p:cNvPr id="2" name="Title 1">
-            <a:extLst>
-              <a:ext uri="{FF2B5EF4-FFF2-40B4-BE49-F238E27FC236}">
-                <a16:creationId xmlns:a16="http://schemas.microsoft.com/office/drawing/2014/main" id="{5CCB16A8-77FB-83A2-DD3F-F56410FBE591}"/>
-              </a:ext>
-            </a:extLst>
-          </p:cNvPr>
-          <p:cNvSpPr>
-            <a:spLocks noGrp="1"/>
-          </p:cNvSpPr>
-          <p:nvPr>
-            <p:ph type="title"/>
-          </p:nvPr>
-        </p:nvSpPr>
-        <p:spPr/>
-        <p:txBody>
-          <a:bodyPr/>
-          <a:lstStyle/>
-          <a:p>
-            <a:r>
-              <a:rPr lang="en-GB" dirty="0"/>
-              <a:t>Three-address code representation</a:t>
-            </a:r>
-            <a:endParaRPr lang="en-SG" dirty="0"/>
-          </a:p>
-        </p:txBody>
-      </p:sp>
-      <mc:AlternateContent xmlns:mc="http://schemas.openxmlformats.org/markup-compatibility/2006" xmlns:a14="http://schemas.microsoft.com/office/drawing/2010/main">
-        <mc:Choice Requires="a14">
-          <p:sp>
-            <p:nvSpPr>
-              <p:cNvPr id="3" name="Content Placeholder 2">
-                <a:extLst>
-                  <a:ext uri="{FF2B5EF4-FFF2-40B4-BE49-F238E27FC236}">
-                    <a16:creationId xmlns:a16="http://schemas.microsoft.com/office/drawing/2014/main" id="{900B7324-B540-3767-63C5-15C5025183F5}"/>
-                  </a:ext>
-                </a:extLst>
-              </p:cNvPr>
-              <p:cNvSpPr>
-                <a:spLocks noGrp="1"/>
-              </p:cNvSpPr>
-              <p:nvPr>
-                <p:ph idx="1"/>
-              </p:nvPr>
-            </p:nvSpPr>
-            <p:spPr/>
-            <p:txBody>
-              <a:bodyPr/>
-              <a:lstStyle/>
-              <a:p>
-                <a:pPr marL="0" indent="0">
-                  <a:buNone/>
-                </a:pPr>
-                <a:r>
-                  <a:rPr lang="en-GB" b="1" dirty="0"/>
-                  <a:t>Definition (</a:t>
-                </a:r>
-                <a:r>
-                  <a:rPr lang="en-GB" b="1" dirty="0">
-                    <a:solidFill>
-                      <a:srgbClr val="00B050"/>
-                    </a:solidFill>
-                  </a:rPr>
-                  <a:t>Three-address code </a:t>
-                </a:r>
-                <a:r>
-                  <a:rPr lang="en-GB" b="1" dirty="0"/>
-                  <a:t>representation):</a:t>
-                </a:r>
-              </a:p>
-              <a:p>
-                <a:pPr marL="0" indent="0">
-                  <a:buNone/>
-                </a:pPr>
-                <a:r>
-                  <a:rPr lang="en-GB" b="1" dirty="0">
-                    <a:solidFill>
-                      <a:srgbClr val="00B050"/>
-                    </a:solidFill>
-                  </a:rPr>
-                  <a:t>Three-address code </a:t>
-                </a:r>
-                <a:r>
-                  <a:rPr lang="en-GB" dirty="0"/>
-                  <a:t>is a low-level intermediate code representation used by compilers to facilitate optimization and code generation.</a:t>
-                </a:r>
-              </a:p>
-              <a:p>
-                <a:pPr marL="0" indent="0">
-                  <a:buNone/>
-                </a:pPr>
-                <a:r>
-                  <a:rPr lang="en-GB" dirty="0"/>
-                  <a:t>It is called </a:t>
-                </a:r>
-                <a:r>
-                  <a:rPr lang="en-GB" b="1" dirty="0"/>
-                  <a:t>“three-address” </a:t>
-                </a:r>
-                <a:r>
-                  <a:rPr lang="en-GB" dirty="0"/>
-                  <a:t>because each instruction in the code </a:t>
-                </a:r>
-                <a:r>
-                  <a:rPr lang="en-GB" b="1" dirty="0"/>
-                  <a:t>can have at most three operands</a:t>
-                </a:r>
-                <a:r>
-                  <a:rPr lang="en-GB" dirty="0"/>
-                  <a:t>.</a:t>
-                </a:r>
-              </a:p>
-              <a:p>
-                <a:pPr marL="0" indent="0">
-                  <a:buNone/>
-                </a:pPr>
-                <a:r>
-                  <a:rPr lang="en-GB" dirty="0"/>
-                  <a:t>A typical three-address code instruction has the following format:</a:t>
-                </a:r>
-              </a:p>
-              <a:p>
-                <a:pPr marL="0" indent="0">
-                  <a:buNone/>
-                </a:pPr>
-                <a:endParaRPr lang="en-GB" dirty="0"/>
-              </a:p>
-              <a:p>
-                <a:pPr marL="0" indent="0">
-                  <a:buNone/>
-                </a:pPr>
-                <a14:m>
-                  <m:oMathPara xmlns:m="http://schemas.openxmlformats.org/officeDocument/2006/math">
-                    <m:oMathParaPr>
-                      <m:jc m:val="centerGroup"/>
-                    </m:oMathParaPr>
-                    <m:oMath xmlns:m="http://schemas.openxmlformats.org/officeDocument/2006/math">
-                      <m:r>
-                        <a:rPr lang="en-GB" b="0" i="1" smtClean="0">
-                          <a:solidFill>
-                            <a:srgbClr val="7030A0"/>
-                          </a:solidFill>
-                          <a:latin typeface="Cambria Math" panose="02040503050406030204" pitchFamily="18" charset="0"/>
-                        </a:rPr>
-                        <m:t>𝑜𝑝𝑒𝑟𝑎𝑛𝑑</m:t>
-                      </m:r>
-                      <m:r>
-                        <a:rPr lang="en-GB" b="0" i="1" smtClean="0">
-                          <a:solidFill>
-                            <a:srgbClr val="7030A0"/>
-                          </a:solidFill>
-                          <a:latin typeface="Cambria Math" panose="02040503050406030204" pitchFamily="18" charset="0"/>
-                        </a:rPr>
-                        <m:t>1=</m:t>
-                      </m:r>
-                      <m:r>
-                        <a:rPr lang="en-GB" b="0" i="1" smtClean="0">
-                          <a:solidFill>
-                            <a:srgbClr val="7030A0"/>
-                          </a:solidFill>
-                          <a:latin typeface="Cambria Math" panose="02040503050406030204" pitchFamily="18" charset="0"/>
-                        </a:rPr>
-                        <m:t>𝑜𝑝𝑒𝑟𝑎𝑛𝑑</m:t>
-                      </m:r>
-                      <m:r>
-                        <a:rPr lang="en-GB" b="0" i="1" smtClean="0">
-                          <a:solidFill>
-                            <a:srgbClr val="7030A0"/>
-                          </a:solidFill>
-                          <a:latin typeface="Cambria Math" panose="02040503050406030204" pitchFamily="18" charset="0"/>
-                        </a:rPr>
-                        <m:t>2 </m:t>
-                      </m:r>
-                      <m:r>
-                        <a:rPr lang="en-GB" b="0" i="1" smtClean="0">
-                          <a:solidFill>
-                            <a:schemeClr val="accent2"/>
-                          </a:solidFill>
-                          <a:latin typeface="Cambria Math" panose="02040503050406030204" pitchFamily="18" charset="0"/>
-                        </a:rPr>
-                        <m:t>𝑜𝑝𝑒𝑟𝑎𝑡𝑜𝑟</m:t>
-                      </m:r>
-                      <m:r>
-                        <a:rPr lang="en-GB" b="0" i="1" smtClean="0">
-                          <a:latin typeface="Cambria Math" panose="02040503050406030204" pitchFamily="18" charset="0"/>
-                        </a:rPr>
-                        <m:t> </m:t>
-                      </m:r>
-                      <m:r>
-                        <a:rPr lang="en-GB" b="0" i="1" smtClean="0">
-                          <a:solidFill>
-                            <a:srgbClr val="7030A0"/>
-                          </a:solidFill>
-                          <a:latin typeface="Cambria Math" panose="02040503050406030204" pitchFamily="18" charset="0"/>
-                        </a:rPr>
-                        <m:t>𝑜𝑝𝑒𝑟𝑎𝑛𝑑</m:t>
-                      </m:r>
-                      <m:r>
-                        <a:rPr lang="en-GB" b="0" i="1" smtClean="0">
-                          <a:solidFill>
-                            <a:srgbClr val="7030A0"/>
-                          </a:solidFill>
-                          <a:latin typeface="Cambria Math" panose="02040503050406030204" pitchFamily="18" charset="0"/>
-                        </a:rPr>
-                        <m:t>3</m:t>
-                      </m:r>
-                    </m:oMath>
-                  </m:oMathPara>
-                </a14:m>
-                <a:endParaRPr lang="en-SG" dirty="0"/>
-              </a:p>
-            </p:txBody>
-          </p:sp>
-        </mc:Choice>
-        <mc:Fallback xmlns="">
-          <p:sp>
-            <p:nvSpPr>
-              <p:cNvPr id="3" name="Content Placeholder 2">
-                <a:extLst>
-                  <a:ext uri="{FF2B5EF4-FFF2-40B4-BE49-F238E27FC236}">
-                    <a16:creationId xmlns:a16="http://schemas.microsoft.com/office/drawing/2014/main" id="{900B7324-B540-3767-63C5-15C5025183F5}"/>
-                  </a:ext>
-                </a:extLst>
-              </p:cNvPr>
-              <p:cNvSpPr>
-                <a:spLocks noGrp="1" noRot="1" noChangeAspect="1" noMove="1" noResize="1" noEditPoints="1" noAdjustHandles="1" noChangeArrowheads="1" noChangeShapeType="1" noTextEdit="1"/>
-              </p:cNvSpPr>
-              <p:nvPr>
-                <p:ph idx="1"/>
-              </p:nvPr>
-            </p:nvSpPr>
-            <p:spPr>
-              <a:blipFill>
-                <a:blip r:embed="rId2"/>
-                <a:stretch>
-                  <a:fillRect l="-1217" t="-2241"/>
-                </a:stretch>
-              </a:blipFill>
-            </p:spPr>
-            <p:txBody>
-              <a:bodyPr/>
-              <a:lstStyle/>
-              <a:p>
-                <a:r>
-                  <a:rPr lang="en-SG">
-                    <a:noFill/>
-                  </a:rPr>
-                  <a:t> </a:t>
-                </a:r>
-              </a:p>
-            </p:txBody>
-          </p:sp>
-        </mc:Fallback>
-      </mc:AlternateContent>
-    </p:spTree>
-    <p:extLst>
-      <p:ext uri="{BB962C8B-B14F-4D97-AF65-F5344CB8AC3E}">
-        <p14:creationId xmlns:p14="http://schemas.microsoft.com/office/powerpoint/2010/main" val="1060213588"/>
-      </p:ext>
-    </p:extLst>
-  </p:cSld>
-  <p:clrMapOvr>
-    <a:masterClrMapping/>
-  </p:clrMapOvr>
-</p:sld>
-</file>
-
-<file path=ppt/slides/slide15.xml><?xml version="1.0" encoding="utf-8"?>
-<p:sld xmlns:a="http://schemas.openxmlformats.org/drawingml/2006/main" xmlns:r="http://schemas.openxmlformats.org/officeDocument/2006/relationships" xmlns:p="http://schemas.openxmlformats.org/presentationml/2006/main">
-  <p:cSld>
-    <p:spTree>
-      <p:nvGrpSpPr>
-        <p:cNvPr id="1" name=""/>
-        <p:cNvGrpSpPr/>
-        <p:nvPr/>
-      </p:nvGrpSpPr>
-      <p:grpSpPr>
-        <a:xfrm>
-          <a:off x="0" y="0"/>
-          <a:ext cx="0" cy="0"/>
-          <a:chOff x="0" y="0"/>
-          <a:chExt cx="0" cy="0"/>
-        </a:xfrm>
-      </p:grpSpPr>
-      <p:sp>
-        <p:nvSpPr>
-          <p:cNvPr id="5" name="Title 4">
-            <a:extLst>
-              <a:ext uri="{FF2B5EF4-FFF2-40B4-BE49-F238E27FC236}">
-                <a16:creationId xmlns:a16="http://schemas.microsoft.com/office/drawing/2014/main" id="{CDCC8ACE-D08A-BD83-4761-0125398F5528}"/>
-              </a:ext>
-            </a:extLst>
-          </p:cNvPr>
-          <p:cNvSpPr>
-            <a:spLocks noGrp="1"/>
-          </p:cNvSpPr>
-          <p:nvPr>
-            <p:ph type="title"/>
-          </p:nvPr>
-        </p:nvSpPr>
-        <p:spPr/>
-        <p:txBody>
-          <a:bodyPr/>
-          <a:lstStyle/>
-          <a:p>
-            <a:r>
-              <a:rPr lang="en-GB" dirty="0"/>
-              <a:t>Virtual Machine code representation</a:t>
-            </a:r>
-            <a:endParaRPr lang="en-SG" dirty="0"/>
-          </a:p>
-        </p:txBody>
-      </p:sp>
-      <p:sp>
-        <p:nvSpPr>
-          <p:cNvPr id="6" name="Content Placeholder 5">
-            <a:extLst>
-              <a:ext uri="{FF2B5EF4-FFF2-40B4-BE49-F238E27FC236}">
-                <a16:creationId xmlns:a16="http://schemas.microsoft.com/office/drawing/2014/main" id="{3AF909AF-E2DD-B225-14F2-A009EAC96834}"/>
-              </a:ext>
-            </a:extLst>
-          </p:cNvPr>
-          <p:cNvSpPr>
-            <a:spLocks noGrp="1"/>
-          </p:cNvSpPr>
-          <p:nvPr>
-            <p:ph idx="1"/>
-          </p:nvPr>
-        </p:nvSpPr>
-        <p:spPr>
-          <a:xfrm>
-            <a:off x="838200" y="1825624"/>
-            <a:ext cx="10515600" cy="5032375"/>
-          </a:xfrm>
-        </p:spPr>
-        <p:txBody>
-          <a:bodyPr/>
-          <a:lstStyle/>
-          <a:p>
-            <a:pPr marL="0" indent="0">
-              <a:buNone/>
-            </a:pPr>
-            <a:r>
-              <a:rPr lang="en-GB" b="1" dirty="0"/>
-              <a:t>Definition (</a:t>
-            </a:r>
-            <a:r>
-              <a:rPr lang="en-GB" b="1" dirty="0">
-                <a:solidFill>
-                  <a:srgbClr val="00B050"/>
-                </a:solidFill>
-              </a:rPr>
-              <a:t>Virtual Machine code </a:t>
-            </a:r>
-            <a:r>
-              <a:rPr lang="en-GB" b="1" dirty="0"/>
-              <a:t>representation):</a:t>
-            </a:r>
-          </a:p>
-          <a:p>
-            <a:pPr marL="0" indent="0">
-              <a:buNone/>
-            </a:pPr>
-            <a:r>
-              <a:rPr lang="en-GB" b="1" dirty="0">
-                <a:solidFill>
-                  <a:srgbClr val="00B050"/>
-                </a:solidFill>
-              </a:rPr>
-              <a:t>Virtual Machine code </a:t>
-            </a:r>
-            <a:r>
-              <a:rPr lang="en-GB" b="1" dirty="0"/>
-              <a:t>(VM code) </a:t>
-            </a:r>
-            <a:r>
-              <a:rPr lang="en-GB" dirty="0"/>
-              <a:t>is an intermediate representation of code that is designed to be executed on a virtual machine rather than on the hardware directly.</a:t>
-            </a:r>
-          </a:p>
-          <a:p>
-            <a:pPr marL="0" indent="0">
-              <a:buNone/>
-            </a:pPr>
-            <a:r>
-              <a:rPr lang="en-GB" dirty="0"/>
-              <a:t>It is typically used by compilers that target virtual machines (e.g. the Java Virtual Machine or the .NET Common Language Runtime).</a:t>
-            </a:r>
-          </a:p>
-          <a:p>
-            <a:pPr marL="0" indent="0">
-              <a:buNone/>
-            </a:pPr>
-            <a:r>
-              <a:rPr lang="en-GB" dirty="0"/>
-              <a:t>It is a stack-based representation, where each operation is performed on values that are pushed onto and popped off of a stack. Each VM instruction typically consists of an opcode and zero or more operands.</a:t>
-            </a:r>
-          </a:p>
-          <a:p>
-            <a:endParaRPr lang="en-SG" dirty="0"/>
-          </a:p>
-        </p:txBody>
-      </p:sp>
-    </p:spTree>
-    <p:extLst>
-      <p:ext uri="{BB962C8B-B14F-4D97-AF65-F5344CB8AC3E}">
-        <p14:creationId xmlns:p14="http://schemas.microsoft.com/office/powerpoint/2010/main" val="3544056403"/>
-      </p:ext>
-    </p:extLst>
-  </p:cSld>
-  <p:clrMapOvr>
-    <a:masterClrMapping/>
-  </p:clrMapOvr>
-</p:sld>
-</file>
-
-<file path=ppt/slides/slide16.xml><?xml version="1.0" encoding="utf-8"?>
-<p:sld xmlns:a="http://schemas.openxmlformats.org/drawingml/2006/main" xmlns:r="http://schemas.openxmlformats.org/officeDocument/2006/relationships" xmlns:p="http://schemas.openxmlformats.org/presentationml/2006/main">
-  <p:cSld>
-    <p:spTree>
-      <p:nvGrpSpPr>
-        <p:cNvPr id="1" name=""/>
-        <p:cNvGrpSpPr/>
-        <p:nvPr/>
-      </p:nvGrpSpPr>
-      <p:grpSpPr>
-        <a:xfrm>
-          <a:off x="0" y="0"/>
-          <a:ext cx="0" cy="0"/>
-          <a:chOff x="0" y="0"/>
-          <a:chExt cx="0" cy="0"/>
-        </a:xfrm>
-      </p:grpSpPr>
-      <p:sp>
-        <p:nvSpPr>
-          <p:cNvPr id="2" name="Title 1">
-            <a:extLst>
-              <a:ext uri="{FF2B5EF4-FFF2-40B4-BE49-F238E27FC236}">
-                <a16:creationId xmlns:a16="http://schemas.microsoft.com/office/drawing/2014/main" id="{5CCB16A8-77FB-83A2-DD3F-F56410FBE591}"/>
-              </a:ext>
-            </a:extLst>
-          </p:cNvPr>
-          <p:cNvSpPr>
-            <a:spLocks noGrp="1"/>
-          </p:cNvSpPr>
-          <p:nvPr>
-            <p:ph type="title"/>
-          </p:nvPr>
-        </p:nvSpPr>
-        <p:spPr/>
-        <p:txBody>
-          <a:bodyPr/>
-          <a:lstStyle/>
-          <a:p>
-            <a:r>
-              <a:rPr lang="en-GB" dirty="0"/>
-              <a:t>Virtual Machine code representation</a:t>
-            </a:r>
-            <a:endParaRPr lang="en-SG" dirty="0"/>
-          </a:p>
-        </p:txBody>
-      </p:sp>
-      <p:sp>
-        <p:nvSpPr>
-          <p:cNvPr id="3" name="Content Placeholder 2">
-            <a:extLst>
-              <a:ext uri="{FF2B5EF4-FFF2-40B4-BE49-F238E27FC236}">
-                <a16:creationId xmlns:a16="http://schemas.microsoft.com/office/drawing/2014/main" id="{900B7324-B540-3767-63C5-15C5025183F5}"/>
-              </a:ext>
-            </a:extLst>
-          </p:cNvPr>
-          <p:cNvSpPr>
-            <a:spLocks noGrp="1"/>
-          </p:cNvSpPr>
-          <p:nvPr>
-            <p:ph sz="half" idx="1"/>
-          </p:nvPr>
-        </p:nvSpPr>
-        <p:spPr>
-          <a:xfrm>
-            <a:off x="838200" y="1825625"/>
-            <a:ext cx="4887478" cy="4351338"/>
-          </a:xfrm>
-        </p:spPr>
-        <p:txBody>
-          <a:bodyPr/>
-          <a:lstStyle/>
-          <a:p>
-            <a:pPr marL="0" indent="0">
-              <a:buNone/>
-            </a:pPr>
-            <a:r>
-              <a:rPr lang="en-GB" dirty="0"/>
-              <a:t>For instance, the C code on the right can be transformed…</a:t>
-            </a:r>
-          </a:p>
-          <a:p>
-            <a:pPr marL="0" indent="0">
-              <a:buNone/>
-            </a:pPr>
-            <a:endParaRPr lang="en-GB" dirty="0"/>
-          </a:p>
-          <a:p>
-            <a:pPr marL="0" indent="0">
-              <a:buNone/>
-            </a:pPr>
-            <a:r>
-              <a:rPr lang="en-GB" dirty="0"/>
-              <a:t>…into its equivalent VM code representation, below.</a:t>
-            </a:r>
-            <a:endParaRPr lang="en-SG" dirty="0"/>
-          </a:p>
-          <a:p>
-            <a:pPr marL="0" indent="0">
-              <a:buNone/>
-            </a:pPr>
-            <a:endParaRPr lang="en-SG" dirty="0"/>
-          </a:p>
-          <a:p>
-            <a:pPr marL="0" indent="0">
-              <a:buNone/>
-            </a:pPr>
-            <a:endParaRPr lang="en-GB" b="1" dirty="0"/>
-          </a:p>
-        </p:txBody>
-      </p:sp>
-      <p:pic>
-        <p:nvPicPr>
-          <p:cNvPr id="5" name="Picture 4">
-            <a:extLst>
-              <a:ext uri="{FF2B5EF4-FFF2-40B4-BE49-F238E27FC236}">
-                <a16:creationId xmlns:a16="http://schemas.microsoft.com/office/drawing/2014/main" id="{E83B4131-D336-D3B1-66C2-F761917C4A2A}"/>
-              </a:ext>
-            </a:extLst>
-          </p:cNvPr>
-          <p:cNvPicPr>
-            <a:picLocks noChangeAspect="1"/>
-          </p:cNvPicPr>
-          <p:nvPr/>
-        </p:nvPicPr>
-        <p:blipFill>
-          <a:blip r:embed="rId2"/>
-          <a:stretch>
-            <a:fillRect/>
-          </a:stretch>
-        </p:blipFill>
-        <p:spPr>
-          <a:xfrm>
-            <a:off x="78154" y="4628291"/>
-            <a:ext cx="12192000" cy="1978033"/>
-          </a:xfrm>
-          <a:prstGeom prst="rect">
-            <a:avLst/>
-          </a:prstGeom>
-        </p:spPr>
-      </p:pic>
-      <p:pic>
-        <p:nvPicPr>
-          <p:cNvPr id="9" name="Picture 8">
-            <a:extLst>
-              <a:ext uri="{FF2B5EF4-FFF2-40B4-BE49-F238E27FC236}">
-                <a16:creationId xmlns:a16="http://schemas.microsoft.com/office/drawing/2014/main" id="{2EB294A0-EB6D-13E4-9D25-3E2491032776}"/>
-              </a:ext>
-            </a:extLst>
-          </p:cNvPr>
-          <p:cNvPicPr>
-            <a:picLocks noChangeAspect="1"/>
-          </p:cNvPicPr>
-          <p:nvPr/>
-        </p:nvPicPr>
-        <p:blipFill>
-          <a:blip r:embed="rId3"/>
-          <a:stretch>
-            <a:fillRect/>
-          </a:stretch>
-        </p:blipFill>
-        <p:spPr>
-          <a:xfrm>
-            <a:off x="5806831" y="1906146"/>
-            <a:ext cx="6228822" cy="2377272"/>
-          </a:xfrm>
-          <a:prstGeom prst="rect">
-            <a:avLst/>
-          </a:prstGeom>
-        </p:spPr>
-      </p:pic>
-    </p:spTree>
-    <p:extLst>
-      <p:ext uri="{BB962C8B-B14F-4D97-AF65-F5344CB8AC3E}">
-        <p14:creationId xmlns:p14="http://schemas.microsoft.com/office/powerpoint/2010/main" val="511100047"/>
-      </p:ext>
-    </p:extLst>
-  </p:cSld>
-  <p:clrMapOvr>
-    <a:masterClrMapping/>
-  </p:clrMapOvr>
-</p:sld>
-</file>
-
-<file path=ppt/slides/slide17.xml><?xml version="1.0" encoding="utf-8"?>
-<p:sld xmlns:a="http://schemas.openxmlformats.org/drawingml/2006/main" xmlns:r="http://schemas.openxmlformats.org/officeDocument/2006/relationships" xmlns:p="http://schemas.openxmlformats.org/presentationml/2006/main">
-  <p:cSld>
-    <p:spTree>
-      <p:nvGrpSpPr>
-        <p:cNvPr id="1" name=""/>
-        <p:cNvGrpSpPr/>
-        <p:nvPr/>
-      </p:nvGrpSpPr>
-      <p:grpSpPr>
-        <a:xfrm>
-          <a:off x="0" y="0"/>
-          <a:ext cx="0" cy="0"/>
-          <a:chOff x="0" y="0"/>
-          <a:chExt cx="0" cy="0"/>
-        </a:xfrm>
-      </p:grpSpPr>
-      <p:sp>
-        <p:nvSpPr>
-          <p:cNvPr id="2" name="Title 1">
-            <a:extLst>
-              <a:ext uri="{FF2B5EF4-FFF2-40B4-BE49-F238E27FC236}">
-                <a16:creationId xmlns:a16="http://schemas.microsoft.com/office/drawing/2014/main" id="{A2BA3AB6-801B-8F28-9C91-79215F134B38}"/>
-              </a:ext>
-            </a:extLst>
-          </p:cNvPr>
-          <p:cNvSpPr>
-            <a:spLocks noGrp="1"/>
-          </p:cNvSpPr>
-          <p:nvPr>
-            <p:ph type="title"/>
-          </p:nvPr>
-        </p:nvSpPr>
-        <p:spPr/>
-        <p:txBody>
-          <a:bodyPr/>
-          <a:lstStyle/>
-          <a:p>
-            <a:r>
-              <a:rPr lang="en-GB" dirty="0"/>
-              <a:t>A quick word on instruction scheduling</a:t>
-            </a:r>
-            <a:endParaRPr lang="en-SG" dirty="0"/>
-          </a:p>
-        </p:txBody>
-      </p:sp>
-      <p:sp>
-        <p:nvSpPr>
-          <p:cNvPr id="3" name="Content Placeholder 2">
-            <a:extLst>
-              <a:ext uri="{FF2B5EF4-FFF2-40B4-BE49-F238E27FC236}">
-                <a16:creationId xmlns:a16="http://schemas.microsoft.com/office/drawing/2014/main" id="{F607FCDD-F67D-1776-8D24-13F4B7515B00}"/>
-              </a:ext>
-            </a:extLst>
-          </p:cNvPr>
-          <p:cNvSpPr>
-            <a:spLocks noGrp="1"/>
-          </p:cNvSpPr>
-          <p:nvPr>
-            <p:ph sz="half" idx="1"/>
-          </p:nvPr>
-        </p:nvSpPr>
-        <p:spPr/>
-        <p:txBody>
-          <a:bodyPr/>
-          <a:lstStyle/>
-          <a:p>
-            <a:endParaRPr lang="en-SG"/>
-          </a:p>
-        </p:txBody>
-      </p:sp>
-      <p:sp>
-        <p:nvSpPr>
-          <p:cNvPr id="4" name="Content Placeholder 3">
-            <a:extLst>
-              <a:ext uri="{FF2B5EF4-FFF2-40B4-BE49-F238E27FC236}">
-                <a16:creationId xmlns:a16="http://schemas.microsoft.com/office/drawing/2014/main" id="{824FCB66-8AF8-A11D-2D62-249020033587}"/>
-              </a:ext>
-            </a:extLst>
-          </p:cNvPr>
-          <p:cNvSpPr>
-            <a:spLocks noGrp="1"/>
-          </p:cNvSpPr>
-          <p:nvPr>
-            <p:ph sz="half" idx="2"/>
-          </p:nvPr>
-        </p:nvSpPr>
-        <p:spPr/>
-        <p:txBody>
-          <a:bodyPr/>
-          <a:lstStyle/>
-          <a:p>
-            <a:endParaRPr lang="en-SG"/>
-          </a:p>
-        </p:txBody>
-      </p:sp>
-    </p:spTree>
-    <p:extLst>
-      <p:ext uri="{BB962C8B-B14F-4D97-AF65-F5344CB8AC3E}">
-        <p14:creationId xmlns:p14="http://schemas.microsoft.com/office/powerpoint/2010/main" val="2748147379"/>
-      </p:ext>
-    </p:extLst>
-  </p:cSld>
-  <p:clrMapOvr>
-    <a:masterClrMapping/>
-  </p:clrMapOvr>
-</p:sld>
-</file>
-
-<file path=ppt/slides/slide18.xml><?xml version="1.0" encoding="utf-8"?>
-<p:sld xmlns:a="http://schemas.openxmlformats.org/drawingml/2006/main" xmlns:r="http://schemas.openxmlformats.org/officeDocument/2006/relationships" xmlns:p="http://schemas.openxmlformats.org/presentationml/2006/main">
-  <p:cSld>
-    <p:spTree>
-      <p:nvGrpSpPr>
-        <p:cNvPr id="1" name=""/>
-        <p:cNvGrpSpPr/>
-        <p:nvPr/>
-      </p:nvGrpSpPr>
-      <p:grpSpPr>
-        <a:xfrm>
-          <a:off x="0" y="0"/>
-          <a:ext cx="0" cy="0"/>
-          <a:chOff x="0" y="0"/>
-          <a:chExt cx="0" cy="0"/>
-        </a:xfrm>
-      </p:grpSpPr>
-      <p:sp>
-        <p:nvSpPr>
           <p:cNvPr id="5" name="Title 4">
             <a:extLst>
               <a:ext uri="{FF2B5EF4-FFF2-40B4-BE49-F238E27FC236}">
@@ -28662,8 +28145,8 @@
           </a:p>
         </p:txBody>
       </p:sp>
-      <mc:AlternateContent xmlns:mc="http://schemas.openxmlformats.org/markup-compatibility/2006">
-        <mc:Choice xmlns:a14="http://schemas.microsoft.com/office/drawing/2010/main" Requires="a14">
+      <mc:AlternateContent xmlns:mc="http://schemas.openxmlformats.org/markup-compatibility/2006" xmlns:a14="http://schemas.microsoft.com/office/drawing/2010/main">
+        <mc:Choice Requires="a14">
           <p:sp>
             <p:nvSpPr>
               <p:cNvPr id="6" name="Content Placeholder 5">
@@ -28927,7 +28410,7 @@
             </p:txBody>
           </p:sp>
         </mc:Choice>
-        <mc:Fallback>
+        <mc:Fallback xmlns="">
           <p:sp>
             <p:nvSpPr>
               <p:cNvPr id="6" name="Content Placeholder 5">
@@ -29093,7 +28576,7 @@
 </p:sld>
 </file>
 
-<file path=ppt/slides/slide19.xml><?xml version="1.0" encoding="utf-8"?>
+<file path=ppt/slides/slide15.xml><?xml version="1.0" encoding="utf-8"?>
 <p:sld xmlns:a="http://schemas.openxmlformats.org/drawingml/2006/main" xmlns:r="http://schemas.openxmlformats.org/officeDocument/2006/relationships" xmlns:p="http://schemas.openxmlformats.org/presentationml/2006/main">
   <p:cSld>
     <p:spTree>
@@ -29348,144 +28831,7 @@
 </p:sld>
 </file>
 
-<file path=ppt/slides/slide2.xml><?xml version="1.0" encoding="utf-8"?>
-<p:sld xmlns:a="http://schemas.openxmlformats.org/drawingml/2006/main" xmlns:r="http://schemas.openxmlformats.org/officeDocument/2006/relationships" xmlns:p="http://schemas.openxmlformats.org/presentationml/2006/main">
-  <p:cSld>
-    <p:spTree>
-      <p:nvGrpSpPr>
-        <p:cNvPr id="1" name=""/>
-        <p:cNvGrpSpPr/>
-        <p:nvPr/>
-      </p:nvGrpSpPr>
-      <p:grpSpPr>
-        <a:xfrm>
-          <a:off x="0" y="0"/>
-          <a:ext cx="0" cy="0"/>
-          <a:chOff x="0" y="0"/>
-          <a:chExt cx="0" cy="0"/>
-        </a:xfrm>
-      </p:grpSpPr>
-      <p:sp>
-        <p:nvSpPr>
-          <p:cNvPr id="2" name="Title 1">
-            <a:extLst>
-              <a:ext uri="{FF2B5EF4-FFF2-40B4-BE49-F238E27FC236}">
-                <a16:creationId xmlns:a16="http://schemas.microsoft.com/office/drawing/2014/main" id="{188A92A5-4C3C-2A66-F12F-8E49C46C890B}"/>
-              </a:ext>
-            </a:extLst>
-          </p:cNvPr>
-          <p:cNvSpPr>
-            <a:spLocks noGrp="1"/>
-          </p:cNvSpPr>
-          <p:nvPr>
-            <p:ph type="title"/>
-          </p:nvPr>
-        </p:nvSpPr>
-        <p:spPr/>
-        <p:txBody>
-          <a:bodyPr/>
-          <a:lstStyle/>
-          <a:p>
-            <a:r>
-              <a:rPr lang="en-GB" dirty="0"/>
-              <a:t>At this point</a:t>
-            </a:r>
-            <a:endParaRPr lang="en-SG" dirty="0"/>
-          </a:p>
-        </p:txBody>
-      </p:sp>
-      <p:sp>
-        <p:nvSpPr>
-          <p:cNvPr id="3" name="Content Placeholder 2">
-            <a:extLst>
-              <a:ext uri="{FF2B5EF4-FFF2-40B4-BE49-F238E27FC236}">
-                <a16:creationId xmlns:a16="http://schemas.microsoft.com/office/drawing/2014/main" id="{80A42CF8-2764-4117-973B-9E0019A9B550}"/>
-              </a:ext>
-            </a:extLst>
-          </p:cNvPr>
-          <p:cNvSpPr>
-            <a:spLocks noGrp="1"/>
-          </p:cNvSpPr>
-          <p:nvPr>
-            <p:ph idx="1"/>
-          </p:nvPr>
-        </p:nvSpPr>
-        <p:spPr>
-          <a:xfrm>
-            <a:off x="838200" y="1825624"/>
-            <a:ext cx="10515600" cy="5032375"/>
-          </a:xfrm>
-        </p:spPr>
-        <p:txBody>
-          <a:bodyPr>
-            <a:normAutofit/>
-          </a:bodyPr>
-          <a:lstStyle/>
-          <a:p>
-            <a:pPr marL="0" indent="0">
-              <a:buNone/>
-            </a:pPr>
-            <a:r>
-              <a:rPr lang="en-GB" dirty="0"/>
-              <a:t>At this point, we have optimized IR code that needs to be converted into the target language (e.g. assembly, machine code).</a:t>
-            </a:r>
-          </a:p>
-          <a:p>
-            <a:pPr marL="0" indent="0">
-              <a:buNone/>
-            </a:pPr>
-            <a:endParaRPr lang="en-GB" dirty="0"/>
-          </a:p>
-          <a:p>
-            <a:pPr marL="0" indent="0">
-              <a:buNone/>
-            </a:pPr>
-            <a:r>
-              <a:rPr lang="en-GB" dirty="0"/>
-              <a:t>Goal of this stage:</a:t>
-            </a:r>
-          </a:p>
-          <a:p>
-            <a:r>
-              <a:rPr lang="en-GB" dirty="0"/>
-              <a:t>Choose the appropriate machine instructions for each IR instruction.</a:t>
-            </a:r>
-          </a:p>
-          <a:p>
-            <a:r>
-              <a:rPr lang="en-GB" dirty="0"/>
-              <a:t>Allocate the processor resources (registers, caches, etc.)</a:t>
-            </a:r>
-          </a:p>
-          <a:p>
-            <a:r>
-              <a:rPr lang="en-GB" dirty="0"/>
-              <a:t>Implement low-level details of the runtime environment.</a:t>
-            </a:r>
-          </a:p>
-          <a:p>
-            <a:r>
-              <a:rPr lang="en-GB" dirty="0"/>
-              <a:t>Machine-specific optimizations are often done here, though some are often treated as part of a final optimization phase.</a:t>
-            </a:r>
-            <a:endParaRPr lang="en-SG" dirty="0"/>
-          </a:p>
-        </p:txBody>
-      </p:sp>
-    </p:spTree>
-    <p:extLst>
-      <p:ext uri="{BB962C8B-B14F-4D97-AF65-F5344CB8AC3E}">
-        <p14:creationId xmlns:p14="http://schemas.microsoft.com/office/powerpoint/2010/main" val="2472688697"/>
-      </p:ext>
-    </p:extLst>
-  </p:cSld>
-  <p:clrMapOvr>
-    <a:masterClrMapping/>
-  </p:clrMapOvr>
-</p:sld>
-</file>
-
-<file path=ppt/slides/slide20.xml><?xml version="1.0" encoding="utf-8"?>
+<file path=ppt/slides/slide16.xml><?xml version="1.0" encoding="utf-8"?>
 <p:sld xmlns:a="http://schemas.openxmlformats.org/drawingml/2006/main" xmlns:r="http://schemas.openxmlformats.org/officeDocument/2006/relationships" xmlns:p="http://schemas.openxmlformats.org/presentationml/2006/main">
   <p:cSld>
     <p:spTree>
@@ -29624,7 +28970,7 @@
 </p:sld>
 </file>
 
-<file path=ppt/slides/slide21.xml><?xml version="1.0" encoding="utf-8"?>
+<file path=ppt/slides/slide17.xml><?xml version="1.0" encoding="utf-8"?>
 <p:sld xmlns:a="http://schemas.openxmlformats.org/drawingml/2006/main" xmlns:r="http://schemas.openxmlformats.org/officeDocument/2006/relationships" xmlns:p="http://schemas.openxmlformats.org/presentationml/2006/main">
   <p:cSld>
     <p:spTree>
@@ -29782,7 +29128,7 @@
 </p:sld>
 </file>
 
-<file path=ppt/slides/slide22.xml><?xml version="1.0" encoding="utf-8"?>
+<file path=ppt/slides/slide18.xml><?xml version="1.0" encoding="utf-8"?>
 <p:sld xmlns:a="http://schemas.openxmlformats.org/drawingml/2006/main" xmlns:r="http://schemas.openxmlformats.org/officeDocument/2006/relationships" xmlns:p="http://schemas.openxmlformats.org/presentationml/2006/main">
   <p:cSld>
     <p:spTree>
@@ -29917,7 +29263,7 @@
 </p:sld>
 </file>
 
-<file path=ppt/slides/slide23.xml><?xml version="1.0" encoding="utf-8"?>
+<file path=ppt/slides/slide19.xml><?xml version="1.0" encoding="utf-8"?>
 <p:sld xmlns:a="http://schemas.openxmlformats.org/drawingml/2006/main" xmlns:r="http://schemas.openxmlformats.org/officeDocument/2006/relationships" xmlns:p="http://schemas.openxmlformats.org/presentationml/2006/main">
   <p:cSld>
     <p:spTree>
@@ -30287,7 +29633,144 @@
 </p:sld>
 </file>
 
-<file path=ppt/slides/slide24.xml><?xml version="1.0" encoding="utf-8"?>
+<file path=ppt/slides/slide2.xml><?xml version="1.0" encoding="utf-8"?>
+<p:sld xmlns:a="http://schemas.openxmlformats.org/drawingml/2006/main" xmlns:r="http://schemas.openxmlformats.org/officeDocument/2006/relationships" xmlns:p="http://schemas.openxmlformats.org/presentationml/2006/main">
+  <p:cSld>
+    <p:spTree>
+      <p:nvGrpSpPr>
+        <p:cNvPr id="1" name=""/>
+        <p:cNvGrpSpPr/>
+        <p:nvPr/>
+      </p:nvGrpSpPr>
+      <p:grpSpPr>
+        <a:xfrm>
+          <a:off x="0" y="0"/>
+          <a:ext cx="0" cy="0"/>
+          <a:chOff x="0" y="0"/>
+          <a:chExt cx="0" cy="0"/>
+        </a:xfrm>
+      </p:grpSpPr>
+      <p:sp>
+        <p:nvSpPr>
+          <p:cNvPr id="2" name="Title 1">
+            <a:extLst>
+              <a:ext uri="{FF2B5EF4-FFF2-40B4-BE49-F238E27FC236}">
+                <a16:creationId xmlns:a16="http://schemas.microsoft.com/office/drawing/2014/main" id="{188A92A5-4C3C-2A66-F12F-8E49C46C890B}"/>
+              </a:ext>
+            </a:extLst>
+          </p:cNvPr>
+          <p:cNvSpPr>
+            <a:spLocks noGrp="1"/>
+          </p:cNvSpPr>
+          <p:nvPr>
+            <p:ph type="title"/>
+          </p:nvPr>
+        </p:nvSpPr>
+        <p:spPr/>
+        <p:txBody>
+          <a:bodyPr/>
+          <a:lstStyle/>
+          <a:p>
+            <a:r>
+              <a:rPr lang="en-GB" dirty="0"/>
+              <a:t>At this point</a:t>
+            </a:r>
+            <a:endParaRPr lang="en-SG" dirty="0"/>
+          </a:p>
+        </p:txBody>
+      </p:sp>
+      <p:sp>
+        <p:nvSpPr>
+          <p:cNvPr id="3" name="Content Placeholder 2">
+            <a:extLst>
+              <a:ext uri="{FF2B5EF4-FFF2-40B4-BE49-F238E27FC236}">
+                <a16:creationId xmlns:a16="http://schemas.microsoft.com/office/drawing/2014/main" id="{80A42CF8-2764-4117-973B-9E0019A9B550}"/>
+              </a:ext>
+            </a:extLst>
+          </p:cNvPr>
+          <p:cNvSpPr>
+            <a:spLocks noGrp="1"/>
+          </p:cNvSpPr>
+          <p:nvPr>
+            <p:ph idx="1"/>
+          </p:nvPr>
+        </p:nvSpPr>
+        <p:spPr>
+          <a:xfrm>
+            <a:off x="838200" y="1825624"/>
+            <a:ext cx="10515600" cy="5032375"/>
+          </a:xfrm>
+        </p:spPr>
+        <p:txBody>
+          <a:bodyPr>
+            <a:normAutofit/>
+          </a:bodyPr>
+          <a:lstStyle/>
+          <a:p>
+            <a:pPr marL="0" indent="0">
+              <a:buNone/>
+            </a:pPr>
+            <a:r>
+              <a:rPr lang="en-GB" dirty="0"/>
+              <a:t>At this point, we have optimized IR code that needs to be converted into the target language (e.g. assembly, machine code).</a:t>
+            </a:r>
+          </a:p>
+          <a:p>
+            <a:pPr marL="0" indent="0">
+              <a:buNone/>
+            </a:pPr>
+            <a:endParaRPr lang="en-GB" dirty="0"/>
+          </a:p>
+          <a:p>
+            <a:pPr marL="0" indent="0">
+              <a:buNone/>
+            </a:pPr>
+            <a:r>
+              <a:rPr lang="en-GB" dirty="0"/>
+              <a:t>Goal of this stage:</a:t>
+            </a:r>
+          </a:p>
+          <a:p>
+            <a:r>
+              <a:rPr lang="en-GB" dirty="0"/>
+              <a:t>Choose the appropriate machine instructions for each IR instruction.</a:t>
+            </a:r>
+          </a:p>
+          <a:p>
+            <a:r>
+              <a:rPr lang="en-GB" dirty="0"/>
+              <a:t>Allocate the processor resources (registers, caches, etc.)</a:t>
+            </a:r>
+          </a:p>
+          <a:p>
+            <a:r>
+              <a:rPr lang="en-GB" dirty="0"/>
+              <a:t>Implement low-level details of the runtime environment.</a:t>
+            </a:r>
+          </a:p>
+          <a:p>
+            <a:r>
+              <a:rPr lang="en-GB" dirty="0"/>
+              <a:t>Machine-specific optimizations are often done here, though some are often treated as part of a final optimization phase.</a:t>
+            </a:r>
+            <a:endParaRPr lang="en-SG" dirty="0"/>
+          </a:p>
+        </p:txBody>
+      </p:sp>
+    </p:spTree>
+    <p:extLst>
+      <p:ext uri="{BB962C8B-B14F-4D97-AF65-F5344CB8AC3E}">
+        <p14:creationId xmlns:p14="http://schemas.microsoft.com/office/powerpoint/2010/main" val="2472688697"/>
+      </p:ext>
+    </p:extLst>
+  </p:cSld>
+  <p:clrMapOvr>
+    <a:masterClrMapping/>
+  </p:clrMapOvr>
+</p:sld>
+</file>
+
+<file path=ppt/slides/slide20.xml><?xml version="1.0" encoding="utf-8"?>
 <p:sld xmlns:a="http://schemas.openxmlformats.org/drawingml/2006/main" xmlns:r="http://schemas.openxmlformats.org/officeDocument/2006/relationships" xmlns:p="http://schemas.openxmlformats.org/presentationml/2006/main">
   <p:cSld>
     <p:spTree>
@@ -30485,7 +29968,7 @@
 </p:sld>
 </file>
 
-<file path=ppt/slides/slide25.xml><?xml version="1.0" encoding="utf-8"?>
+<file path=ppt/slides/slide21.xml><?xml version="1.0" encoding="utf-8"?>
 <p:sld xmlns:a="http://schemas.openxmlformats.org/drawingml/2006/main" xmlns:r="http://schemas.openxmlformats.org/officeDocument/2006/relationships" xmlns:p="http://schemas.openxmlformats.org/presentationml/2006/main">
   <p:cSld>
     <p:spTree>
@@ -30624,7 +30107,7 @@
 </p:sld>
 </file>
 
-<file path=ppt/slides/slide26.xml><?xml version="1.0" encoding="utf-8"?>
+<file path=ppt/slides/slide22.xml><?xml version="1.0" encoding="utf-8"?>
 <p:sld xmlns:a="http://schemas.openxmlformats.org/drawingml/2006/main" xmlns:r="http://schemas.openxmlformats.org/officeDocument/2006/relationships" xmlns:p="http://schemas.openxmlformats.org/presentationml/2006/main">
   <p:cSld>
     <p:spTree>
@@ -30749,7 +30232,7 @@
 </p:sld>
 </file>
 
-<file path=ppt/slides/slide27.xml><?xml version="1.0" encoding="utf-8"?>
+<file path=ppt/slides/slide23.xml><?xml version="1.0" encoding="utf-8"?>
 <p:sld xmlns:a="http://schemas.openxmlformats.org/drawingml/2006/main" xmlns:r="http://schemas.openxmlformats.org/officeDocument/2006/relationships" xmlns:p="http://schemas.openxmlformats.org/presentationml/2006/main">
   <p:cSld>
     <p:spTree>
@@ -30941,7 +30424,7 @@
 </p:sld>
 </file>
 
-<file path=ppt/slides/slide28.xml><?xml version="1.0" encoding="utf-8"?>
+<file path=ppt/slides/slide24.xml><?xml version="1.0" encoding="utf-8"?>
 <p:sld xmlns:a="http://schemas.openxmlformats.org/drawingml/2006/main" xmlns:r="http://schemas.openxmlformats.org/officeDocument/2006/relationships" xmlns:p="http://schemas.openxmlformats.org/presentationml/2006/main">
   <p:cSld>
     <p:spTree>
@@ -31225,7 +30708,7 @@
 </p:sld>
 </file>
 
-<file path=ppt/slides/slide29.xml><?xml version="1.0" encoding="utf-8"?>
+<file path=ppt/slides/slide25.xml><?xml version="1.0" encoding="utf-8"?>
 <p:sld xmlns:a="http://schemas.openxmlformats.org/drawingml/2006/main" xmlns:r="http://schemas.openxmlformats.org/officeDocument/2006/relationships" xmlns:p="http://schemas.openxmlformats.org/presentationml/2006/main">
   <p:cSld>
     <p:spTree>
@@ -31589,200 +31072,7 @@
 </p:sld>
 </file>
 
-<file path=ppt/slides/slide3.xml><?xml version="1.0" encoding="utf-8"?>
-<p:sld xmlns:a="http://schemas.openxmlformats.org/drawingml/2006/main" xmlns:r="http://schemas.openxmlformats.org/officeDocument/2006/relationships" xmlns:p="http://schemas.openxmlformats.org/presentationml/2006/main">
-  <p:cSld>
-    <p:spTree>
-      <p:nvGrpSpPr>
-        <p:cNvPr id="1" name=""/>
-        <p:cNvGrpSpPr/>
-        <p:nvPr/>
-      </p:nvGrpSpPr>
-      <p:grpSpPr>
-        <a:xfrm>
-          <a:off x="0" y="0"/>
-          <a:ext cx="0" cy="0"/>
-          <a:chOff x="0" y="0"/>
-          <a:chExt cx="0" cy="0"/>
-        </a:xfrm>
-      </p:grpSpPr>
-      <p:sp>
-        <p:nvSpPr>
-          <p:cNvPr id="2" name="Title 1">
-            <a:extLst>
-              <a:ext uri="{FF2B5EF4-FFF2-40B4-BE49-F238E27FC236}">
-                <a16:creationId xmlns:a16="http://schemas.microsoft.com/office/drawing/2014/main" id="{87657C29-1A3B-9090-2528-30E69AB94051}"/>
-              </a:ext>
-            </a:extLst>
-          </p:cNvPr>
-          <p:cNvSpPr>
-            <a:spLocks noGrp="1"/>
-          </p:cNvSpPr>
-          <p:nvPr>
-            <p:ph type="title"/>
-          </p:nvPr>
-        </p:nvSpPr>
-        <p:spPr/>
-        <p:txBody>
-          <a:bodyPr/>
-          <a:lstStyle/>
-          <a:p>
-            <a:r>
-              <a:rPr lang="en-GB" dirty="0"/>
-              <a:t>The back-end of a compiler</a:t>
-            </a:r>
-            <a:endParaRPr lang="en-SG" dirty="0"/>
-          </a:p>
-        </p:txBody>
-      </p:sp>
-      <p:sp>
-        <p:nvSpPr>
-          <p:cNvPr id="5" name="Content Placeholder 4">
-            <a:extLst>
-              <a:ext uri="{FF2B5EF4-FFF2-40B4-BE49-F238E27FC236}">
-                <a16:creationId xmlns:a16="http://schemas.microsoft.com/office/drawing/2014/main" id="{2B13EA12-F42E-A14F-570D-C7B3FB0BA678}"/>
-              </a:ext>
-            </a:extLst>
-          </p:cNvPr>
-          <p:cNvSpPr>
-            <a:spLocks noGrp="1"/>
-          </p:cNvSpPr>
-          <p:nvPr>
-            <p:ph sz="half" idx="1"/>
-          </p:nvPr>
-        </p:nvSpPr>
-        <p:spPr>
-          <a:xfrm>
-            <a:off x="838200" y="1825624"/>
-            <a:ext cx="5181600" cy="5032375"/>
-          </a:xfrm>
-        </p:spPr>
-        <p:txBody>
-          <a:bodyPr>
-            <a:normAutofit/>
-          </a:bodyPr>
-          <a:lstStyle/>
-          <a:p>
-            <a:pPr marL="0" indent="0">
-              <a:buNone/>
-            </a:pPr>
-            <a:r>
-              <a:rPr lang="en-GB" b="1" dirty="0"/>
-              <a:t>Definition (The back-end part of a compiler):</a:t>
-            </a:r>
-          </a:p>
-          <a:p>
-            <a:pPr marL="0" indent="0">
-              <a:buNone/>
-            </a:pPr>
-            <a:r>
-              <a:rPr lang="en-GB" dirty="0"/>
-              <a:t>The </a:t>
-            </a:r>
-            <a:r>
-              <a:rPr lang="en-GB" b="1" dirty="0"/>
-              <a:t>back-end of a compiler </a:t>
-            </a:r>
-            <a:r>
-              <a:rPr lang="en-GB" dirty="0"/>
-              <a:t>takes the optimized and transformed code generated by the middle-end and translates it into machine code that can be executed.</a:t>
-            </a:r>
-          </a:p>
-          <a:p>
-            <a:pPr marL="0" indent="0">
-              <a:buNone/>
-            </a:pPr>
-            <a:r>
-              <a:rPr lang="en-GB" dirty="0"/>
-              <a:t>It involves tasks, such as:</a:t>
-            </a:r>
-          </a:p>
-          <a:p>
-            <a:r>
-              <a:rPr lang="en-GB" b="1" dirty="0"/>
-              <a:t>Instruction selection/ordering</a:t>
-            </a:r>
-            <a:r>
-              <a:rPr lang="en-GB" dirty="0"/>
-              <a:t>,</a:t>
-            </a:r>
-          </a:p>
-          <a:p>
-            <a:r>
-              <a:rPr lang="en-GB" b="1" dirty="0"/>
-              <a:t>Register allocation</a:t>
-            </a:r>
-            <a:r>
-              <a:rPr lang="en-GB" dirty="0"/>
-              <a:t>,</a:t>
-            </a:r>
-          </a:p>
-          <a:p>
-            <a:r>
-              <a:rPr lang="en-GB" dirty="0"/>
-              <a:t>and </a:t>
-            </a:r>
-            <a:r>
-              <a:rPr lang="en-GB" b="1" dirty="0"/>
-              <a:t>Code generation</a:t>
-            </a:r>
-            <a:r>
-              <a:rPr lang="en-GB" dirty="0"/>
-              <a:t>.</a:t>
-            </a:r>
-          </a:p>
-        </p:txBody>
-      </p:sp>
-      <p:pic>
-        <p:nvPicPr>
-          <p:cNvPr id="7" name="Picture 6" descr="Graphical user interface, text, application, chat or text message&#10;&#10;Description automatically generated">
-            <a:extLst>
-              <a:ext uri="{FF2B5EF4-FFF2-40B4-BE49-F238E27FC236}">
-                <a16:creationId xmlns:a16="http://schemas.microsoft.com/office/drawing/2014/main" id="{8D7AE188-3FCF-9638-BCBC-D80FAEB83789}"/>
-              </a:ext>
-            </a:extLst>
-          </p:cNvPr>
-          <p:cNvPicPr>
-            <a:picLocks noChangeAspect="1"/>
-          </p:cNvPicPr>
-          <p:nvPr/>
-        </p:nvPicPr>
-        <p:blipFill>
-          <a:blip r:embed="rId2">
-            <a:extLst>
-              <a:ext uri="{28A0092B-C50C-407E-A947-70E740481C1C}">
-                <a14:useLocalDpi xmlns:a14="http://schemas.microsoft.com/office/drawing/2010/main" val="0"/>
-              </a:ext>
-            </a:extLst>
-          </a:blip>
-          <a:stretch>
-            <a:fillRect/>
-          </a:stretch>
-        </p:blipFill>
-        <p:spPr>
-          <a:xfrm>
-            <a:off x="6590219" y="1547446"/>
-            <a:ext cx="5154106" cy="5310554"/>
-          </a:xfrm>
-          <a:prstGeom prst="rect">
-            <a:avLst/>
-          </a:prstGeom>
-        </p:spPr>
-      </p:pic>
-    </p:spTree>
-    <p:extLst>
-      <p:ext uri="{BB962C8B-B14F-4D97-AF65-F5344CB8AC3E}">
-        <p14:creationId xmlns:p14="http://schemas.microsoft.com/office/powerpoint/2010/main" val="1253114987"/>
-      </p:ext>
-    </p:extLst>
-  </p:cSld>
-  <p:clrMapOvr>
-    <a:masterClrMapping/>
-  </p:clrMapOvr>
-</p:sld>
-</file>
-
-<file path=ppt/slides/slide30.xml><?xml version="1.0" encoding="utf-8"?>
+<file path=ppt/slides/slide26.xml><?xml version="1.0" encoding="utf-8"?>
 <p:sld xmlns:a="http://schemas.openxmlformats.org/drawingml/2006/main" xmlns:r="http://schemas.openxmlformats.org/officeDocument/2006/relationships" xmlns:p="http://schemas.openxmlformats.org/presentationml/2006/main">
   <p:cSld>
     <p:spTree>
@@ -31939,7 +31229,7 @@
 </p:sld>
 </file>
 
-<file path=ppt/slides/slide31.xml><?xml version="1.0" encoding="utf-8"?>
+<file path=ppt/slides/slide27.xml><?xml version="1.0" encoding="utf-8"?>
 <p:sld xmlns:a="http://schemas.openxmlformats.org/drawingml/2006/main" xmlns:r="http://schemas.openxmlformats.org/officeDocument/2006/relationships" xmlns:p="http://schemas.openxmlformats.org/presentationml/2006/main">
   <p:cSld>
     <p:spTree>
@@ -32061,7 +31351,7 @@
 </p:sld>
 </file>
 
-<file path=ppt/slides/slide32.xml><?xml version="1.0" encoding="utf-8"?>
+<file path=ppt/slides/slide28.xml><?xml version="1.0" encoding="utf-8"?>
 <p:sld xmlns:a="http://schemas.openxmlformats.org/drawingml/2006/main" xmlns:r="http://schemas.openxmlformats.org/officeDocument/2006/relationships" xmlns:p="http://schemas.openxmlformats.org/presentationml/2006/main">
   <p:cSld>
     <p:spTree>
@@ -32183,7 +31473,7 @@
 </p:sld>
 </file>
 
-<file path=ppt/slides/slide33.xml><?xml version="1.0" encoding="utf-8"?>
+<file path=ppt/slides/slide29.xml><?xml version="1.0" encoding="utf-8"?>
 <p:sld xmlns:a="http://schemas.openxmlformats.org/drawingml/2006/main" xmlns:r="http://schemas.openxmlformats.org/officeDocument/2006/relationships" xmlns:p="http://schemas.openxmlformats.org/presentationml/2006/main">
   <p:cSld>
     <p:spTree>
@@ -32305,7 +31595,200 @@
 </p:sld>
 </file>
 
-<file path=ppt/slides/slide34.xml><?xml version="1.0" encoding="utf-8"?>
+<file path=ppt/slides/slide3.xml><?xml version="1.0" encoding="utf-8"?>
+<p:sld xmlns:a="http://schemas.openxmlformats.org/drawingml/2006/main" xmlns:r="http://schemas.openxmlformats.org/officeDocument/2006/relationships" xmlns:p="http://schemas.openxmlformats.org/presentationml/2006/main">
+  <p:cSld>
+    <p:spTree>
+      <p:nvGrpSpPr>
+        <p:cNvPr id="1" name=""/>
+        <p:cNvGrpSpPr/>
+        <p:nvPr/>
+      </p:nvGrpSpPr>
+      <p:grpSpPr>
+        <a:xfrm>
+          <a:off x="0" y="0"/>
+          <a:ext cx="0" cy="0"/>
+          <a:chOff x="0" y="0"/>
+          <a:chExt cx="0" cy="0"/>
+        </a:xfrm>
+      </p:grpSpPr>
+      <p:sp>
+        <p:nvSpPr>
+          <p:cNvPr id="2" name="Title 1">
+            <a:extLst>
+              <a:ext uri="{FF2B5EF4-FFF2-40B4-BE49-F238E27FC236}">
+                <a16:creationId xmlns:a16="http://schemas.microsoft.com/office/drawing/2014/main" id="{87657C29-1A3B-9090-2528-30E69AB94051}"/>
+              </a:ext>
+            </a:extLst>
+          </p:cNvPr>
+          <p:cNvSpPr>
+            <a:spLocks noGrp="1"/>
+          </p:cNvSpPr>
+          <p:nvPr>
+            <p:ph type="title"/>
+          </p:nvPr>
+        </p:nvSpPr>
+        <p:spPr/>
+        <p:txBody>
+          <a:bodyPr/>
+          <a:lstStyle/>
+          <a:p>
+            <a:r>
+              <a:rPr lang="en-GB" dirty="0"/>
+              <a:t>The back-end of a compiler</a:t>
+            </a:r>
+            <a:endParaRPr lang="en-SG" dirty="0"/>
+          </a:p>
+        </p:txBody>
+      </p:sp>
+      <p:sp>
+        <p:nvSpPr>
+          <p:cNvPr id="5" name="Content Placeholder 4">
+            <a:extLst>
+              <a:ext uri="{FF2B5EF4-FFF2-40B4-BE49-F238E27FC236}">
+                <a16:creationId xmlns:a16="http://schemas.microsoft.com/office/drawing/2014/main" id="{2B13EA12-F42E-A14F-570D-C7B3FB0BA678}"/>
+              </a:ext>
+            </a:extLst>
+          </p:cNvPr>
+          <p:cNvSpPr>
+            <a:spLocks noGrp="1"/>
+          </p:cNvSpPr>
+          <p:nvPr>
+            <p:ph sz="half" idx="1"/>
+          </p:nvPr>
+        </p:nvSpPr>
+        <p:spPr>
+          <a:xfrm>
+            <a:off x="838200" y="1825624"/>
+            <a:ext cx="5181600" cy="5032375"/>
+          </a:xfrm>
+        </p:spPr>
+        <p:txBody>
+          <a:bodyPr>
+            <a:normAutofit/>
+          </a:bodyPr>
+          <a:lstStyle/>
+          <a:p>
+            <a:pPr marL="0" indent="0">
+              <a:buNone/>
+            </a:pPr>
+            <a:r>
+              <a:rPr lang="en-GB" b="1" dirty="0"/>
+              <a:t>Definition (The back-end part of a compiler):</a:t>
+            </a:r>
+          </a:p>
+          <a:p>
+            <a:pPr marL="0" indent="0">
+              <a:buNone/>
+            </a:pPr>
+            <a:r>
+              <a:rPr lang="en-GB" dirty="0"/>
+              <a:t>The </a:t>
+            </a:r>
+            <a:r>
+              <a:rPr lang="en-GB" b="1" dirty="0"/>
+              <a:t>back-end of a compiler </a:t>
+            </a:r>
+            <a:r>
+              <a:rPr lang="en-GB" dirty="0"/>
+              <a:t>takes the optimized and transformed code generated by the middle-end and translates it into machine code that can be executed.</a:t>
+            </a:r>
+          </a:p>
+          <a:p>
+            <a:pPr marL="0" indent="0">
+              <a:buNone/>
+            </a:pPr>
+            <a:r>
+              <a:rPr lang="en-GB" dirty="0"/>
+              <a:t>It involves tasks, such as:</a:t>
+            </a:r>
+          </a:p>
+          <a:p>
+            <a:r>
+              <a:rPr lang="en-GB" b="1" dirty="0"/>
+              <a:t>Instruction selection/ordering</a:t>
+            </a:r>
+            <a:r>
+              <a:rPr lang="en-GB" dirty="0"/>
+              <a:t>,</a:t>
+            </a:r>
+          </a:p>
+          <a:p>
+            <a:r>
+              <a:rPr lang="en-GB" b="1" dirty="0"/>
+              <a:t>Register allocation</a:t>
+            </a:r>
+            <a:r>
+              <a:rPr lang="en-GB" dirty="0"/>
+              <a:t>,</a:t>
+            </a:r>
+          </a:p>
+          <a:p>
+            <a:r>
+              <a:rPr lang="en-GB" dirty="0"/>
+              <a:t>and </a:t>
+            </a:r>
+            <a:r>
+              <a:rPr lang="en-GB" b="1" dirty="0"/>
+              <a:t>Code generation</a:t>
+            </a:r>
+            <a:r>
+              <a:rPr lang="en-GB" dirty="0"/>
+              <a:t>.</a:t>
+            </a:r>
+          </a:p>
+        </p:txBody>
+      </p:sp>
+      <p:pic>
+        <p:nvPicPr>
+          <p:cNvPr id="7" name="Picture 6" descr="Graphical user interface, text, application, chat or text message&#10;&#10;Description automatically generated">
+            <a:extLst>
+              <a:ext uri="{FF2B5EF4-FFF2-40B4-BE49-F238E27FC236}">
+                <a16:creationId xmlns:a16="http://schemas.microsoft.com/office/drawing/2014/main" id="{8D7AE188-3FCF-9638-BCBC-D80FAEB83789}"/>
+              </a:ext>
+            </a:extLst>
+          </p:cNvPr>
+          <p:cNvPicPr>
+            <a:picLocks noChangeAspect="1"/>
+          </p:cNvPicPr>
+          <p:nvPr/>
+        </p:nvPicPr>
+        <p:blipFill>
+          <a:blip r:embed="rId2">
+            <a:extLst>
+              <a:ext uri="{28A0092B-C50C-407E-A947-70E740481C1C}">
+                <a14:useLocalDpi xmlns:a14="http://schemas.microsoft.com/office/drawing/2010/main" val="0"/>
+              </a:ext>
+            </a:extLst>
+          </a:blip>
+          <a:stretch>
+            <a:fillRect/>
+          </a:stretch>
+        </p:blipFill>
+        <p:spPr>
+          <a:xfrm>
+            <a:off x="6590219" y="1547446"/>
+            <a:ext cx="5154106" cy="5310554"/>
+          </a:xfrm>
+          <a:prstGeom prst="rect">
+            <a:avLst/>
+          </a:prstGeom>
+        </p:spPr>
+      </p:pic>
+    </p:spTree>
+    <p:extLst>
+      <p:ext uri="{BB962C8B-B14F-4D97-AF65-F5344CB8AC3E}">
+        <p14:creationId xmlns:p14="http://schemas.microsoft.com/office/powerpoint/2010/main" val="1253114987"/>
+      </p:ext>
+    </p:extLst>
+  </p:cSld>
+  <p:clrMapOvr>
+    <a:masterClrMapping/>
+  </p:clrMapOvr>
+</p:sld>
+</file>
+
+<file path=ppt/slides/slide30.xml><?xml version="1.0" encoding="utf-8"?>
 <p:sld xmlns:a="http://schemas.openxmlformats.org/drawingml/2006/main" xmlns:r="http://schemas.openxmlformats.org/officeDocument/2006/relationships" xmlns:p="http://schemas.openxmlformats.org/presentationml/2006/main">
   <p:cSld>
     <p:spTree>
@@ -32427,7 +31910,7 @@
 </p:sld>
 </file>
 
-<file path=ppt/slides/slide35.xml><?xml version="1.0" encoding="utf-8"?>
+<file path=ppt/slides/slide31.xml><?xml version="1.0" encoding="utf-8"?>
 <p:sld xmlns:a="http://schemas.openxmlformats.org/drawingml/2006/main" xmlns:r="http://schemas.openxmlformats.org/officeDocument/2006/relationships" xmlns:p="http://schemas.openxmlformats.org/presentationml/2006/main">
   <p:cSld>
     <p:spTree>
@@ -32549,7 +32032,7 @@
 </p:sld>
 </file>
 
-<file path=ppt/slides/slide36.xml><?xml version="1.0" encoding="utf-8"?>
+<file path=ppt/slides/slide32.xml><?xml version="1.0" encoding="utf-8"?>
 <p:sld xmlns:a="http://schemas.openxmlformats.org/drawingml/2006/main" xmlns:r="http://schemas.openxmlformats.org/officeDocument/2006/relationships" xmlns:p="http://schemas.openxmlformats.org/presentationml/2006/main">
   <p:cSld>
     <p:spTree>
@@ -32671,7 +32154,7 @@
 </p:sld>
 </file>
 
-<file path=ppt/slides/slide37.xml><?xml version="1.0" encoding="utf-8"?>
+<file path=ppt/slides/slide33.xml><?xml version="1.0" encoding="utf-8"?>
 <p:sld xmlns:a="http://schemas.openxmlformats.org/drawingml/2006/main" xmlns:r="http://schemas.openxmlformats.org/officeDocument/2006/relationships" xmlns:p="http://schemas.openxmlformats.org/presentationml/2006/main">
   <p:cSld>
     <p:spTree>
@@ -32793,7 +32276,7 @@
 </p:sld>
 </file>
 
-<file path=ppt/slides/slide38.xml><?xml version="1.0" encoding="utf-8"?>
+<file path=ppt/slides/slide34.xml><?xml version="1.0" encoding="utf-8"?>
 <p:sld xmlns:a="http://schemas.openxmlformats.org/drawingml/2006/main" xmlns:r="http://schemas.openxmlformats.org/officeDocument/2006/relationships" xmlns:p="http://schemas.openxmlformats.org/presentationml/2006/main">
   <p:cSld>
     <p:spTree>
@@ -32859,7 +32342,7 @@
 </p:sld>
 </file>
 
-<file path=ppt/slides/slide39.xml><?xml version="1.0" encoding="utf-8"?>
+<file path=ppt/slides/slide35.xml><?xml version="1.0" encoding="utf-8"?>
 <p:sld xmlns:a="http://schemas.openxmlformats.org/drawingml/2006/main" xmlns:r="http://schemas.openxmlformats.org/officeDocument/2006/relationships" xmlns:p="http://schemas.openxmlformats.org/presentationml/2006/main">
   <p:cSld>
     <p:spTree>
@@ -32972,6 +32455,590 @@
     <p:extLst>
       <p:ext uri="{BB962C8B-B14F-4D97-AF65-F5344CB8AC3E}">
         <p14:creationId xmlns:p14="http://schemas.microsoft.com/office/powerpoint/2010/main" val="3307833686"/>
+      </p:ext>
+    </p:extLst>
+  </p:cSld>
+  <p:clrMapOvr>
+    <a:masterClrMapping/>
+  </p:clrMapOvr>
+</p:sld>
+</file>
+
+<file path=ppt/slides/slide36.xml><?xml version="1.0" encoding="utf-8"?>
+<p:sld xmlns:a="http://schemas.openxmlformats.org/drawingml/2006/main" xmlns:r="http://schemas.openxmlformats.org/officeDocument/2006/relationships" xmlns:p="http://schemas.openxmlformats.org/presentationml/2006/main">
+  <p:cSld>
+    <p:spTree>
+      <p:nvGrpSpPr>
+        <p:cNvPr id="1" name=""/>
+        <p:cNvGrpSpPr/>
+        <p:nvPr/>
+      </p:nvGrpSpPr>
+      <p:grpSpPr>
+        <a:xfrm>
+          <a:off x="0" y="0"/>
+          <a:ext cx="0" cy="0"/>
+          <a:chOff x="0" y="0"/>
+          <a:chExt cx="0" cy="0"/>
+        </a:xfrm>
+      </p:grpSpPr>
+      <p:pic>
+        <p:nvPicPr>
+          <p:cNvPr id="3" name="Picture 2" descr="Chart, waterfall chart&#10;&#10;Description automatically generated">
+            <a:extLst>
+              <a:ext uri="{FF2B5EF4-FFF2-40B4-BE49-F238E27FC236}">
+                <a16:creationId xmlns:a16="http://schemas.microsoft.com/office/drawing/2014/main" id="{7D81CBE8-9D25-EB4C-EE84-08EF4D35C94C}"/>
+              </a:ext>
+            </a:extLst>
+          </p:cNvPr>
+          <p:cNvPicPr>
+            <a:picLocks noChangeAspect="1"/>
+          </p:cNvPicPr>
+          <p:nvPr/>
+        </p:nvPicPr>
+        <p:blipFill>
+          <a:blip r:embed="rId2">
+            <a:extLst>
+              <a:ext uri="{28A0092B-C50C-407E-A947-70E740481C1C}">
+                <a14:useLocalDpi xmlns:a14="http://schemas.microsoft.com/office/drawing/2010/main" val="0"/>
+              </a:ext>
+            </a:extLst>
+          </a:blip>
+          <a:stretch>
+            <a:fillRect/>
+          </a:stretch>
+        </p:blipFill>
+        <p:spPr>
+          <a:xfrm>
+            <a:off x="1519851" y="0"/>
+            <a:ext cx="9152298" cy="6858000"/>
+          </a:xfrm>
+          <a:prstGeom prst="rect">
+            <a:avLst/>
+          </a:prstGeom>
+        </p:spPr>
+      </p:pic>
+      <p:sp>
+        <p:nvSpPr>
+          <p:cNvPr id="4" name="Title 6">
+            <a:extLst>
+              <a:ext uri="{FF2B5EF4-FFF2-40B4-BE49-F238E27FC236}">
+                <a16:creationId xmlns:a16="http://schemas.microsoft.com/office/drawing/2014/main" id="{BE393643-D0FB-1E8A-AB3C-DF228FE126AF}"/>
+              </a:ext>
+            </a:extLst>
+          </p:cNvPr>
+          <p:cNvSpPr txBox="1">
+            <a:spLocks/>
+          </p:cNvSpPr>
+          <p:nvPr/>
+        </p:nvSpPr>
+        <p:spPr>
+          <a:xfrm>
+            <a:off x="838200" y="365126"/>
+            <a:ext cx="10515600" cy="894508"/>
+          </a:xfrm>
+          <a:prstGeom prst="rect">
+            <a:avLst/>
+          </a:prstGeom>
+          <a:solidFill>
+            <a:schemeClr val="bg1"/>
+          </a:solidFill>
+        </p:spPr>
+        <p:txBody>
+          <a:bodyPr/>
+          <a:lstStyle>
+            <a:lvl1pPr algn="l" defTabSz="914400" rtl="0" eaLnBrk="1" latinLnBrk="0" hangingPunct="1">
+              <a:lnSpc>
+                <a:spcPct val="90000"/>
+              </a:lnSpc>
+              <a:spcBef>
+                <a:spcPct val="0"/>
+              </a:spcBef>
+              <a:buNone/>
+              <a:defRPr sz="4400" kern="1200">
+                <a:solidFill>
+                  <a:schemeClr val="tx1"/>
+                </a:solidFill>
+                <a:latin typeface="+mj-lt"/>
+                <a:ea typeface="+mj-ea"/>
+                <a:cs typeface="+mj-cs"/>
+              </a:defRPr>
+            </a:lvl1pPr>
+          </a:lstStyle>
+          <a:p>
+            <a:r>
+              <a:rPr lang="en-GB"/>
+              <a:t>A first demo of greedy allocation</a:t>
+            </a:r>
+            <a:endParaRPr lang="en-SG" dirty="0"/>
+          </a:p>
+        </p:txBody>
+      </p:sp>
+    </p:spTree>
+    <p:extLst>
+      <p:ext uri="{BB962C8B-B14F-4D97-AF65-F5344CB8AC3E}">
+        <p14:creationId xmlns:p14="http://schemas.microsoft.com/office/powerpoint/2010/main" val="627277521"/>
+      </p:ext>
+    </p:extLst>
+  </p:cSld>
+  <p:clrMapOvr>
+    <a:masterClrMapping/>
+  </p:clrMapOvr>
+</p:sld>
+</file>
+
+<file path=ppt/slides/slide37.xml><?xml version="1.0" encoding="utf-8"?>
+<p:sld xmlns:a="http://schemas.openxmlformats.org/drawingml/2006/main" xmlns:r="http://schemas.openxmlformats.org/officeDocument/2006/relationships" xmlns:p="http://schemas.openxmlformats.org/presentationml/2006/main">
+  <p:cSld>
+    <p:spTree>
+      <p:nvGrpSpPr>
+        <p:cNvPr id="1" name=""/>
+        <p:cNvGrpSpPr/>
+        <p:nvPr/>
+      </p:nvGrpSpPr>
+      <p:grpSpPr>
+        <a:xfrm>
+          <a:off x="0" y="0"/>
+          <a:ext cx="0" cy="0"/>
+          <a:chOff x="0" y="0"/>
+          <a:chExt cx="0" cy="0"/>
+        </a:xfrm>
+      </p:grpSpPr>
+      <p:pic>
+        <p:nvPicPr>
+          <p:cNvPr id="6" name="Picture 5" descr="Chart, waterfall chart&#10;&#10;Description automatically generated">
+            <a:extLst>
+              <a:ext uri="{FF2B5EF4-FFF2-40B4-BE49-F238E27FC236}">
+                <a16:creationId xmlns:a16="http://schemas.microsoft.com/office/drawing/2014/main" id="{5D2FE9A2-886C-6DCE-2618-AE46A466E8CB}"/>
+              </a:ext>
+            </a:extLst>
+          </p:cNvPr>
+          <p:cNvPicPr>
+            <a:picLocks noChangeAspect="1"/>
+          </p:cNvPicPr>
+          <p:nvPr/>
+        </p:nvPicPr>
+        <p:blipFill>
+          <a:blip r:embed="rId2">
+            <a:extLst>
+              <a:ext uri="{28A0092B-C50C-407E-A947-70E740481C1C}">
+                <a14:useLocalDpi xmlns:a14="http://schemas.microsoft.com/office/drawing/2010/main" val="0"/>
+              </a:ext>
+            </a:extLst>
+          </a:blip>
+          <a:stretch>
+            <a:fillRect/>
+          </a:stretch>
+        </p:blipFill>
+        <p:spPr>
+          <a:xfrm>
+            <a:off x="1519851" y="0"/>
+            <a:ext cx="9152298" cy="6858000"/>
+          </a:xfrm>
+          <a:prstGeom prst="rect">
+            <a:avLst/>
+          </a:prstGeom>
+        </p:spPr>
+      </p:pic>
+      <p:sp>
+        <p:nvSpPr>
+          <p:cNvPr id="7" name="Title 6">
+            <a:extLst>
+              <a:ext uri="{FF2B5EF4-FFF2-40B4-BE49-F238E27FC236}">
+                <a16:creationId xmlns:a16="http://schemas.microsoft.com/office/drawing/2014/main" id="{C8A594FB-DCCA-5C35-53E3-89103C3C29D8}"/>
+              </a:ext>
+            </a:extLst>
+          </p:cNvPr>
+          <p:cNvSpPr txBox="1">
+            <a:spLocks/>
+          </p:cNvSpPr>
+          <p:nvPr/>
+        </p:nvSpPr>
+        <p:spPr>
+          <a:xfrm>
+            <a:off x="838200" y="365126"/>
+            <a:ext cx="10515600" cy="894508"/>
+          </a:xfrm>
+          <a:prstGeom prst="rect">
+            <a:avLst/>
+          </a:prstGeom>
+          <a:solidFill>
+            <a:schemeClr val="bg1"/>
+          </a:solidFill>
+        </p:spPr>
+        <p:txBody>
+          <a:bodyPr/>
+          <a:lstStyle>
+            <a:lvl1pPr algn="l" defTabSz="914400" rtl="0" eaLnBrk="1" latinLnBrk="0" hangingPunct="1">
+              <a:lnSpc>
+                <a:spcPct val="90000"/>
+              </a:lnSpc>
+              <a:spcBef>
+                <a:spcPct val="0"/>
+              </a:spcBef>
+              <a:buNone/>
+              <a:defRPr sz="4400" kern="1200">
+                <a:solidFill>
+                  <a:schemeClr val="tx1"/>
+                </a:solidFill>
+                <a:latin typeface="+mj-lt"/>
+                <a:ea typeface="+mj-ea"/>
+                <a:cs typeface="+mj-cs"/>
+              </a:defRPr>
+            </a:lvl1pPr>
+          </a:lstStyle>
+          <a:p>
+            <a:r>
+              <a:rPr lang="en-GB" dirty="0"/>
+              <a:t>A second demo of greedy allocation</a:t>
+            </a:r>
+            <a:endParaRPr lang="en-SG" dirty="0"/>
+          </a:p>
+        </p:txBody>
+      </p:sp>
+    </p:spTree>
+    <p:extLst>
+      <p:ext uri="{BB962C8B-B14F-4D97-AF65-F5344CB8AC3E}">
+        <p14:creationId xmlns:p14="http://schemas.microsoft.com/office/powerpoint/2010/main" val="3461434749"/>
+      </p:ext>
+    </p:extLst>
+  </p:cSld>
+  <p:clrMapOvr>
+    <a:masterClrMapping/>
+  </p:clrMapOvr>
+</p:sld>
+</file>
+
+<file path=ppt/slides/slide38.xml><?xml version="1.0" encoding="utf-8"?>
+<p:sld xmlns:a="http://schemas.openxmlformats.org/drawingml/2006/main" xmlns:r="http://schemas.openxmlformats.org/officeDocument/2006/relationships" xmlns:p="http://schemas.openxmlformats.org/presentationml/2006/main">
+  <p:cSld>
+    <p:spTree>
+      <p:nvGrpSpPr>
+        <p:cNvPr id="1" name=""/>
+        <p:cNvGrpSpPr/>
+        <p:nvPr/>
+      </p:nvGrpSpPr>
+      <p:grpSpPr>
+        <a:xfrm>
+          <a:off x="0" y="0"/>
+          <a:ext cx="0" cy="0"/>
+          <a:chOff x="0" y="0"/>
+          <a:chExt cx="0" cy="0"/>
+        </a:xfrm>
+      </p:grpSpPr>
+      <p:pic>
+        <p:nvPicPr>
+          <p:cNvPr id="3" name="Picture 2" descr="Chart, waterfall chart&#10;&#10;Description automatically generated">
+            <a:extLst>
+              <a:ext uri="{FF2B5EF4-FFF2-40B4-BE49-F238E27FC236}">
+                <a16:creationId xmlns:a16="http://schemas.microsoft.com/office/drawing/2014/main" id="{DB39574D-7F5E-9599-F85D-FC9C6601D709}"/>
+              </a:ext>
+            </a:extLst>
+          </p:cNvPr>
+          <p:cNvPicPr>
+            <a:picLocks noChangeAspect="1"/>
+          </p:cNvPicPr>
+          <p:nvPr/>
+        </p:nvPicPr>
+        <p:blipFill>
+          <a:blip r:embed="rId2">
+            <a:extLst>
+              <a:ext uri="{28A0092B-C50C-407E-A947-70E740481C1C}">
+                <a14:useLocalDpi xmlns:a14="http://schemas.microsoft.com/office/drawing/2010/main" val="0"/>
+              </a:ext>
+            </a:extLst>
+          </a:blip>
+          <a:stretch>
+            <a:fillRect/>
+          </a:stretch>
+        </p:blipFill>
+        <p:spPr>
+          <a:xfrm>
+            <a:off x="1519851" y="0"/>
+            <a:ext cx="9152298" cy="6858000"/>
+          </a:xfrm>
+          <a:prstGeom prst="rect">
+            <a:avLst/>
+          </a:prstGeom>
+        </p:spPr>
+      </p:pic>
+      <p:sp>
+        <p:nvSpPr>
+          <p:cNvPr id="6" name="Title 6">
+            <a:extLst>
+              <a:ext uri="{FF2B5EF4-FFF2-40B4-BE49-F238E27FC236}">
+                <a16:creationId xmlns:a16="http://schemas.microsoft.com/office/drawing/2014/main" id="{0D347B70-E5BD-06A2-D176-D83CF5E1086A}"/>
+              </a:ext>
+            </a:extLst>
+          </p:cNvPr>
+          <p:cNvSpPr txBox="1">
+            <a:spLocks/>
+          </p:cNvSpPr>
+          <p:nvPr/>
+        </p:nvSpPr>
+        <p:spPr>
+          <a:xfrm>
+            <a:off x="838200" y="365126"/>
+            <a:ext cx="10515600" cy="894508"/>
+          </a:xfrm>
+          <a:prstGeom prst="rect">
+            <a:avLst/>
+          </a:prstGeom>
+          <a:solidFill>
+            <a:schemeClr val="bg1"/>
+          </a:solidFill>
+        </p:spPr>
+        <p:txBody>
+          <a:bodyPr/>
+          <a:lstStyle>
+            <a:lvl1pPr algn="l" defTabSz="914400" rtl="0" eaLnBrk="1" latinLnBrk="0" hangingPunct="1">
+              <a:lnSpc>
+                <a:spcPct val="90000"/>
+              </a:lnSpc>
+              <a:spcBef>
+                <a:spcPct val="0"/>
+              </a:spcBef>
+              <a:buNone/>
+              <a:defRPr sz="4400" kern="1200">
+                <a:solidFill>
+                  <a:schemeClr val="tx1"/>
+                </a:solidFill>
+                <a:latin typeface="+mj-lt"/>
+                <a:ea typeface="+mj-ea"/>
+                <a:cs typeface="+mj-cs"/>
+              </a:defRPr>
+            </a:lvl1pPr>
+          </a:lstStyle>
+          <a:p>
+            <a:r>
+              <a:rPr lang="en-GB" dirty="0"/>
+              <a:t>A second demo of greedy allocation</a:t>
+            </a:r>
+            <a:endParaRPr lang="en-SG" dirty="0"/>
+          </a:p>
+        </p:txBody>
+      </p:sp>
+    </p:spTree>
+    <p:extLst>
+      <p:ext uri="{BB962C8B-B14F-4D97-AF65-F5344CB8AC3E}">
+        <p14:creationId xmlns:p14="http://schemas.microsoft.com/office/powerpoint/2010/main" val="370150638"/>
+      </p:ext>
+    </p:extLst>
+  </p:cSld>
+  <p:clrMapOvr>
+    <a:masterClrMapping/>
+  </p:clrMapOvr>
+</p:sld>
+</file>
+
+<file path=ppt/slides/slide39.xml><?xml version="1.0" encoding="utf-8"?>
+<p:sld xmlns:a="http://schemas.openxmlformats.org/drawingml/2006/main" xmlns:r="http://schemas.openxmlformats.org/officeDocument/2006/relationships" xmlns:p="http://schemas.openxmlformats.org/presentationml/2006/main">
+  <p:cSld>
+    <p:spTree>
+      <p:nvGrpSpPr>
+        <p:cNvPr id="1" name=""/>
+        <p:cNvGrpSpPr/>
+        <p:nvPr/>
+      </p:nvGrpSpPr>
+      <p:grpSpPr>
+        <a:xfrm>
+          <a:off x="0" y="0"/>
+          <a:ext cx="0" cy="0"/>
+          <a:chOff x="0" y="0"/>
+          <a:chExt cx="0" cy="0"/>
+        </a:xfrm>
+      </p:grpSpPr>
+      <p:pic>
+        <p:nvPicPr>
+          <p:cNvPr id="3" name="Picture 2" descr="Chart, waterfall chart&#10;&#10;Description automatically generated">
+            <a:extLst>
+              <a:ext uri="{FF2B5EF4-FFF2-40B4-BE49-F238E27FC236}">
+                <a16:creationId xmlns:a16="http://schemas.microsoft.com/office/drawing/2014/main" id="{51187943-FEFC-753C-8A83-502871F11EBA}"/>
+              </a:ext>
+            </a:extLst>
+          </p:cNvPr>
+          <p:cNvPicPr>
+            <a:picLocks noChangeAspect="1"/>
+          </p:cNvPicPr>
+          <p:nvPr/>
+        </p:nvPicPr>
+        <p:blipFill>
+          <a:blip r:embed="rId2">
+            <a:extLst>
+              <a:ext uri="{28A0092B-C50C-407E-A947-70E740481C1C}">
+                <a14:useLocalDpi xmlns:a14="http://schemas.microsoft.com/office/drawing/2010/main" val="0"/>
+              </a:ext>
+            </a:extLst>
+          </a:blip>
+          <a:stretch>
+            <a:fillRect/>
+          </a:stretch>
+        </p:blipFill>
+        <p:spPr>
+          <a:xfrm>
+            <a:off x="1519851" y="0"/>
+            <a:ext cx="9152298" cy="6858000"/>
+          </a:xfrm>
+          <a:prstGeom prst="rect">
+            <a:avLst/>
+          </a:prstGeom>
+        </p:spPr>
+      </p:pic>
+      <p:sp>
+        <p:nvSpPr>
+          <p:cNvPr id="4" name="Title 6">
+            <a:extLst>
+              <a:ext uri="{FF2B5EF4-FFF2-40B4-BE49-F238E27FC236}">
+                <a16:creationId xmlns:a16="http://schemas.microsoft.com/office/drawing/2014/main" id="{F3991631-4753-5E67-F879-1BD6BEF2C2DF}"/>
+              </a:ext>
+            </a:extLst>
+          </p:cNvPr>
+          <p:cNvSpPr txBox="1">
+            <a:spLocks/>
+          </p:cNvSpPr>
+          <p:nvPr/>
+        </p:nvSpPr>
+        <p:spPr>
+          <a:xfrm>
+            <a:off x="838200" y="365126"/>
+            <a:ext cx="10515600" cy="894508"/>
+          </a:xfrm>
+          <a:prstGeom prst="rect">
+            <a:avLst/>
+          </a:prstGeom>
+          <a:solidFill>
+            <a:schemeClr val="bg1"/>
+          </a:solidFill>
+        </p:spPr>
+        <p:txBody>
+          <a:bodyPr/>
+          <a:lstStyle>
+            <a:lvl1pPr algn="l" defTabSz="914400" rtl="0" eaLnBrk="1" latinLnBrk="0" hangingPunct="1">
+              <a:lnSpc>
+                <a:spcPct val="90000"/>
+              </a:lnSpc>
+              <a:spcBef>
+                <a:spcPct val="0"/>
+              </a:spcBef>
+              <a:buNone/>
+              <a:defRPr sz="4400" kern="1200">
+                <a:solidFill>
+                  <a:schemeClr val="tx1"/>
+                </a:solidFill>
+                <a:latin typeface="+mj-lt"/>
+                <a:ea typeface="+mj-ea"/>
+                <a:cs typeface="+mj-cs"/>
+              </a:defRPr>
+            </a:lvl1pPr>
+          </a:lstStyle>
+          <a:p>
+            <a:r>
+              <a:rPr lang="en-GB" dirty="0"/>
+              <a:t>A second demo of greedy allocation</a:t>
+            </a:r>
+            <a:endParaRPr lang="en-SG" dirty="0"/>
+          </a:p>
+        </p:txBody>
+      </p:sp>
+      <p:sp>
+        <p:nvSpPr>
+          <p:cNvPr id="7" name="Arrow: Down 6">
+            <a:extLst>
+              <a:ext uri="{FF2B5EF4-FFF2-40B4-BE49-F238E27FC236}">
+                <a16:creationId xmlns:a16="http://schemas.microsoft.com/office/drawing/2014/main" id="{913856D8-0CB7-95FD-3A64-669507E2A030}"/>
+              </a:ext>
+            </a:extLst>
+          </p:cNvPr>
+          <p:cNvSpPr/>
+          <p:nvPr/>
+        </p:nvSpPr>
+        <p:spPr>
+          <a:xfrm rot="10800000">
+            <a:off x="7924800" y="2063259"/>
+            <a:ext cx="484632" cy="1273909"/>
+          </a:xfrm>
+          <a:prstGeom prst="downArrow">
+            <a:avLst/>
+          </a:prstGeom>
+        </p:spPr>
+        <p:style>
+          <a:lnRef idx="2">
+            <a:schemeClr val="dk1">
+              <a:shade val="50000"/>
+            </a:schemeClr>
+          </a:lnRef>
+          <a:fillRef idx="1">
+            <a:schemeClr val="dk1"/>
+          </a:fillRef>
+          <a:effectRef idx="0">
+            <a:schemeClr val="dk1"/>
+          </a:effectRef>
+          <a:fontRef idx="minor">
+            <a:schemeClr val="lt1"/>
+          </a:fontRef>
+        </p:style>
+        <p:txBody>
+          <a:bodyPr rtlCol="0" anchor="ctr"/>
+          <a:lstStyle/>
+          <a:p>
+            <a:pPr algn="ctr"/>
+            <a:endParaRPr lang="en-SG"/>
+          </a:p>
+        </p:txBody>
+      </p:sp>
+      <p:sp>
+        <p:nvSpPr>
+          <p:cNvPr id="8" name="TextBox 7">
+            <a:extLst>
+              <a:ext uri="{FF2B5EF4-FFF2-40B4-BE49-F238E27FC236}">
+                <a16:creationId xmlns:a16="http://schemas.microsoft.com/office/drawing/2014/main" id="{4676047D-F34E-39AA-5284-D050F034594F}"/>
+              </a:ext>
+            </a:extLst>
+          </p:cNvPr>
+          <p:cNvSpPr txBox="1"/>
+          <p:nvPr/>
+        </p:nvSpPr>
+        <p:spPr>
+          <a:xfrm>
+            <a:off x="6744676" y="3390899"/>
+            <a:ext cx="4509477" cy="2246769"/>
+          </a:xfrm>
+          <a:prstGeom prst="rect">
+            <a:avLst/>
+          </a:prstGeom>
+          <a:solidFill>
+            <a:schemeClr val="bg1"/>
+          </a:solidFill>
+        </p:spPr>
+        <p:txBody>
+          <a:bodyPr wrap="square" rtlCol="0">
+            <a:spAutoFit/>
+          </a:bodyPr>
+          <a:lstStyle/>
+          <a:p>
+            <a:pPr algn="ctr"/>
+            <a:r>
+              <a:rPr lang="en-GB" sz="2800" dirty="0"/>
+              <a:t>We need a register for d, but we are out of free registers at the moment!</a:t>
+            </a:r>
+          </a:p>
+          <a:p>
+            <a:pPr algn="ctr"/>
+            <a:endParaRPr lang="en-GB" sz="2800" dirty="0"/>
+          </a:p>
+          <a:p>
+            <a:pPr algn="ctr"/>
+            <a:r>
+              <a:rPr lang="en-GB" sz="2800" dirty="0"/>
+              <a:t>What to do?</a:t>
+            </a:r>
+            <a:endParaRPr lang="en-SG" sz="2800" dirty="0"/>
+          </a:p>
+        </p:txBody>
+      </p:sp>
+    </p:spTree>
+    <p:extLst>
+      <p:ext uri="{BB962C8B-B14F-4D97-AF65-F5344CB8AC3E}">
+        <p14:creationId xmlns:p14="http://schemas.microsoft.com/office/powerpoint/2010/main" val="373887214"/>
       </p:ext>
     </p:extLst>
   </p:cSld>
@@ -33140,12 +33207,122 @@
           <a:chExt cx="0" cy="0"/>
         </a:xfrm>
       </p:grpSpPr>
+      <p:sp>
+        <p:nvSpPr>
+          <p:cNvPr id="2" name="Title 1">
+            <a:extLst>
+              <a:ext uri="{FF2B5EF4-FFF2-40B4-BE49-F238E27FC236}">
+                <a16:creationId xmlns:a16="http://schemas.microsoft.com/office/drawing/2014/main" id="{C011A780-D001-F6B4-0946-5CB9B08D516E}"/>
+              </a:ext>
+            </a:extLst>
+          </p:cNvPr>
+          <p:cNvSpPr>
+            <a:spLocks noGrp="1"/>
+          </p:cNvSpPr>
+          <p:nvPr>
+            <p:ph type="title"/>
+          </p:nvPr>
+        </p:nvSpPr>
+        <p:spPr/>
+        <p:txBody>
+          <a:bodyPr/>
+          <a:lstStyle/>
+          <a:p>
+            <a:r>
+              <a:rPr lang="en-GB" dirty="0"/>
+              <a:t>Using live ranges</a:t>
+            </a:r>
+            <a:endParaRPr lang="en-SG" dirty="0"/>
+          </a:p>
+        </p:txBody>
+      </p:sp>
+      <p:sp>
+        <p:nvSpPr>
+          <p:cNvPr id="3" name="Content Placeholder 2">
+            <a:extLst>
+              <a:ext uri="{FF2B5EF4-FFF2-40B4-BE49-F238E27FC236}">
+                <a16:creationId xmlns:a16="http://schemas.microsoft.com/office/drawing/2014/main" id="{1C92D3D3-C9C6-B439-6D61-6AA5A3680C7C}"/>
+              </a:ext>
+            </a:extLst>
+          </p:cNvPr>
+          <p:cNvSpPr>
+            <a:spLocks noGrp="1"/>
+          </p:cNvSpPr>
+          <p:nvPr>
+            <p:ph sz="half" idx="1"/>
+          </p:nvPr>
+        </p:nvSpPr>
+        <p:spPr>
+          <a:xfrm>
+            <a:off x="838199" y="1825624"/>
+            <a:ext cx="6672385" cy="5032375"/>
+          </a:xfrm>
+        </p:spPr>
+        <p:txBody>
+          <a:bodyPr>
+            <a:normAutofit/>
+          </a:bodyPr>
+          <a:lstStyle/>
+          <a:p>
+            <a:pPr marL="0" indent="0">
+              <a:buNone/>
+            </a:pPr>
+            <a:r>
+              <a:rPr lang="en-GB" b="1" dirty="0"/>
+              <a:t>Idea (continued): </a:t>
+            </a:r>
+            <a:r>
+              <a:rPr lang="en-GB" dirty="0"/>
+              <a:t>Given the live intervals for all the variables/IR registers in the TAC program, we can allocate registers using a </a:t>
+            </a:r>
+            <a:r>
+              <a:rPr lang="en-GB" b="1" dirty="0"/>
+              <a:t>simple greedy algorithm</a:t>
+            </a:r>
+            <a:r>
+              <a:rPr lang="en-GB" dirty="0"/>
+              <a:t>.</a:t>
+            </a:r>
+          </a:p>
+          <a:p>
+            <a:r>
+              <a:rPr lang="en-GB" dirty="0"/>
+              <a:t>Track which registers are free.</a:t>
+            </a:r>
+          </a:p>
+          <a:p>
+            <a:r>
+              <a:rPr lang="en-GB" dirty="0"/>
+              <a:t>When a live interval begins, give that variable a free register.</a:t>
+            </a:r>
+          </a:p>
+          <a:p>
+            <a:r>
+              <a:rPr lang="en-GB" dirty="0"/>
+              <a:t>When a live interval ends, the register could be freed without consequences.</a:t>
+            </a:r>
+          </a:p>
+          <a:p>
+            <a:pPr marL="0" indent="0">
+              <a:buNone/>
+            </a:pPr>
+            <a:r>
+              <a:rPr lang="en-GB" b="1" dirty="0">
+                <a:solidFill>
+                  <a:srgbClr val="7030A0"/>
+                </a:solidFill>
+              </a:rPr>
+              <a:t>Works if live variables sets is smaller than number of registers. What to do if not?</a:t>
+            </a:r>
+          </a:p>
+        </p:txBody>
+      </p:sp>
       <p:pic>
         <p:nvPicPr>
-          <p:cNvPr id="3" name="Picture 2" descr="Chart, waterfall chart&#10;&#10;Description automatically generated">
+          <p:cNvPr id="6" name="Picture 5">
             <a:extLst>
               <a:ext uri="{FF2B5EF4-FFF2-40B4-BE49-F238E27FC236}">
-                <a16:creationId xmlns:a16="http://schemas.microsoft.com/office/drawing/2014/main" id="{7D81CBE8-9D25-EB4C-EE84-08EF4D35C94C}"/>
+                <a16:creationId xmlns:a16="http://schemas.microsoft.com/office/drawing/2014/main" id="{370AE74C-A5EC-0144-D032-87EB90AF6480}"/>
               </a:ext>
             </a:extLst>
           </p:cNvPr>
@@ -33155,87 +33332,25 @@
           <p:nvPr/>
         </p:nvPicPr>
         <p:blipFill>
-          <a:blip r:embed="rId2">
-            <a:extLst>
-              <a:ext uri="{28A0092B-C50C-407E-A947-70E740481C1C}">
-                <a14:useLocalDpi xmlns:a14="http://schemas.microsoft.com/office/drawing/2010/main" val="0"/>
-              </a:ext>
-            </a:extLst>
-          </a:blip>
+          <a:blip r:embed="rId2"/>
           <a:stretch>
             <a:fillRect/>
           </a:stretch>
         </p:blipFill>
         <p:spPr>
           <a:xfrm>
-            <a:off x="1519851" y="0"/>
-            <a:ext cx="9152298" cy="6858000"/>
+            <a:off x="7912176" y="304800"/>
+            <a:ext cx="4010038" cy="6553200"/>
           </a:xfrm>
           <a:prstGeom prst="rect">
             <a:avLst/>
           </a:prstGeom>
         </p:spPr>
       </p:pic>
-      <p:sp>
-        <p:nvSpPr>
-          <p:cNvPr id="4" name="Title 6">
-            <a:extLst>
-              <a:ext uri="{FF2B5EF4-FFF2-40B4-BE49-F238E27FC236}">
-                <a16:creationId xmlns:a16="http://schemas.microsoft.com/office/drawing/2014/main" id="{BE393643-D0FB-1E8A-AB3C-DF228FE126AF}"/>
-              </a:ext>
-            </a:extLst>
-          </p:cNvPr>
-          <p:cNvSpPr txBox="1">
-            <a:spLocks/>
-          </p:cNvSpPr>
-          <p:nvPr/>
-        </p:nvSpPr>
-        <p:spPr>
-          <a:xfrm>
-            <a:off x="838200" y="365126"/>
-            <a:ext cx="10515600" cy="894508"/>
-          </a:xfrm>
-          <a:prstGeom prst="rect">
-            <a:avLst/>
-          </a:prstGeom>
-          <a:solidFill>
-            <a:schemeClr val="bg1"/>
-          </a:solidFill>
-        </p:spPr>
-        <p:txBody>
-          <a:bodyPr/>
-          <a:lstStyle>
-            <a:lvl1pPr algn="l" defTabSz="914400" rtl="0" eaLnBrk="1" latinLnBrk="0" hangingPunct="1">
-              <a:lnSpc>
-                <a:spcPct val="90000"/>
-              </a:lnSpc>
-              <a:spcBef>
-                <a:spcPct val="0"/>
-              </a:spcBef>
-              <a:buNone/>
-              <a:defRPr sz="4400" kern="1200">
-                <a:solidFill>
-                  <a:schemeClr val="tx1"/>
-                </a:solidFill>
-                <a:latin typeface="+mj-lt"/>
-                <a:ea typeface="+mj-ea"/>
-                <a:cs typeface="+mj-cs"/>
-              </a:defRPr>
-            </a:lvl1pPr>
-          </a:lstStyle>
-          <a:p>
-            <a:r>
-              <a:rPr lang="en-GB"/>
-              <a:t>A first demo of greedy allocation</a:t>
-            </a:r>
-            <a:endParaRPr lang="en-SG" dirty="0"/>
-          </a:p>
-        </p:txBody>
-      </p:sp>
     </p:spTree>
     <p:extLst>
       <p:ext uri="{BB962C8B-B14F-4D97-AF65-F5344CB8AC3E}">
-        <p14:creationId xmlns:p14="http://schemas.microsoft.com/office/powerpoint/2010/main" val="627277521"/>
+        <p14:creationId xmlns:p14="http://schemas.microsoft.com/office/powerpoint/2010/main" val="1506164379"/>
       </p:ext>
     </p:extLst>
   </p:cSld>
@@ -33262,93 +33377,131 @@
           <a:chExt cx="0" cy="0"/>
         </a:xfrm>
       </p:grpSpPr>
-      <p:pic>
-        <p:nvPicPr>
-          <p:cNvPr id="6" name="Picture 5" descr="Chart, waterfall chart&#10;&#10;Description automatically generated">
+      <p:sp>
+        <p:nvSpPr>
+          <p:cNvPr id="2" name="Title 1">
             <a:extLst>
               <a:ext uri="{FF2B5EF4-FFF2-40B4-BE49-F238E27FC236}">
-                <a16:creationId xmlns:a16="http://schemas.microsoft.com/office/drawing/2014/main" id="{5D2FE9A2-886C-6DCE-2618-AE46A466E8CB}"/>
+                <a16:creationId xmlns:a16="http://schemas.microsoft.com/office/drawing/2014/main" id="{688E0509-03FC-7B2B-CFBA-6AE9F91B0182}"/>
               </a:ext>
             </a:extLst>
           </p:cNvPr>
-          <p:cNvPicPr>
-            <a:picLocks noChangeAspect="1"/>
-          </p:cNvPicPr>
-          <p:nvPr/>
-        </p:nvPicPr>
-        <p:blipFill>
-          <a:blip r:embed="rId2">
-            <a:extLst>
-              <a:ext uri="{28A0092B-C50C-407E-A947-70E740481C1C}">
-                <a14:useLocalDpi xmlns:a14="http://schemas.microsoft.com/office/drawing/2010/main" val="0"/>
-              </a:ext>
-            </a:extLst>
-          </a:blip>
-          <a:stretch>
-            <a:fillRect/>
-          </a:stretch>
-        </p:blipFill>
-        <p:spPr>
-          <a:xfrm>
-            <a:off x="1519851" y="0"/>
-            <a:ext cx="9152298" cy="6858000"/>
-          </a:xfrm>
-          <a:prstGeom prst="rect">
-            <a:avLst/>
-          </a:prstGeom>
-        </p:spPr>
-      </p:pic>
+          <p:cNvSpPr>
+            <a:spLocks noGrp="1"/>
+          </p:cNvSpPr>
+          <p:nvPr>
+            <p:ph type="title"/>
+          </p:nvPr>
+        </p:nvSpPr>
+        <p:spPr/>
+        <p:txBody>
+          <a:bodyPr/>
+          <a:lstStyle/>
+          <a:p>
+            <a:r>
+              <a:rPr lang="en-GB" dirty="0"/>
+              <a:t>Register spilling</a:t>
+            </a:r>
+            <a:endParaRPr lang="en-SG" dirty="0"/>
+          </a:p>
+        </p:txBody>
+      </p:sp>
       <p:sp>
         <p:nvSpPr>
-          <p:cNvPr id="7" name="Title 6">
+          <p:cNvPr id="5" name="Content Placeholder 4">
             <a:extLst>
               <a:ext uri="{FF2B5EF4-FFF2-40B4-BE49-F238E27FC236}">
-                <a16:creationId xmlns:a16="http://schemas.microsoft.com/office/drawing/2014/main" id="{C8A594FB-DCCA-5C35-53E3-89103C3C29D8}"/>
+                <a16:creationId xmlns:a16="http://schemas.microsoft.com/office/drawing/2014/main" id="{F39E51D4-2C30-43F6-D97F-45392DD6BB27}"/>
               </a:ext>
             </a:extLst>
           </p:cNvPr>
-          <p:cNvSpPr txBox="1">
-            <a:spLocks/>
+          <p:cNvSpPr>
+            <a:spLocks noGrp="1"/>
           </p:cNvSpPr>
-          <p:nvPr/>
+          <p:nvPr>
+            <p:ph idx="1"/>
+          </p:nvPr>
         </p:nvSpPr>
         <p:spPr>
           <a:xfrm>
-            <a:off x="838200" y="365126"/>
-            <a:ext cx="10515600" cy="894508"/>
+            <a:off x="838200" y="1825624"/>
+            <a:ext cx="10515600" cy="5032375"/>
           </a:xfrm>
-          <a:prstGeom prst="rect">
-            <a:avLst/>
-          </a:prstGeom>
-          <a:solidFill>
-            <a:schemeClr val="bg1"/>
-          </a:solidFill>
         </p:spPr>
         <p:txBody>
-          <a:bodyPr/>
-          <a:lstStyle>
-            <a:lvl1pPr algn="l" defTabSz="914400" rtl="0" eaLnBrk="1" latinLnBrk="0" hangingPunct="1">
-              <a:lnSpc>
-                <a:spcPct val="90000"/>
-              </a:lnSpc>
-              <a:spcBef>
-                <a:spcPct val="0"/>
-              </a:spcBef>
+          <a:bodyPr>
+            <a:normAutofit/>
+          </a:bodyPr>
+          <a:lstStyle/>
+          <a:p>
+            <a:pPr marL="0" indent="0">
               <a:buNone/>
-              <a:defRPr sz="4400" kern="1200">
+            </a:pPr>
+            <a:r>
+              <a:rPr lang="en-GB" b="1" dirty="0"/>
+              <a:t>Definition (</a:t>
+            </a:r>
+            <a:r>
+              <a:rPr lang="en-GB" b="1" dirty="0">
                 <a:solidFill>
-                  <a:schemeClr val="tx1"/>
+                  <a:srgbClr val="00B050"/>
                 </a:solidFill>
-                <a:latin typeface="+mj-lt"/>
-                <a:ea typeface="+mj-ea"/>
-                <a:cs typeface="+mj-cs"/>
-              </a:defRPr>
-            </a:lvl1pPr>
-          </a:lstStyle>
-          <a:p>
+              </a:rPr>
+              <a:t>Register Spilling</a:t>
+            </a:r>
+            <a:r>
+              <a:rPr lang="en-GB" b="1" dirty="0"/>
+              <a:t>):</a:t>
+            </a:r>
+          </a:p>
+          <a:p>
+            <a:pPr marL="0" indent="0">
+              <a:buNone/>
+            </a:pPr>
             <a:r>
               <a:rPr lang="en-GB" dirty="0"/>
-              <a:t>A second demo of greedy allocation</a:t>
+              <a:t>If, at a given time, a free register cannot be found for a live variable v, we will need to </a:t>
+            </a:r>
+            <a:r>
+              <a:rPr lang="en-GB" b="1" dirty="0"/>
+              <a:t>spill a variable</a:t>
+            </a:r>
+            <a:r>
+              <a:rPr lang="en-GB" dirty="0"/>
+              <a:t>. When a variable is spilled, it is stored in a secondary/less efficient memory location rather than a register.</a:t>
+            </a:r>
+          </a:p>
+          <a:p>
+            <a:pPr marL="0" indent="0">
+              <a:buNone/>
+            </a:pPr>
+            <a:r>
+              <a:rPr lang="en-GB" dirty="0"/>
+              <a:t>When we need a register for the spilled variable:</a:t>
+            </a:r>
+          </a:p>
+          <a:p>
+            <a:r>
+              <a:rPr lang="en-GB" dirty="0"/>
+              <a:t>Evict some existing register to a secondary memory location.</a:t>
+            </a:r>
+          </a:p>
+          <a:p>
+            <a:r>
+              <a:rPr lang="en-GB" dirty="0"/>
+              <a:t>Load the variable into the register.</a:t>
+            </a:r>
+          </a:p>
+          <a:p>
+            <a:r>
+              <a:rPr lang="en-GB" dirty="0"/>
+              <a:t>When done, write the register back to memory and reload the register with its original value.</a:t>
+            </a:r>
+          </a:p>
+          <a:p>
+            <a:r>
+              <a:rPr lang="en-GB" dirty="0"/>
+              <a:t>Spilling is slow, but sometimes necessary.</a:t>
             </a:r>
             <a:endParaRPr lang="en-SG" dirty="0"/>
           </a:p>
@@ -33357,7 +33510,7 @@
     </p:spTree>
     <p:extLst>
       <p:ext uri="{BB962C8B-B14F-4D97-AF65-F5344CB8AC3E}">
-        <p14:creationId xmlns:p14="http://schemas.microsoft.com/office/powerpoint/2010/main" val="3461434749"/>
+        <p14:creationId xmlns:p14="http://schemas.microsoft.com/office/powerpoint/2010/main" val="3669351701"/>
       </p:ext>
     </p:extLst>
   </p:cSld>
@@ -33368,128 +33521,6 @@
 </file>
 
 <file path=ppt/slides/slide42.xml><?xml version="1.0" encoding="utf-8"?>
-<p:sld xmlns:a="http://schemas.openxmlformats.org/drawingml/2006/main" xmlns:r="http://schemas.openxmlformats.org/officeDocument/2006/relationships" xmlns:p="http://schemas.openxmlformats.org/presentationml/2006/main">
-  <p:cSld>
-    <p:spTree>
-      <p:nvGrpSpPr>
-        <p:cNvPr id="1" name=""/>
-        <p:cNvGrpSpPr/>
-        <p:nvPr/>
-      </p:nvGrpSpPr>
-      <p:grpSpPr>
-        <a:xfrm>
-          <a:off x="0" y="0"/>
-          <a:ext cx="0" cy="0"/>
-          <a:chOff x="0" y="0"/>
-          <a:chExt cx="0" cy="0"/>
-        </a:xfrm>
-      </p:grpSpPr>
-      <p:pic>
-        <p:nvPicPr>
-          <p:cNvPr id="3" name="Picture 2" descr="Chart, waterfall chart&#10;&#10;Description automatically generated">
-            <a:extLst>
-              <a:ext uri="{FF2B5EF4-FFF2-40B4-BE49-F238E27FC236}">
-                <a16:creationId xmlns:a16="http://schemas.microsoft.com/office/drawing/2014/main" id="{DB39574D-7F5E-9599-F85D-FC9C6601D709}"/>
-              </a:ext>
-            </a:extLst>
-          </p:cNvPr>
-          <p:cNvPicPr>
-            <a:picLocks noChangeAspect="1"/>
-          </p:cNvPicPr>
-          <p:nvPr/>
-        </p:nvPicPr>
-        <p:blipFill>
-          <a:blip r:embed="rId2">
-            <a:extLst>
-              <a:ext uri="{28A0092B-C50C-407E-A947-70E740481C1C}">
-                <a14:useLocalDpi xmlns:a14="http://schemas.microsoft.com/office/drawing/2010/main" val="0"/>
-              </a:ext>
-            </a:extLst>
-          </a:blip>
-          <a:stretch>
-            <a:fillRect/>
-          </a:stretch>
-        </p:blipFill>
-        <p:spPr>
-          <a:xfrm>
-            <a:off x="1519851" y="0"/>
-            <a:ext cx="9152298" cy="6858000"/>
-          </a:xfrm>
-          <a:prstGeom prst="rect">
-            <a:avLst/>
-          </a:prstGeom>
-        </p:spPr>
-      </p:pic>
-      <p:sp>
-        <p:nvSpPr>
-          <p:cNvPr id="6" name="Title 6">
-            <a:extLst>
-              <a:ext uri="{FF2B5EF4-FFF2-40B4-BE49-F238E27FC236}">
-                <a16:creationId xmlns:a16="http://schemas.microsoft.com/office/drawing/2014/main" id="{0D347B70-E5BD-06A2-D176-D83CF5E1086A}"/>
-              </a:ext>
-            </a:extLst>
-          </p:cNvPr>
-          <p:cNvSpPr txBox="1">
-            <a:spLocks/>
-          </p:cNvSpPr>
-          <p:nvPr/>
-        </p:nvSpPr>
-        <p:spPr>
-          <a:xfrm>
-            <a:off x="838200" y="365126"/>
-            <a:ext cx="10515600" cy="894508"/>
-          </a:xfrm>
-          <a:prstGeom prst="rect">
-            <a:avLst/>
-          </a:prstGeom>
-          <a:solidFill>
-            <a:schemeClr val="bg1"/>
-          </a:solidFill>
-        </p:spPr>
-        <p:txBody>
-          <a:bodyPr/>
-          <a:lstStyle>
-            <a:lvl1pPr algn="l" defTabSz="914400" rtl="0" eaLnBrk="1" latinLnBrk="0" hangingPunct="1">
-              <a:lnSpc>
-                <a:spcPct val="90000"/>
-              </a:lnSpc>
-              <a:spcBef>
-                <a:spcPct val="0"/>
-              </a:spcBef>
-              <a:buNone/>
-              <a:defRPr sz="4400" kern="1200">
-                <a:solidFill>
-                  <a:schemeClr val="tx1"/>
-                </a:solidFill>
-                <a:latin typeface="+mj-lt"/>
-                <a:ea typeface="+mj-ea"/>
-                <a:cs typeface="+mj-cs"/>
-              </a:defRPr>
-            </a:lvl1pPr>
-          </a:lstStyle>
-          <a:p>
-            <a:r>
-              <a:rPr lang="en-GB" dirty="0"/>
-              <a:t>A second demo of greedy allocation</a:t>
-            </a:r>
-            <a:endParaRPr lang="en-SG" dirty="0"/>
-          </a:p>
-        </p:txBody>
-      </p:sp>
-    </p:spTree>
-    <p:extLst>
-      <p:ext uri="{BB962C8B-B14F-4D97-AF65-F5344CB8AC3E}">
-        <p14:creationId xmlns:p14="http://schemas.microsoft.com/office/powerpoint/2010/main" val="370150638"/>
-      </p:ext>
-    </p:extLst>
-  </p:cSld>
-  <p:clrMapOvr>
-    <a:masterClrMapping/>
-  </p:clrMapOvr>
-</p:sld>
-</file>
-
-<file path=ppt/slides/slide43.xml><?xml version="1.0" encoding="utf-8"?>
 <p:sld xmlns:a="http://schemas.openxmlformats.org/drawingml/2006/main" xmlns:r="http://schemas.openxmlformats.org/officeDocument/2006/relationships" xmlns:p="http://schemas.openxmlformats.org/presentationml/2006/main">
   <p:cSld>
     <p:spTree>
@@ -33697,554 +33728,6 @@
     </p:spTree>
     <p:extLst>
       <p:ext uri="{BB962C8B-B14F-4D97-AF65-F5344CB8AC3E}">
-        <p14:creationId xmlns:p14="http://schemas.microsoft.com/office/powerpoint/2010/main" val="373887214"/>
-      </p:ext>
-    </p:extLst>
-  </p:cSld>
-  <p:clrMapOvr>
-    <a:masterClrMapping/>
-  </p:clrMapOvr>
-</p:sld>
-</file>
-
-<file path=ppt/slides/slide44.xml><?xml version="1.0" encoding="utf-8"?>
-<p:sld xmlns:a="http://schemas.openxmlformats.org/drawingml/2006/main" xmlns:r="http://schemas.openxmlformats.org/officeDocument/2006/relationships" xmlns:p="http://schemas.openxmlformats.org/presentationml/2006/main">
-  <p:cSld>
-    <p:spTree>
-      <p:nvGrpSpPr>
-        <p:cNvPr id="1" name=""/>
-        <p:cNvGrpSpPr/>
-        <p:nvPr/>
-      </p:nvGrpSpPr>
-      <p:grpSpPr>
-        <a:xfrm>
-          <a:off x="0" y="0"/>
-          <a:ext cx="0" cy="0"/>
-          <a:chOff x="0" y="0"/>
-          <a:chExt cx="0" cy="0"/>
-        </a:xfrm>
-      </p:grpSpPr>
-      <p:sp>
-        <p:nvSpPr>
-          <p:cNvPr id="2" name="Title 1">
-            <a:extLst>
-              <a:ext uri="{FF2B5EF4-FFF2-40B4-BE49-F238E27FC236}">
-                <a16:creationId xmlns:a16="http://schemas.microsoft.com/office/drawing/2014/main" id="{C011A780-D001-F6B4-0946-5CB9B08D516E}"/>
-              </a:ext>
-            </a:extLst>
-          </p:cNvPr>
-          <p:cNvSpPr>
-            <a:spLocks noGrp="1"/>
-          </p:cNvSpPr>
-          <p:nvPr>
-            <p:ph type="title"/>
-          </p:nvPr>
-        </p:nvSpPr>
-        <p:spPr/>
-        <p:txBody>
-          <a:bodyPr/>
-          <a:lstStyle/>
-          <a:p>
-            <a:r>
-              <a:rPr lang="en-GB" dirty="0"/>
-              <a:t>Using live ranges</a:t>
-            </a:r>
-            <a:endParaRPr lang="en-SG" dirty="0"/>
-          </a:p>
-        </p:txBody>
-      </p:sp>
-      <p:sp>
-        <p:nvSpPr>
-          <p:cNvPr id="3" name="Content Placeholder 2">
-            <a:extLst>
-              <a:ext uri="{FF2B5EF4-FFF2-40B4-BE49-F238E27FC236}">
-                <a16:creationId xmlns:a16="http://schemas.microsoft.com/office/drawing/2014/main" id="{1C92D3D3-C9C6-B439-6D61-6AA5A3680C7C}"/>
-              </a:ext>
-            </a:extLst>
-          </p:cNvPr>
-          <p:cNvSpPr>
-            <a:spLocks noGrp="1"/>
-          </p:cNvSpPr>
-          <p:nvPr>
-            <p:ph sz="half" idx="1"/>
-          </p:nvPr>
-        </p:nvSpPr>
-        <p:spPr>
-          <a:xfrm>
-            <a:off x="838199" y="1825624"/>
-            <a:ext cx="6672385" cy="5032375"/>
-          </a:xfrm>
-        </p:spPr>
-        <p:txBody>
-          <a:bodyPr>
-            <a:normAutofit/>
-          </a:bodyPr>
-          <a:lstStyle/>
-          <a:p>
-            <a:pPr marL="0" indent="0">
-              <a:buNone/>
-            </a:pPr>
-            <a:r>
-              <a:rPr lang="en-GB" b="1" dirty="0"/>
-              <a:t>Idea (continued): </a:t>
-            </a:r>
-            <a:r>
-              <a:rPr lang="en-GB" dirty="0"/>
-              <a:t>Given the live intervals for all the variables/IR registers in the TAC program, we can allocate registers using a </a:t>
-            </a:r>
-            <a:r>
-              <a:rPr lang="en-GB" b="1" dirty="0"/>
-              <a:t>simple greedy algorithm</a:t>
-            </a:r>
-            <a:r>
-              <a:rPr lang="en-GB" dirty="0"/>
-              <a:t>.</a:t>
-            </a:r>
-          </a:p>
-          <a:p>
-            <a:r>
-              <a:rPr lang="en-GB" dirty="0"/>
-              <a:t>Track which registers are free.</a:t>
-            </a:r>
-          </a:p>
-          <a:p>
-            <a:r>
-              <a:rPr lang="en-GB" dirty="0"/>
-              <a:t>When a live interval begins, give that variable a free register.</a:t>
-            </a:r>
-          </a:p>
-          <a:p>
-            <a:r>
-              <a:rPr lang="en-GB" dirty="0"/>
-              <a:t>When a live interval ends, the register could be freed without consequences.</a:t>
-            </a:r>
-          </a:p>
-          <a:p>
-            <a:pPr marL="0" indent="0">
-              <a:buNone/>
-            </a:pPr>
-            <a:r>
-              <a:rPr lang="en-GB" b="1" dirty="0">
-                <a:solidFill>
-                  <a:srgbClr val="7030A0"/>
-                </a:solidFill>
-              </a:rPr>
-              <a:t>Works if live variables sets is smaller than number of registers. What to do if not?</a:t>
-            </a:r>
-          </a:p>
-        </p:txBody>
-      </p:sp>
-      <p:pic>
-        <p:nvPicPr>
-          <p:cNvPr id="6" name="Picture 5">
-            <a:extLst>
-              <a:ext uri="{FF2B5EF4-FFF2-40B4-BE49-F238E27FC236}">
-                <a16:creationId xmlns:a16="http://schemas.microsoft.com/office/drawing/2014/main" id="{370AE74C-A5EC-0144-D032-87EB90AF6480}"/>
-              </a:ext>
-            </a:extLst>
-          </p:cNvPr>
-          <p:cNvPicPr>
-            <a:picLocks noChangeAspect="1"/>
-          </p:cNvPicPr>
-          <p:nvPr/>
-        </p:nvPicPr>
-        <p:blipFill>
-          <a:blip r:embed="rId2"/>
-          <a:stretch>
-            <a:fillRect/>
-          </a:stretch>
-        </p:blipFill>
-        <p:spPr>
-          <a:xfrm>
-            <a:off x="7912176" y="304800"/>
-            <a:ext cx="4010038" cy="6553200"/>
-          </a:xfrm>
-          <a:prstGeom prst="rect">
-            <a:avLst/>
-          </a:prstGeom>
-        </p:spPr>
-      </p:pic>
-    </p:spTree>
-    <p:extLst>
-      <p:ext uri="{BB962C8B-B14F-4D97-AF65-F5344CB8AC3E}">
-        <p14:creationId xmlns:p14="http://schemas.microsoft.com/office/powerpoint/2010/main" val="1506164379"/>
-      </p:ext>
-    </p:extLst>
-  </p:cSld>
-  <p:clrMapOvr>
-    <a:masterClrMapping/>
-  </p:clrMapOvr>
-</p:sld>
-</file>
-
-<file path=ppt/slides/slide45.xml><?xml version="1.0" encoding="utf-8"?>
-<p:sld xmlns:a="http://schemas.openxmlformats.org/drawingml/2006/main" xmlns:r="http://schemas.openxmlformats.org/officeDocument/2006/relationships" xmlns:p="http://schemas.openxmlformats.org/presentationml/2006/main">
-  <p:cSld>
-    <p:spTree>
-      <p:nvGrpSpPr>
-        <p:cNvPr id="1" name=""/>
-        <p:cNvGrpSpPr/>
-        <p:nvPr/>
-      </p:nvGrpSpPr>
-      <p:grpSpPr>
-        <a:xfrm>
-          <a:off x="0" y="0"/>
-          <a:ext cx="0" cy="0"/>
-          <a:chOff x="0" y="0"/>
-          <a:chExt cx="0" cy="0"/>
-        </a:xfrm>
-      </p:grpSpPr>
-      <p:sp>
-        <p:nvSpPr>
-          <p:cNvPr id="2" name="Title 1">
-            <a:extLst>
-              <a:ext uri="{FF2B5EF4-FFF2-40B4-BE49-F238E27FC236}">
-                <a16:creationId xmlns:a16="http://schemas.microsoft.com/office/drawing/2014/main" id="{688E0509-03FC-7B2B-CFBA-6AE9F91B0182}"/>
-              </a:ext>
-            </a:extLst>
-          </p:cNvPr>
-          <p:cNvSpPr>
-            <a:spLocks noGrp="1"/>
-          </p:cNvSpPr>
-          <p:nvPr>
-            <p:ph type="title"/>
-          </p:nvPr>
-        </p:nvSpPr>
-        <p:spPr/>
-        <p:txBody>
-          <a:bodyPr/>
-          <a:lstStyle/>
-          <a:p>
-            <a:r>
-              <a:rPr lang="en-GB" dirty="0"/>
-              <a:t>Register spilling</a:t>
-            </a:r>
-            <a:endParaRPr lang="en-SG" dirty="0"/>
-          </a:p>
-        </p:txBody>
-      </p:sp>
-      <p:sp>
-        <p:nvSpPr>
-          <p:cNvPr id="5" name="Content Placeholder 4">
-            <a:extLst>
-              <a:ext uri="{FF2B5EF4-FFF2-40B4-BE49-F238E27FC236}">
-                <a16:creationId xmlns:a16="http://schemas.microsoft.com/office/drawing/2014/main" id="{F39E51D4-2C30-43F6-D97F-45392DD6BB27}"/>
-              </a:ext>
-            </a:extLst>
-          </p:cNvPr>
-          <p:cNvSpPr>
-            <a:spLocks noGrp="1"/>
-          </p:cNvSpPr>
-          <p:nvPr>
-            <p:ph idx="1"/>
-          </p:nvPr>
-        </p:nvSpPr>
-        <p:spPr>
-          <a:xfrm>
-            <a:off x="838200" y="1825624"/>
-            <a:ext cx="10515600" cy="5032375"/>
-          </a:xfrm>
-        </p:spPr>
-        <p:txBody>
-          <a:bodyPr>
-            <a:normAutofit/>
-          </a:bodyPr>
-          <a:lstStyle/>
-          <a:p>
-            <a:pPr marL="0" indent="0">
-              <a:buNone/>
-            </a:pPr>
-            <a:r>
-              <a:rPr lang="en-GB" b="1" dirty="0"/>
-              <a:t>Definition (</a:t>
-            </a:r>
-            <a:r>
-              <a:rPr lang="en-GB" b="1" dirty="0">
-                <a:solidFill>
-                  <a:srgbClr val="00B050"/>
-                </a:solidFill>
-              </a:rPr>
-              <a:t>Register Spilling</a:t>
-            </a:r>
-            <a:r>
-              <a:rPr lang="en-GB" b="1" dirty="0"/>
-              <a:t>):</a:t>
-            </a:r>
-          </a:p>
-          <a:p>
-            <a:pPr marL="0" indent="0">
-              <a:buNone/>
-            </a:pPr>
-            <a:r>
-              <a:rPr lang="en-GB" dirty="0"/>
-              <a:t>If, at a given time, a free register cannot be found for a live variable v, we will need to </a:t>
-            </a:r>
-            <a:r>
-              <a:rPr lang="en-GB" b="1" dirty="0"/>
-              <a:t>spill a variable</a:t>
-            </a:r>
-            <a:r>
-              <a:rPr lang="en-GB" dirty="0"/>
-              <a:t>. When a variable is spilled, it is stored in a secondary/less efficient memory location rather than a register.</a:t>
-            </a:r>
-          </a:p>
-          <a:p>
-            <a:pPr marL="0" indent="0">
-              <a:buNone/>
-            </a:pPr>
-            <a:r>
-              <a:rPr lang="en-GB" dirty="0"/>
-              <a:t>When we need a register for the spilled variable:</a:t>
-            </a:r>
-          </a:p>
-          <a:p>
-            <a:r>
-              <a:rPr lang="en-GB" dirty="0"/>
-              <a:t>Evict some existing register to a secondary memory location.</a:t>
-            </a:r>
-          </a:p>
-          <a:p>
-            <a:r>
-              <a:rPr lang="en-GB" dirty="0"/>
-              <a:t>Load the variable into the register.</a:t>
-            </a:r>
-          </a:p>
-          <a:p>
-            <a:r>
-              <a:rPr lang="en-GB" dirty="0"/>
-              <a:t>When done, write the register back to memory and reload the register with its original value.</a:t>
-            </a:r>
-          </a:p>
-          <a:p>
-            <a:r>
-              <a:rPr lang="en-GB" dirty="0"/>
-              <a:t>Spilling is slow, but sometimes necessary.</a:t>
-            </a:r>
-            <a:endParaRPr lang="en-SG" dirty="0"/>
-          </a:p>
-        </p:txBody>
-      </p:sp>
-    </p:spTree>
-    <p:extLst>
-      <p:ext uri="{BB962C8B-B14F-4D97-AF65-F5344CB8AC3E}">
-        <p14:creationId xmlns:p14="http://schemas.microsoft.com/office/powerpoint/2010/main" val="3669351701"/>
-      </p:ext>
-    </p:extLst>
-  </p:cSld>
-  <p:clrMapOvr>
-    <a:masterClrMapping/>
-  </p:clrMapOvr>
-</p:sld>
-</file>
-
-<file path=ppt/slides/slide46.xml><?xml version="1.0" encoding="utf-8"?>
-<p:sld xmlns:a="http://schemas.openxmlformats.org/drawingml/2006/main" xmlns:r="http://schemas.openxmlformats.org/officeDocument/2006/relationships" xmlns:p="http://schemas.openxmlformats.org/presentationml/2006/main">
-  <p:cSld>
-    <p:spTree>
-      <p:nvGrpSpPr>
-        <p:cNvPr id="1" name=""/>
-        <p:cNvGrpSpPr/>
-        <p:nvPr/>
-      </p:nvGrpSpPr>
-      <p:grpSpPr>
-        <a:xfrm>
-          <a:off x="0" y="0"/>
-          <a:ext cx="0" cy="0"/>
-          <a:chOff x="0" y="0"/>
-          <a:chExt cx="0" cy="0"/>
-        </a:xfrm>
-      </p:grpSpPr>
-      <p:pic>
-        <p:nvPicPr>
-          <p:cNvPr id="3" name="Picture 2" descr="Chart, waterfall chart&#10;&#10;Description automatically generated">
-            <a:extLst>
-              <a:ext uri="{FF2B5EF4-FFF2-40B4-BE49-F238E27FC236}">
-                <a16:creationId xmlns:a16="http://schemas.microsoft.com/office/drawing/2014/main" id="{51187943-FEFC-753C-8A83-502871F11EBA}"/>
-              </a:ext>
-            </a:extLst>
-          </p:cNvPr>
-          <p:cNvPicPr>
-            <a:picLocks noChangeAspect="1"/>
-          </p:cNvPicPr>
-          <p:nvPr/>
-        </p:nvPicPr>
-        <p:blipFill>
-          <a:blip r:embed="rId2">
-            <a:extLst>
-              <a:ext uri="{28A0092B-C50C-407E-A947-70E740481C1C}">
-                <a14:useLocalDpi xmlns:a14="http://schemas.microsoft.com/office/drawing/2010/main" val="0"/>
-              </a:ext>
-            </a:extLst>
-          </a:blip>
-          <a:stretch>
-            <a:fillRect/>
-          </a:stretch>
-        </p:blipFill>
-        <p:spPr>
-          <a:xfrm>
-            <a:off x="1519851" y="0"/>
-            <a:ext cx="9152298" cy="6858000"/>
-          </a:xfrm>
-          <a:prstGeom prst="rect">
-            <a:avLst/>
-          </a:prstGeom>
-        </p:spPr>
-      </p:pic>
-      <p:sp>
-        <p:nvSpPr>
-          <p:cNvPr id="4" name="Title 6">
-            <a:extLst>
-              <a:ext uri="{FF2B5EF4-FFF2-40B4-BE49-F238E27FC236}">
-                <a16:creationId xmlns:a16="http://schemas.microsoft.com/office/drawing/2014/main" id="{F3991631-4753-5E67-F879-1BD6BEF2C2DF}"/>
-              </a:ext>
-            </a:extLst>
-          </p:cNvPr>
-          <p:cNvSpPr txBox="1">
-            <a:spLocks/>
-          </p:cNvSpPr>
-          <p:nvPr/>
-        </p:nvSpPr>
-        <p:spPr>
-          <a:xfrm>
-            <a:off x="838200" y="365126"/>
-            <a:ext cx="10515600" cy="894508"/>
-          </a:xfrm>
-          <a:prstGeom prst="rect">
-            <a:avLst/>
-          </a:prstGeom>
-          <a:solidFill>
-            <a:schemeClr val="bg1"/>
-          </a:solidFill>
-        </p:spPr>
-        <p:txBody>
-          <a:bodyPr/>
-          <a:lstStyle>
-            <a:lvl1pPr algn="l" defTabSz="914400" rtl="0" eaLnBrk="1" latinLnBrk="0" hangingPunct="1">
-              <a:lnSpc>
-                <a:spcPct val="90000"/>
-              </a:lnSpc>
-              <a:spcBef>
-                <a:spcPct val="0"/>
-              </a:spcBef>
-              <a:buNone/>
-              <a:defRPr sz="4400" kern="1200">
-                <a:solidFill>
-                  <a:schemeClr val="tx1"/>
-                </a:solidFill>
-                <a:latin typeface="+mj-lt"/>
-                <a:ea typeface="+mj-ea"/>
-                <a:cs typeface="+mj-cs"/>
-              </a:defRPr>
-            </a:lvl1pPr>
-          </a:lstStyle>
-          <a:p>
-            <a:r>
-              <a:rPr lang="en-GB" dirty="0"/>
-              <a:t>A second demo of greedy allocation</a:t>
-            </a:r>
-            <a:endParaRPr lang="en-SG" dirty="0"/>
-          </a:p>
-        </p:txBody>
-      </p:sp>
-      <p:sp>
-        <p:nvSpPr>
-          <p:cNvPr id="7" name="Arrow: Down 6">
-            <a:extLst>
-              <a:ext uri="{FF2B5EF4-FFF2-40B4-BE49-F238E27FC236}">
-                <a16:creationId xmlns:a16="http://schemas.microsoft.com/office/drawing/2014/main" id="{913856D8-0CB7-95FD-3A64-669507E2A030}"/>
-              </a:ext>
-            </a:extLst>
-          </p:cNvPr>
-          <p:cNvSpPr/>
-          <p:nvPr/>
-        </p:nvSpPr>
-        <p:spPr>
-          <a:xfrm rot="10800000">
-            <a:off x="7924800" y="2063259"/>
-            <a:ext cx="484632" cy="1273909"/>
-          </a:xfrm>
-          <a:prstGeom prst="downArrow">
-            <a:avLst/>
-          </a:prstGeom>
-        </p:spPr>
-        <p:style>
-          <a:lnRef idx="2">
-            <a:schemeClr val="dk1">
-              <a:shade val="50000"/>
-            </a:schemeClr>
-          </a:lnRef>
-          <a:fillRef idx="1">
-            <a:schemeClr val="dk1"/>
-          </a:fillRef>
-          <a:effectRef idx="0">
-            <a:schemeClr val="dk1"/>
-          </a:effectRef>
-          <a:fontRef idx="minor">
-            <a:schemeClr val="lt1"/>
-          </a:fontRef>
-        </p:style>
-        <p:txBody>
-          <a:bodyPr rtlCol="0" anchor="ctr"/>
-          <a:lstStyle/>
-          <a:p>
-            <a:pPr algn="ctr"/>
-            <a:endParaRPr lang="en-SG"/>
-          </a:p>
-        </p:txBody>
-      </p:sp>
-      <p:sp>
-        <p:nvSpPr>
-          <p:cNvPr id="8" name="TextBox 7">
-            <a:extLst>
-              <a:ext uri="{FF2B5EF4-FFF2-40B4-BE49-F238E27FC236}">
-                <a16:creationId xmlns:a16="http://schemas.microsoft.com/office/drawing/2014/main" id="{4676047D-F34E-39AA-5284-D050F034594F}"/>
-              </a:ext>
-            </a:extLst>
-          </p:cNvPr>
-          <p:cNvSpPr txBox="1"/>
-          <p:nvPr/>
-        </p:nvSpPr>
-        <p:spPr>
-          <a:xfrm>
-            <a:off x="6744676" y="3390899"/>
-            <a:ext cx="4509477" cy="2246769"/>
-          </a:xfrm>
-          <a:prstGeom prst="rect">
-            <a:avLst/>
-          </a:prstGeom>
-          <a:solidFill>
-            <a:schemeClr val="bg1"/>
-          </a:solidFill>
-        </p:spPr>
-        <p:txBody>
-          <a:bodyPr wrap="square" rtlCol="0">
-            <a:spAutoFit/>
-          </a:bodyPr>
-          <a:lstStyle/>
-          <a:p>
-            <a:pPr algn="ctr"/>
-            <a:r>
-              <a:rPr lang="en-GB" sz="2800" dirty="0"/>
-              <a:t>We need a register for d, but we are out of free registers at the moment!</a:t>
-            </a:r>
-          </a:p>
-          <a:p>
-            <a:pPr algn="ctr"/>
-            <a:endParaRPr lang="en-GB" sz="2800" dirty="0"/>
-          </a:p>
-          <a:p>
-            <a:pPr algn="ctr"/>
-            <a:r>
-              <a:rPr lang="en-GB" sz="2800" dirty="0"/>
-              <a:t>What to do?</a:t>
-            </a:r>
-            <a:endParaRPr lang="en-SG" sz="2800" dirty="0"/>
-          </a:p>
-        </p:txBody>
-      </p:sp>
-    </p:spTree>
-    <p:extLst>
-      <p:ext uri="{BB962C8B-B14F-4D97-AF65-F5344CB8AC3E}">
         <p14:creationId xmlns:p14="http://schemas.microsoft.com/office/powerpoint/2010/main" val="3009724484"/>
       </p:ext>
     </p:extLst>
@@ -34255,7 +33738,7 @@
 </p:sld>
 </file>
 
-<file path=ppt/slides/slide47.xml><?xml version="1.0" encoding="utf-8"?>
+<file path=ppt/slides/slide43.xml><?xml version="1.0" encoding="utf-8"?>
 <p:sld xmlns:a="http://schemas.openxmlformats.org/drawingml/2006/main" xmlns:r="http://schemas.openxmlformats.org/officeDocument/2006/relationships" xmlns:p="http://schemas.openxmlformats.org/presentationml/2006/main">
   <p:cSld>
     <p:spTree>
@@ -34487,7 +33970,7 @@
 </p:sld>
 </file>
 
-<file path=ppt/slides/slide48.xml><?xml version="1.0" encoding="utf-8"?>
+<file path=ppt/slides/slide44.xml><?xml version="1.0" encoding="utf-8"?>
 <p:sld xmlns:a="http://schemas.openxmlformats.org/drawingml/2006/main" xmlns:r="http://schemas.openxmlformats.org/officeDocument/2006/relationships" xmlns:p="http://schemas.openxmlformats.org/presentationml/2006/main">
   <p:cSld>
     <p:spTree>
@@ -34719,7 +34202,7 @@
 </p:sld>
 </file>
 
-<file path=ppt/slides/slide49.xml><?xml version="1.0" encoding="utf-8"?>
+<file path=ppt/slides/slide45.xml><?xml version="1.0" encoding="utf-8"?>
 <p:sld xmlns:a="http://schemas.openxmlformats.org/drawingml/2006/main" xmlns:r="http://schemas.openxmlformats.org/officeDocument/2006/relationships" xmlns:p="http://schemas.openxmlformats.org/presentationml/2006/main">
   <p:cSld>
     <p:spTree>
@@ -34841,161 +34324,7 @@
 </p:sld>
 </file>
 
-<file path=ppt/slides/slide5.xml><?xml version="1.0" encoding="utf-8"?>
-<p:sld xmlns:a="http://schemas.openxmlformats.org/drawingml/2006/main" xmlns:r="http://schemas.openxmlformats.org/officeDocument/2006/relationships" xmlns:p="http://schemas.openxmlformats.org/presentationml/2006/main">
-  <p:cSld>
-    <p:spTree>
-      <p:nvGrpSpPr>
-        <p:cNvPr id="1" name=""/>
-        <p:cNvGrpSpPr/>
-        <p:nvPr/>
-      </p:nvGrpSpPr>
-      <p:grpSpPr>
-        <a:xfrm>
-          <a:off x="0" y="0"/>
-          <a:ext cx="0" cy="0"/>
-          <a:chOff x="0" y="0"/>
-          <a:chExt cx="0" cy="0"/>
-        </a:xfrm>
-      </p:grpSpPr>
-      <p:sp>
-        <p:nvSpPr>
-          <p:cNvPr id="5" name="Title 4">
-            <a:extLst>
-              <a:ext uri="{FF2B5EF4-FFF2-40B4-BE49-F238E27FC236}">
-                <a16:creationId xmlns:a16="http://schemas.microsoft.com/office/drawing/2014/main" id="{CE5E2438-6ABA-A76B-3FDB-64FD8BC2D5C3}"/>
-              </a:ext>
-            </a:extLst>
-          </p:cNvPr>
-          <p:cNvSpPr>
-            <a:spLocks noGrp="1"/>
-          </p:cNvSpPr>
-          <p:nvPr>
-            <p:ph type="title"/>
-          </p:nvPr>
-        </p:nvSpPr>
-        <p:spPr/>
-        <p:txBody>
-          <a:bodyPr/>
-          <a:lstStyle/>
-          <a:p>
-            <a:r>
-              <a:rPr lang="en-GB" dirty="0"/>
-              <a:t>Instruction Selection</a:t>
-            </a:r>
-            <a:endParaRPr lang="en-SG" dirty="0"/>
-          </a:p>
-        </p:txBody>
-      </p:sp>
-      <p:sp>
-        <p:nvSpPr>
-          <p:cNvPr id="3" name="Content Placeholder 2">
-            <a:extLst>
-              <a:ext uri="{FF2B5EF4-FFF2-40B4-BE49-F238E27FC236}">
-                <a16:creationId xmlns:a16="http://schemas.microsoft.com/office/drawing/2014/main" id="{1BDC01C5-0A1A-FB04-35BF-21B168BEAFFE}"/>
-              </a:ext>
-            </a:extLst>
-          </p:cNvPr>
-          <p:cNvSpPr>
-            <a:spLocks noGrp="1"/>
-          </p:cNvSpPr>
-          <p:nvPr>
-            <p:ph idx="1"/>
-          </p:nvPr>
-        </p:nvSpPr>
-        <p:spPr/>
-        <p:txBody>
-          <a:bodyPr>
-            <a:normAutofit/>
-          </a:bodyPr>
-          <a:lstStyle/>
-          <a:p>
-            <a:pPr marL="0" indent="0">
-              <a:buNone/>
-            </a:pPr>
-            <a:r>
-              <a:rPr lang="en-GB" b="1" dirty="0"/>
-              <a:t>Definition (</a:t>
-            </a:r>
-            <a:r>
-              <a:rPr lang="en-GB" b="1" dirty="0">
-                <a:solidFill>
-                  <a:srgbClr val="00B050"/>
-                </a:solidFill>
-              </a:rPr>
-              <a:t>Instruction Selection</a:t>
-            </a:r>
-            <a:r>
-              <a:rPr lang="en-GB" b="1" dirty="0"/>
-              <a:t>):</a:t>
-            </a:r>
-          </a:p>
-          <a:p>
-            <a:pPr marL="0" indent="0">
-              <a:buNone/>
-            </a:pPr>
-            <a:r>
-              <a:rPr lang="en-GB" dirty="0"/>
-              <a:t>During </a:t>
-            </a:r>
-            <a:r>
-              <a:rPr lang="en-GB" b="1" dirty="0">
-                <a:solidFill>
-                  <a:srgbClr val="00B050"/>
-                </a:solidFill>
-              </a:rPr>
-              <a:t>instruction selection</a:t>
-            </a:r>
-            <a:r>
-              <a:rPr lang="en-GB" dirty="0"/>
-              <a:t>, the compiler chooses the specific machine code instructions (mov, add, </a:t>
-            </a:r>
-            <a:r>
-              <a:rPr lang="en-GB" dirty="0" err="1"/>
-              <a:t>jmp</a:t>
-            </a:r>
-            <a:r>
-              <a:rPr lang="en-GB" dirty="0"/>
-              <a:t>, etc) to use to implement each operation in the program.</a:t>
-            </a:r>
-          </a:p>
-          <a:p>
-            <a:pPr marL="0" indent="0">
-              <a:buNone/>
-            </a:pPr>
-            <a:r>
-              <a:rPr lang="en-GB" dirty="0"/>
-              <a:t>During this step, it might perform some final transformations on the generated code to improve performance and reduce code size.</a:t>
-            </a:r>
-          </a:p>
-          <a:p>
-            <a:pPr marL="0" indent="0">
-              <a:buNone/>
-            </a:pPr>
-            <a:r>
-              <a:rPr lang="en-GB" dirty="0"/>
-              <a:t>Typically, there might be multiple ways to choose and order machine code instructions. Some might be equivalent, others might allow to save memory/register space, etc.</a:t>
-            </a:r>
-          </a:p>
-          <a:p>
-            <a:endParaRPr lang="en-SG" dirty="0"/>
-          </a:p>
-        </p:txBody>
-      </p:sp>
-    </p:spTree>
-    <p:extLst>
-      <p:ext uri="{BB962C8B-B14F-4D97-AF65-F5344CB8AC3E}">
-        <p14:creationId xmlns:p14="http://schemas.microsoft.com/office/powerpoint/2010/main" val="3069423319"/>
-      </p:ext>
-    </p:extLst>
-  </p:cSld>
-  <p:clrMapOvr>
-    <a:masterClrMapping/>
-  </p:clrMapOvr>
-</p:sld>
-</file>
-
-<file path=ppt/slides/slide50.xml><?xml version="1.0" encoding="utf-8"?>
+<file path=ppt/slides/slide46.xml><?xml version="1.0" encoding="utf-8"?>
 <p:sld xmlns:a="http://schemas.openxmlformats.org/drawingml/2006/main" xmlns:r="http://schemas.openxmlformats.org/officeDocument/2006/relationships" xmlns:p="http://schemas.openxmlformats.org/presentationml/2006/main">
   <p:cSld>
     <p:spTree>
@@ -35117,7 +34446,7 @@
 </p:sld>
 </file>
 
-<file path=ppt/slides/slide51.xml><?xml version="1.0" encoding="utf-8"?>
+<file path=ppt/slides/slide47.xml><?xml version="1.0" encoding="utf-8"?>
 <p:sld xmlns:a="http://schemas.openxmlformats.org/drawingml/2006/main" xmlns:r="http://schemas.openxmlformats.org/officeDocument/2006/relationships" xmlns:p="http://schemas.openxmlformats.org/presentationml/2006/main">
   <p:cSld>
     <p:spTree>
@@ -35239,7 +34568,7 @@
 </p:sld>
 </file>
 
-<file path=ppt/slides/slide52.xml><?xml version="1.0" encoding="utf-8"?>
+<file path=ppt/slides/slide48.xml><?xml version="1.0" encoding="utf-8"?>
 <p:sld xmlns:a="http://schemas.openxmlformats.org/drawingml/2006/main" xmlns:r="http://schemas.openxmlformats.org/officeDocument/2006/relationships" xmlns:p="http://schemas.openxmlformats.org/presentationml/2006/main">
   <p:cSld>
     <p:spTree>
@@ -35361,7 +34690,7 @@
 </p:sld>
 </file>
 
-<file path=ppt/slides/slide53.xml><?xml version="1.0" encoding="utf-8"?>
+<file path=ppt/slides/slide49.xml><?xml version="1.0" encoding="utf-8"?>
 <p:sld xmlns:a="http://schemas.openxmlformats.org/drawingml/2006/main" xmlns:r="http://schemas.openxmlformats.org/officeDocument/2006/relationships" xmlns:p="http://schemas.openxmlformats.org/presentationml/2006/main">
   <p:cSld>
     <p:spTree>
@@ -35483,7 +34812,161 @@
 </p:sld>
 </file>
 
-<file path=ppt/slides/slide54.xml><?xml version="1.0" encoding="utf-8"?>
+<file path=ppt/slides/slide5.xml><?xml version="1.0" encoding="utf-8"?>
+<p:sld xmlns:a="http://schemas.openxmlformats.org/drawingml/2006/main" xmlns:r="http://schemas.openxmlformats.org/officeDocument/2006/relationships" xmlns:p="http://schemas.openxmlformats.org/presentationml/2006/main">
+  <p:cSld>
+    <p:spTree>
+      <p:nvGrpSpPr>
+        <p:cNvPr id="1" name=""/>
+        <p:cNvGrpSpPr/>
+        <p:nvPr/>
+      </p:nvGrpSpPr>
+      <p:grpSpPr>
+        <a:xfrm>
+          <a:off x="0" y="0"/>
+          <a:ext cx="0" cy="0"/>
+          <a:chOff x="0" y="0"/>
+          <a:chExt cx="0" cy="0"/>
+        </a:xfrm>
+      </p:grpSpPr>
+      <p:sp>
+        <p:nvSpPr>
+          <p:cNvPr id="5" name="Title 4">
+            <a:extLst>
+              <a:ext uri="{FF2B5EF4-FFF2-40B4-BE49-F238E27FC236}">
+                <a16:creationId xmlns:a16="http://schemas.microsoft.com/office/drawing/2014/main" id="{CE5E2438-6ABA-A76B-3FDB-64FD8BC2D5C3}"/>
+              </a:ext>
+            </a:extLst>
+          </p:cNvPr>
+          <p:cNvSpPr>
+            <a:spLocks noGrp="1"/>
+          </p:cNvSpPr>
+          <p:nvPr>
+            <p:ph type="title"/>
+          </p:nvPr>
+        </p:nvSpPr>
+        <p:spPr/>
+        <p:txBody>
+          <a:bodyPr/>
+          <a:lstStyle/>
+          <a:p>
+            <a:r>
+              <a:rPr lang="en-GB" dirty="0"/>
+              <a:t>Instruction Selection</a:t>
+            </a:r>
+            <a:endParaRPr lang="en-SG" dirty="0"/>
+          </a:p>
+        </p:txBody>
+      </p:sp>
+      <p:sp>
+        <p:nvSpPr>
+          <p:cNvPr id="3" name="Content Placeholder 2">
+            <a:extLst>
+              <a:ext uri="{FF2B5EF4-FFF2-40B4-BE49-F238E27FC236}">
+                <a16:creationId xmlns:a16="http://schemas.microsoft.com/office/drawing/2014/main" id="{1BDC01C5-0A1A-FB04-35BF-21B168BEAFFE}"/>
+              </a:ext>
+            </a:extLst>
+          </p:cNvPr>
+          <p:cNvSpPr>
+            <a:spLocks noGrp="1"/>
+          </p:cNvSpPr>
+          <p:nvPr>
+            <p:ph idx="1"/>
+          </p:nvPr>
+        </p:nvSpPr>
+        <p:spPr/>
+        <p:txBody>
+          <a:bodyPr>
+            <a:normAutofit/>
+          </a:bodyPr>
+          <a:lstStyle/>
+          <a:p>
+            <a:pPr marL="0" indent="0">
+              <a:buNone/>
+            </a:pPr>
+            <a:r>
+              <a:rPr lang="en-GB" b="1" dirty="0"/>
+              <a:t>Definition (</a:t>
+            </a:r>
+            <a:r>
+              <a:rPr lang="en-GB" b="1" dirty="0">
+                <a:solidFill>
+                  <a:srgbClr val="00B050"/>
+                </a:solidFill>
+              </a:rPr>
+              <a:t>Instruction Selection</a:t>
+            </a:r>
+            <a:r>
+              <a:rPr lang="en-GB" b="1" dirty="0"/>
+              <a:t>):</a:t>
+            </a:r>
+          </a:p>
+          <a:p>
+            <a:pPr marL="0" indent="0">
+              <a:buNone/>
+            </a:pPr>
+            <a:r>
+              <a:rPr lang="en-GB" dirty="0"/>
+              <a:t>During </a:t>
+            </a:r>
+            <a:r>
+              <a:rPr lang="en-GB" b="1" dirty="0">
+                <a:solidFill>
+                  <a:srgbClr val="00B050"/>
+                </a:solidFill>
+              </a:rPr>
+              <a:t>instruction selection</a:t>
+            </a:r>
+            <a:r>
+              <a:rPr lang="en-GB" dirty="0"/>
+              <a:t>, the compiler chooses the specific machine code instructions (mov, add, </a:t>
+            </a:r>
+            <a:r>
+              <a:rPr lang="en-GB" dirty="0" err="1"/>
+              <a:t>jmp</a:t>
+            </a:r>
+            <a:r>
+              <a:rPr lang="en-GB" dirty="0"/>
+              <a:t>, etc) to use to implement each operation in the program.</a:t>
+            </a:r>
+          </a:p>
+          <a:p>
+            <a:pPr marL="0" indent="0">
+              <a:buNone/>
+            </a:pPr>
+            <a:r>
+              <a:rPr lang="en-GB" dirty="0"/>
+              <a:t>During this step, it might perform some final transformations on the generated code to improve performance and reduce code size.</a:t>
+            </a:r>
+          </a:p>
+          <a:p>
+            <a:pPr marL="0" indent="0">
+              <a:buNone/>
+            </a:pPr>
+            <a:r>
+              <a:rPr lang="en-GB" dirty="0"/>
+              <a:t>Typically, there might be multiple ways to choose and order machine code instructions. Some might be equivalent, others might allow to save memory/register space, etc.</a:t>
+            </a:r>
+          </a:p>
+          <a:p>
+            <a:endParaRPr lang="en-SG" dirty="0"/>
+          </a:p>
+        </p:txBody>
+      </p:sp>
+    </p:spTree>
+    <p:extLst>
+      <p:ext uri="{BB962C8B-B14F-4D97-AF65-F5344CB8AC3E}">
+        <p14:creationId xmlns:p14="http://schemas.microsoft.com/office/powerpoint/2010/main" val="3069423319"/>
+      </p:ext>
+    </p:extLst>
+  </p:cSld>
+  <p:clrMapOvr>
+    <a:masterClrMapping/>
+  </p:clrMapOvr>
+</p:sld>
+</file>
+
+<file path=ppt/slides/slide50.xml><?xml version="1.0" encoding="utf-8"?>
 <p:sld xmlns:a="http://schemas.openxmlformats.org/drawingml/2006/main" xmlns:r="http://schemas.openxmlformats.org/officeDocument/2006/relationships" xmlns:p="http://schemas.openxmlformats.org/presentationml/2006/main">
   <p:cSld>
     <p:spTree>
@@ -35667,7 +35150,7 @@
 </p:sld>
 </file>
 
-<file path=ppt/slides/slide55.xml><?xml version="1.0" encoding="utf-8"?>
+<file path=ppt/slides/slide51.xml><?xml version="1.0" encoding="utf-8"?>
 <p:sld xmlns:a="http://schemas.openxmlformats.org/drawingml/2006/main" xmlns:r="http://schemas.openxmlformats.org/officeDocument/2006/relationships" xmlns:p="http://schemas.openxmlformats.org/presentationml/2006/main">
   <p:cSld>
     <p:spTree>
@@ -35827,7 +35310,7 @@
 </p:sld>
 </file>
 
-<file path=ppt/slides/slide56.xml><?xml version="1.0" encoding="utf-8"?>
+<file path=ppt/slides/slide52.xml><?xml version="1.0" encoding="utf-8"?>
 <p:sld xmlns:a="http://schemas.openxmlformats.org/drawingml/2006/main" xmlns:r="http://schemas.openxmlformats.org/officeDocument/2006/relationships" xmlns:p="http://schemas.openxmlformats.org/presentationml/2006/main">
   <p:cSld>
     <p:spTree>
@@ -35986,7 +35469,7 @@
           <a:p>
             <a:r>
               <a:rPr lang="en-GB" dirty="0"/>
-              <a:t>A first demo of greedy allocation</a:t>
+              <a:t>A more advanced greedy allocation</a:t>
             </a:r>
             <a:endParaRPr lang="en-SG" dirty="0"/>
           </a:p>
@@ -36005,7 +35488,7 @@
 </p:sld>
 </file>
 
-<file path=ppt/slides/slide57.xml><?xml version="1.0" encoding="utf-8"?>
+<file path=ppt/slides/slide53.xml><?xml version="1.0" encoding="utf-8"?>
 <p:sld xmlns:a="http://schemas.openxmlformats.org/drawingml/2006/main" xmlns:r="http://schemas.openxmlformats.org/officeDocument/2006/relationships" xmlns:p="http://schemas.openxmlformats.org/presentationml/2006/main">
   <p:cSld>
     <p:spTree>
@@ -36183,7 +35666,7 @@
 </p:sld>
 </file>
 
-<file path=ppt/slides/slide58.xml><?xml version="1.0" encoding="utf-8"?>
+<file path=ppt/slides/slide54.xml><?xml version="1.0" encoding="utf-8"?>
 <p:sld xmlns:a="http://schemas.openxmlformats.org/drawingml/2006/main" xmlns:r="http://schemas.openxmlformats.org/officeDocument/2006/relationships" xmlns:p="http://schemas.openxmlformats.org/presentationml/2006/main">
   <p:cSld>
     <p:spTree>
@@ -36305,7 +35788,7 @@
 </p:sld>
 </file>
 
-<file path=ppt/slides/slide59.xml><?xml version="1.0" encoding="utf-8"?>
+<file path=ppt/slides/slide55.xml><?xml version="1.0" encoding="utf-8"?>
 <p:sld xmlns:a="http://schemas.openxmlformats.org/drawingml/2006/main" xmlns:r="http://schemas.openxmlformats.org/officeDocument/2006/relationships" xmlns:p="http://schemas.openxmlformats.org/presentationml/2006/main">
   <p:cSld>
     <p:spTree>
@@ -36420,205 +35903,7 @@
 </p:sld>
 </file>
 
-<file path=ppt/slides/slide6.xml><?xml version="1.0" encoding="utf-8"?>
-<p:sld xmlns:a="http://schemas.openxmlformats.org/drawingml/2006/main" xmlns:r="http://schemas.openxmlformats.org/officeDocument/2006/relationships" xmlns:p="http://schemas.openxmlformats.org/presentationml/2006/main">
-  <p:cSld>
-    <p:spTree>
-      <p:nvGrpSpPr>
-        <p:cNvPr id="1" name=""/>
-        <p:cNvGrpSpPr/>
-        <p:nvPr/>
-      </p:nvGrpSpPr>
-      <p:grpSpPr>
-        <a:xfrm>
-          <a:off x="0" y="0"/>
-          <a:ext cx="0" cy="0"/>
-          <a:chOff x="0" y="0"/>
-          <a:chExt cx="0" cy="0"/>
-        </a:xfrm>
-      </p:grpSpPr>
-      <p:sp>
-        <p:nvSpPr>
-          <p:cNvPr id="5" name="Title 4">
-            <a:extLst>
-              <a:ext uri="{FF2B5EF4-FFF2-40B4-BE49-F238E27FC236}">
-                <a16:creationId xmlns:a16="http://schemas.microsoft.com/office/drawing/2014/main" id="{CE5E2438-6ABA-A76B-3FDB-64FD8BC2D5C3}"/>
-              </a:ext>
-            </a:extLst>
-          </p:cNvPr>
-          <p:cNvSpPr>
-            <a:spLocks noGrp="1"/>
-          </p:cNvSpPr>
-          <p:nvPr>
-            <p:ph type="title"/>
-          </p:nvPr>
-        </p:nvSpPr>
-        <p:spPr/>
-        <p:txBody>
-          <a:bodyPr/>
-          <a:lstStyle/>
-          <a:p>
-            <a:r>
-              <a:rPr lang="en-GB" dirty="0"/>
-              <a:t>Instruction Selection</a:t>
-            </a:r>
-            <a:endParaRPr lang="en-SG" dirty="0"/>
-          </a:p>
-        </p:txBody>
-      </p:sp>
-      <p:sp>
-        <p:nvSpPr>
-          <p:cNvPr id="3" name="Content Placeholder 2">
-            <a:extLst>
-              <a:ext uri="{FF2B5EF4-FFF2-40B4-BE49-F238E27FC236}">
-                <a16:creationId xmlns:a16="http://schemas.microsoft.com/office/drawing/2014/main" id="{1BDC01C5-0A1A-FB04-35BF-21B168BEAFFE}"/>
-              </a:ext>
-            </a:extLst>
-          </p:cNvPr>
-          <p:cNvSpPr>
-            <a:spLocks noGrp="1"/>
-          </p:cNvSpPr>
-          <p:nvPr>
-            <p:ph idx="1"/>
-          </p:nvPr>
-        </p:nvSpPr>
-        <p:spPr/>
-        <p:txBody>
-          <a:bodyPr>
-            <a:normAutofit/>
-          </a:bodyPr>
-          <a:lstStyle/>
-          <a:p>
-            <a:pPr marL="0" indent="0">
-              <a:buNone/>
-            </a:pPr>
-            <a:r>
-              <a:rPr lang="en-GB" b="1" dirty="0"/>
-              <a:t>Definition (</a:t>
-            </a:r>
-            <a:r>
-              <a:rPr lang="en-GB" b="1" dirty="0">
-                <a:solidFill>
-                  <a:srgbClr val="00B050"/>
-                </a:solidFill>
-              </a:rPr>
-              <a:t>Instruction Selection</a:t>
-            </a:r>
-            <a:r>
-              <a:rPr lang="en-GB" b="1" dirty="0"/>
-              <a:t>):</a:t>
-            </a:r>
-          </a:p>
-          <a:p>
-            <a:pPr marL="0" indent="0">
-              <a:buNone/>
-            </a:pPr>
-            <a:r>
-              <a:rPr lang="en-GB" dirty="0"/>
-              <a:t>During </a:t>
-            </a:r>
-            <a:r>
-              <a:rPr lang="en-GB" b="1" dirty="0">
-                <a:solidFill>
-                  <a:srgbClr val="00B050"/>
-                </a:solidFill>
-              </a:rPr>
-              <a:t>instruction selection</a:t>
-            </a:r>
-            <a:r>
-              <a:rPr lang="en-GB" dirty="0"/>
-              <a:t>, the compiler chooses the specific machine code instructions (mov, add, </a:t>
-            </a:r>
-            <a:r>
-              <a:rPr lang="en-GB" dirty="0" err="1"/>
-              <a:t>jmp</a:t>
-            </a:r>
-            <a:r>
-              <a:rPr lang="en-GB" dirty="0"/>
-              <a:t>, etc) to use to implement each operation in the program.</a:t>
-            </a:r>
-          </a:p>
-          <a:p>
-            <a:pPr marL="0" indent="0">
-              <a:buNone/>
-            </a:pPr>
-            <a:r>
-              <a:rPr lang="en-GB" dirty="0"/>
-              <a:t>During this step, it might perform some final transformations on the generated code to improve performance and reduce code size.</a:t>
-            </a:r>
-          </a:p>
-          <a:p>
-            <a:pPr marL="0" indent="0">
-              <a:buNone/>
-            </a:pPr>
-            <a:r>
-              <a:rPr lang="en-GB" dirty="0"/>
-              <a:t>Typically, there might be multiple ways to choose and order machine code instructions. Some might be equivalent, others might allow to save memory/register space, etc.</a:t>
-            </a:r>
-          </a:p>
-          <a:p>
-            <a:endParaRPr lang="en-SG" dirty="0"/>
-          </a:p>
-        </p:txBody>
-      </p:sp>
-      <p:pic>
-        <p:nvPicPr>
-          <p:cNvPr id="2" name="Picture 1">
-            <a:extLst>
-              <a:ext uri="{FF2B5EF4-FFF2-40B4-BE49-F238E27FC236}">
-                <a16:creationId xmlns:a16="http://schemas.microsoft.com/office/drawing/2014/main" id="{7CE5EB3F-88F2-152D-EE2B-FC269C4FE39D}"/>
-              </a:ext>
-            </a:extLst>
-          </p:cNvPr>
-          <p:cNvPicPr>
-            <a:picLocks noChangeAspect="1"/>
-          </p:cNvPicPr>
-          <p:nvPr/>
-        </p:nvPicPr>
-        <p:blipFill>
-          <a:blip r:embed="rId2"/>
-          <a:stretch>
-            <a:fillRect/>
-          </a:stretch>
-        </p:blipFill>
-        <p:spPr>
-          <a:xfrm>
-            <a:off x="2069135" y="1426399"/>
-            <a:ext cx="8053727" cy="5149789"/>
-          </a:xfrm>
-          <a:prstGeom prst="rect">
-            <a:avLst/>
-          </a:prstGeom>
-          <a:ln w="38100" cap="sq">
-            <a:solidFill>
-              <a:srgbClr val="000000"/>
-            </a:solidFill>
-            <a:prstDash val="solid"/>
-            <a:miter lim="800000"/>
-          </a:ln>
-          <a:effectLst>
-            <a:outerShdw blurRad="50800" dist="38100" dir="2700000" algn="tl" rotWithShape="0">
-              <a:srgbClr val="000000">
-                <a:alpha val="43000"/>
-              </a:srgbClr>
-            </a:outerShdw>
-          </a:effectLst>
-        </p:spPr>
-      </p:pic>
-    </p:spTree>
-    <p:extLst>
-      <p:ext uri="{BB962C8B-B14F-4D97-AF65-F5344CB8AC3E}">
-        <p14:creationId xmlns:p14="http://schemas.microsoft.com/office/powerpoint/2010/main" val="2093819752"/>
-      </p:ext>
-    </p:extLst>
-  </p:cSld>
-  <p:clrMapOvr>
-    <a:masterClrMapping/>
-  </p:clrMapOvr>
-</p:sld>
-</file>
-
-<file path=ppt/slides/slide60.xml><?xml version="1.0" encoding="utf-8"?>
+<file path=ppt/slides/slide56.xml><?xml version="1.0" encoding="utf-8"?>
 <p:sld xmlns:a="http://schemas.openxmlformats.org/drawingml/2006/main" xmlns:r="http://schemas.openxmlformats.org/officeDocument/2006/relationships" xmlns:p="http://schemas.openxmlformats.org/presentationml/2006/main">
   <p:cSld>
     <p:spTree>
@@ -36740,7 +36025,7 @@
 </p:sld>
 </file>
 
-<file path=ppt/slides/slide61.xml><?xml version="1.0" encoding="utf-8"?>
+<file path=ppt/slides/slide57.xml><?xml version="1.0" encoding="utf-8"?>
 <p:sld xmlns:a="http://schemas.openxmlformats.org/drawingml/2006/main" xmlns:r="http://schemas.openxmlformats.org/officeDocument/2006/relationships" xmlns:p="http://schemas.openxmlformats.org/presentationml/2006/main">
   <p:cSld>
     <p:spTree>
@@ -36999,7 +36284,7 @@
 </p:sld>
 </file>
 
-<file path=ppt/slides/slide62.xml><?xml version="1.0" encoding="utf-8"?>
+<file path=ppt/slides/slide58.xml><?xml version="1.0" encoding="utf-8"?>
 <p:sld xmlns:a="http://schemas.openxmlformats.org/drawingml/2006/main" xmlns:r="http://schemas.openxmlformats.org/officeDocument/2006/relationships" xmlns:p="http://schemas.openxmlformats.org/presentationml/2006/main">
   <p:cSld>
     <p:spTree>
@@ -37162,7 +36447,7 @@
 </p:sld>
 </file>
 
-<file path=ppt/slides/slide63.xml><?xml version="1.0" encoding="utf-8"?>
+<file path=ppt/slides/slide59.xml><?xml version="1.0" encoding="utf-8"?>
 <p:sld xmlns:a="http://schemas.openxmlformats.org/drawingml/2006/main" xmlns:r="http://schemas.openxmlformats.org/officeDocument/2006/relationships" xmlns:p="http://schemas.openxmlformats.org/presentationml/2006/main">
   <p:cSld>
     <p:spTree>
@@ -37184,7 +36469,7 @@
           <p:cNvPr id="2" name="Title 1">
             <a:extLst>
               <a:ext uri="{FF2B5EF4-FFF2-40B4-BE49-F238E27FC236}">
-                <a16:creationId xmlns:a16="http://schemas.microsoft.com/office/drawing/2014/main" id="{BA88C8A7-87E7-67D5-7970-F50E1E578035}"/>
+                <a16:creationId xmlns:a16="http://schemas.microsoft.com/office/drawing/2014/main" id="{DA211EE2-653C-8B2F-77B8-DDABD73CA4B3}"/>
               </a:ext>
             </a:extLst>
           </p:cNvPr>
@@ -37202,7 +36487,7 @@
           <a:p>
             <a:r>
               <a:rPr lang="en-GB" dirty="0"/>
-              <a:t>A quick word on garbage collection</a:t>
+              <a:t>Quiz time!</a:t>
             </a:r>
             <a:endParaRPr lang="en-SG" dirty="0"/>
           </a:p>
@@ -37213,7 +36498,7 @@
           <p:cNvPr id="3" name="Content Placeholder 2">
             <a:extLst>
               <a:ext uri="{FF2B5EF4-FFF2-40B4-BE49-F238E27FC236}">
-                <a16:creationId xmlns:a16="http://schemas.microsoft.com/office/drawing/2014/main" id="{3A7D8DFA-769E-EDDE-DF07-F94BF8DB8F0F}"/>
+                <a16:creationId xmlns:a16="http://schemas.microsoft.com/office/drawing/2014/main" id="{C3D080E1-9C7F-E92E-EE4C-7CD33FA938A0}"/>
               </a:ext>
             </a:extLst>
           </p:cNvPr>
@@ -37221,7 +36506,7 @@
             <a:spLocks noGrp="1"/>
           </p:cNvSpPr>
           <p:nvPr>
-            <p:ph sz="half" idx="1"/>
+            <p:ph idx="1"/>
           </p:nvPr>
         </p:nvSpPr>
         <p:spPr/>
@@ -37229,16 +36514,95 @@
           <a:bodyPr/>
           <a:lstStyle/>
           <a:p>
-            <a:endParaRPr lang="en-SG"/>
+            <a:pPr marL="0" indent="0">
+              <a:buNone/>
+            </a:pPr>
+            <a:r>
+              <a:rPr lang="en-GB" b="1" dirty="0"/>
+              <a:t>What is the main purpose of translating three-address code to assembly code?</a:t>
+            </a:r>
+          </a:p>
+          <a:p>
+            <a:pPr marL="514350" indent="-514350">
+              <a:buFont typeface="+mj-lt"/>
+              <a:buAutoNum type="alphaUcPeriod"/>
+            </a:pPr>
+            <a:r>
+              <a:rPr lang="en-GB" dirty="0"/>
+              <a:t>To create an executable binary</a:t>
+            </a:r>
+          </a:p>
+          <a:p>
+            <a:pPr marL="514350" indent="-514350">
+              <a:buFont typeface="+mj-lt"/>
+              <a:buAutoNum type="alphaUcPeriod"/>
+            </a:pPr>
+            <a:r>
+              <a:rPr lang="en-GB" dirty="0"/>
+              <a:t>To optimize the code to its maximal level</a:t>
+            </a:r>
+          </a:p>
+          <a:p>
+            <a:pPr marL="514350" indent="-514350">
+              <a:buFont typeface="+mj-lt"/>
+              <a:buAutoNum type="alphaUcPeriod"/>
+            </a:pPr>
+            <a:r>
+              <a:rPr lang="en-GB" dirty="0"/>
+              <a:t>To make the code human-readable</a:t>
+            </a:r>
+          </a:p>
+          <a:p>
+            <a:pPr marL="514350" indent="-514350">
+              <a:buFont typeface="+mj-lt"/>
+              <a:buAutoNum type="alphaUcPeriod"/>
+            </a:pPr>
+            <a:r>
+              <a:rPr lang="en-GB" dirty="0"/>
+              <a:t>To simplify the code and ensure it runs fast</a:t>
+            </a:r>
+          </a:p>
+          <a:p>
+            <a:endParaRPr lang="en-SG" dirty="0"/>
           </a:p>
         </p:txBody>
       </p:sp>
+    </p:spTree>
+    <p:extLst>
+      <p:ext uri="{BB962C8B-B14F-4D97-AF65-F5344CB8AC3E}">
+        <p14:creationId xmlns:p14="http://schemas.microsoft.com/office/powerpoint/2010/main" val="1085855309"/>
+      </p:ext>
+    </p:extLst>
+  </p:cSld>
+  <p:clrMapOvr>
+    <a:masterClrMapping/>
+  </p:clrMapOvr>
+</p:sld>
+</file>
+
+<file path=ppt/slides/slide6.xml><?xml version="1.0" encoding="utf-8"?>
+<p:sld xmlns:a="http://schemas.openxmlformats.org/drawingml/2006/main" xmlns:r="http://schemas.openxmlformats.org/officeDocument/2006/relationships" xmlns:p="http://schemas.openxmlformats.org/presentationml/2006/main">
+  <p:cSld>
+    <p:spTree>
+      <p:nvGrpSpPr>
+        <p:cNvPr id="1" name=""/>
+        <p:cNvGrpSpPr/>
+        <p:nvPr/>
+      </p:nvGrpSpPr>
+      <p:grpSpPr>
+        <a:xfrm>
+          <a:off x="0" y="0"/>
+          <a:ext cx="0" cy="0"/>
+          <a:chOff x="0" y="0"/>
+          <a:chExt cx="0" cy="0"/>
+        </a:xfrm>
+      </p:grpSpPr>
       <p:sp>
         <p:nvSpPr>
-          <p:cNvPr id="4" name="Content Placeholder 3">
+          <p:cNvPr id="5" name="Title 4">
             <a:extLst>
               <a:ext uri="{FF2B5EF4-FFF2-40B4-BE49-F238E27FC236}">
-                <a16:creationId xmlns:a16="http://schemas.microsoft.com/office/drawing/2014/main" id="{B7537756-3D52-3422-378F-E16ABB7253E4}"/>
+                <a16:creationId xmlns:a16="http://schemas.microsoft.com/office/drawing/2014/main" id="{CE5E2438-6ABA-A76B-3FDB-64FD8BC2D5C3}"/>
               </a:ext>
             </a:extLst>
           </p:cNvPr>
@@ -37246,7 +36610,7 @@
             <a:spLocks noGrp="1"/>
           </p:cNvSpPr>
           <p:nvPr>
-            <p:ph sz="half" idx="2"/>
+            <p:ph type="title"/>
           </p:nvPr>
         </p:nvSpPr>
         <p:spPr/>
@@ -37254,14 +36618,706 @@
           <a:bodyPr/>
           <a:lstStyle/>
           <a:p>
-            <a:endParaRPr lang="en-SG"/>
+            <a:r>
+              <a:rPr lang="en-GB" dirty="0"/>
+              <a:t>Instruction Selection</a:t>
+            </a:r>
+            <a:endParaRPr lang="en-SG" dirty="0"/>
+          </a:p>
+        </p:txBody>
+      </p:sp>
+      <p:sp>
+        <p:nvSpPr>
+          <p:cNvPr id="3" name="Content Placeholder 2">
+            <a:extLst>
+              <a:ext uri="{FF2B5EF4-FFF2-40B4-BE49-F238E27FC236}">
+                <a16:creationId xmlns:a16="http://schemas.microsoft.com/office/drawing/2014/main" id="{1BDC01C5-0A1A-FB04-35BF-21B168BEAFFE}"/>
+              </a:ext>
+            </a:extLst>
+          </p:cNvPr>
+          <p:cNvSpPr>
+            <a:spLocks noGrp="1"/>
+          </p:cNvSpPr>
+          <p:nvPr>
+            <p:ph idx="1"/>
+          </p:nvPr>
+        </p:nvSpPr>
+        <p:spPr/>
+        <p:txBody>
+          <a:bodyPr>
+            <a:normAutofit/>
+          </a:bodyPr>
+          <a:lstStyle/>
+          <a:p>
+            <a:pPr marL="0" indent="0">
+              <a:buNone/>
+            </a:pPr>
+            <a:r>
+              <a:rPr lang="en-GB" b="1" dirty="0"/>
+              <a:t>Definition (</a:t>
+            </a:r>
+            <a:r>
+              <a:rPr lang="en-GB" b="1" dirty="0">
+                <a:solidFill>
+                  <a:srgbClr val="00B050"/>
+                </a:solidFill>
+              </a:rPr>
+              <a:t>Instruction Selection</a:t>
+            </a:r>
+            <a:r>
+              <a:rPr lang="en-GB" b="1" dirty="0"/>
+              <a:t>):</a:t>
+            </a:r>
+          </a:p>
+          <a:p>
+            <a:pPr marL="0" indent="0">
+              <a:buNone/>
+            </a:pPr>
+            <a:r>
+              <a:rPr lang="en-GB" dirty="0"/>
+              <a:t>During </a:t>
+            </a:r>
+            <a:r>
+              <a:rPr lang="en-GB" b="1" dirty="0">
+                <a:solidFill>
+                  <a:srgbClr val="00B050"/>
+                </a:solidFill>
+              </a:rPr>
+              <a:t>instruction selection</a:t>
+            </a:r>
+            <a:r>
+              <a:rPr lang="en-GB" dirty="0"/>
+              <a:t>, the compiler chooses the specific machine code instructions (mov, add, </a:t>
+            </a:r>
+            <a:r>
+              <a:rPr lang="en-GB" dirty="0" err="1"/>
+              <a:t>jmp</a:t>
+            </a:r>
+            <a:r>
+              <a:rPr lang="en-GB" dirty="0"/>
+              <a:t>, etc) to use to implement each operation in the program.</a:t>
+            </a:r>
+          </a:p>
+          <a:p>
+            <a:pPr marL="0" indent="0">
+              <a:buNone/>
+            </a:pPr>
+            <a:r>
+              <a:rPr lang="en-GB" dirty="0"/>
+              <a:t>During this step, it might perform some final transformations on the generated code to improve performance and reduce code size.</a:t>
+            </a:r>
+          </a:p>
+          <a:p>
+            <a:pPr marL="0" indent="0">
+              <a:buNone/>
+            </a:pPr>
+            <a:r>
+              <a:rPr lang="en-GB" dirty="0"/>
+              <a:t>Typically, there might be multiple ways to choose and order machine code instructions. Some might be equivalent, others might allow to save memory/register space, etc.</a:t>
+            </a:r>
+          </a:p>
+          <a:p>
+            <a:endParaRPr lang="en-SG" dirty="0"/>
+          </a:p>
+        </p:txBody>
+      </p:sp>
+      <p:pic>
+        <p:nvPicPr>
+          <p:cNvPr id="2" name="Picture 1">
+            <a:extLst>
+              <a:ext uri="{FF2B5EF4-FFF2-40B4-BE49-F238E27FC236}">
+                <a16:creationId xmlns:a16="http://schemas.microsoft.com/office/drawing/2014/main" id="{7CE5EB3F-88F2-152D-EE2B-FC269C4FE39D}"/>
+              </a:ext>
+            </a:extLst>
+          </p:cNvPr>
+          <p:cNvPicPr>
+            <a:picLocks noChangeAspect="1"/>
+          </p:cNvPicPr>
+          <p:nvPr/>
+        </p:nvPicPr>
+        <p:blipFill>
+          <a:blip r:embed="rId2"/>
+          <a:stretch>
+            <a:fillRect/>
+          </a:stretch>
+        </p:blipFill>
+        <p:spPr>
+          <a:xfrm>
+            <a:off x="2069135" y="1426399"/>
+            <a:ext cx="8053727" cy="5149789"/>
+          </a:xfrm>
+          <a:prstGeom prst="rect">
+            <a:avLst/>
+          </a:prstGeom>
+          <a:ln w="38100" cap="sq">
+            <a:solidFill>
+              <a:srgbClr val="000000"/>
+            </a:solidFill>
+            <a:prstDash val="solid"/>
+            <a:miter lim="800000"/>
+          </a:ln>
+          <a:effectLst>
+            <a:outerShdw blurRad="50800" dist="38100" dir="2700000" algn="tl" rotWithShape="0">
+              <a:srgbClr val="000000">
+                <a:alpha val="43000"/>
+              </a:srgbClr>
+            </a:outerShdw>
+          </a:effectLst>
+        </p:spPr>
+      </p:pic>
+    </p:spTree>
+    <p:extLst>
+      <p:ext uri="{BB962C8B-B14F-4D97-AF65-F5344CB8AC3E}">
+        <p14:creationId xmlns:p14="http://schemas.microsoft.com/office/powerpoint/2010/main" val="2093819752"/>
+      </p:ext>
+    </p:extLst>
+  </p:cSld>
+  <p:clrMapOvr>
+    <a:masterClrMapping/>
+  </p:clrMapOvr>
+</p:sld>
+</file>
+
+<file path=ppt/slides/slide60.xml><?xml version="1.0" encoding="utf-8"?>
+<p:sld xmlns:a="http://schemas.openxmlformats.org/drawingml/2006/main" xmlns:r="http://schemas.openxmlformats.org/officeDocument/2006/relationships" xmlns:p="http://schemas.openxmlformats.org/presentationml/2006/main">
+  <p:cSld>
+    <p:spTree>
+      <p:nvGrpSpPr>
+        <p:cNvPr id="1" name=""/>
+        <p:cNvGrpSpPr/>
+        <p:nvPr/>
+      </p:nvGrpSpPr>
+      <p:grpSpPr>
+        <a:xfrm>
+          <a:off x="0" y="0"/>
+          <a:ext cx="0" cy="0"/>
+          <a:chOff x="0" y="0"/>
+          <a:chExt cx="0" cy="0"/>
+        </a:xfrm>
+      </p:grpSpPr>
+      <p:sp>
+        <p:nvSpPr>
+          <p:cNvPr id="2" name="Title 1">
+            <a:extLst>
+              <a:ext uri="{FF2B5EF4-FFF2-40B4-BE49-F238E27FC236}">
+                <a16:creationId xmlns:a16="http://schemas.microsoft.com/office/drawing/2014/main" id="{DA211EE2-653C-8B2F-77B8-DDABD73CA4B3}"/>
+              </a:ext>
+            </a:extLst>
+          </p:cNvPr>
+          <p:cNvSpPr>
+            <a:spLocks noGrp="1"/>
+          </p:cNvSpPr>
+          <p:nvPr>
+            <p:ph type="title"/>
+          </p:nvPr>
+        </p:nvSpPr>
+        <p:spPr/>
+        <p:txBody>
+          <a:bodyPr/>
+          <a:lstStyle/>
+          <a:p>
+            <a:r>
+              <a:rPr lang="en-GB" dirty="0"/>
+              <a:t>Quiz time!</a:t>
+            </a:r>
+            <a:endParaRPr lang="en-SG" dirty="0"/>
+          </a:p>
+        </p:txBody>
+      </p:sp>
+      <p:sp>
+        <p:nvSpPr>
+          <p:cNvPr id="3" name="Content Placeholder 2">
+            <a:extLst>
+              <a:ext uri="{FF2B5EF4-FFF2-40B4-BE49-F238E27FC236}">
+                <a16:creationId xmlns:a16="http://schemas.microsoft.com/office/drawing/2014/main" id="{C3D080E1-9C7F-E92E-EE4C-7CD33FA938A0}"/>
+              </a:ext>
+            </a:extLst>
+          </p:cNvPr>
+          <p:cNvSpPr>
+            <a:spLocks noGrp="1"/>
+          </p:cNvSpPr>
+          <p:nvPr>
+            <p:ph idx="1"/>
+          </p:nvPr>
+        </p:nvSpPr>
+        <p:spPr/>
+        <p:txBody>
+          <a:bodyPr/>
+          <a:lstStyle/>
+          <a:p>
+            <a:pPr marL="0" indent="0">
+              <a:buNone/>
+            </a:pPr>
+            <a:r>
+              <a:rPr lang="en-GB" b="1" dirty="0"/>
+              <a:t>What is the main purpose of translating three-address code to assembly code?</a:t>
+            </a:r>
+          </a:p>
+          <a:p>
+            <a:pPr marL="514350" indent="-514350">
+              <a:buFont typeface="+mj-lt"/>
+              <a:buAutoNum type="alphaUcPeriod"/>
+            </a:pPr>
+            <a:r>
+              <a:rPr lang="en-GB" b="1" dirty="0">
+                <a:solidFill>
+                  <a:srgbClr val="00B050"/>
+                </a:solidFill>
+              </a:rPr>
+              <a:t>To create an executable binary</a:t>
+            </a:r>
+          </a:p>
+          <a:p>
+            <a:pPr marL="514350" indent="-514350">
+              <a:buFont typeface="+mj-lt"/>
+              <a:buAutoNum type="alphaUcPeriod"/>
+            </a:pPr>
+            <a:r>
+              <a:rPr lang="en-GB" dirty="0"/>
+              <a:t>To optimize the code to its maximal level</a:t>
+            </a:r>
+          </a:p>
+          <a:p>
+            <a:pPr marL="514350" indent="-514350">
+              <a:buFont typeface="+mj-lt"/>
+              <a:buAutoNum type="alphaUcPeriod"/>
+            </a:pPr>
+            <a:r>
+              <a:rPr lang="en-GB" dirty="0"/>
+              <a:t>To make the code human-readable</a:t>
+            </a:r>
+          </a:p>
+          <a:p>
+            <a:pPr marL="514350" indent="-514350">
+              <a:buFont typeface="+mj-lt"/>
+              <a:buAutoNum type="alphaUcPeriod"/>
+            </a:pPr>
+            <a:r>
+              <a:rPr lang="en-GB" dirty="0"/>
+              <a:t>To simplify the code and ensure it runs fast</a:t>
+            </a:r>
+          </a:p>
+          <a:p>
+            <a:endParaRPr lang="en-SG" dirty="0"/>
           </a:p>
         </p:txBody>
       </p:sp>
     </p:spTree>
     <p:extLst>
       <p:ext uri="{BB962C8B-B14F-4D97-AF65-F5344CB8AC3E}">
-        <p14:creationId xmlns:p14="http://schemas.microsoft.com/office/powerpoint/2010/main" val="2491171818"/>
+        <p14:creationId xmlns:p14="http://schemas.microsoft.com/office/powerpoint/2010/main" val="1742133511"/>
+      </p:ext>
+    </p:extLst>
+  </p:cSld>
+  <p:clrMapOvr>
+    <a:masterClrMapping/>
+  </p:clrMapOvr>
+</p:sld>
+</file>
+
+<file path=ppt/slides/slide61.xml><?xml version="1.0" encoding="utf-8"?>
+<p:sld xmlns:a="http://schemas.openxmlformats.org/drawingml/2006/main" xmlns:r="http://schemas.openxmlformats.org/officeDocument/2006/relationships" xmlns:p="http://schemas.openxmlformats.org/presentationml/2006/main">
+  <p:cSld>
+    <p:spTree>
+      <p:nvGrpSpPr>
+        <p:cNvPr id="1" name=""/>
+        <p:cNvGrpSpPr/>
+        <p:nvPr/>
+      </p:nvGrpSpPr>
+      <p:grpSpPr>
+        <a:xfrm>
+          <a:off x="0" y="0"/>
+          <a:ext cx="0" cy="0"/>
+          <a:chOff x="0" y="0"/>
+          <a:chExt cx="0" cy="0"/>
+        </a:xfrm>
+      </p:grpSpPr>
+      <p:sp>
+        <p:nvSpPr>
+          <p:cNvPr id="5" name="Title 4">
+            <a:extLst>
+              <a:ext uri="{FF2B5EF4-FFF2-40B4-BE49-F238E27FC236}">
+                <a16:creationId xmlns:a16="http://schemas.microsoft.com/office/drawing/2014/main" id="{40BB58BE-9308-E2D0-621F-896D9F7A3F80}"/>
+              </a:ext>
+            </a:extLst>
+          </p:cNvPr>
+          <p:cNvSpPr>
+            <a:spLocks noGrp="1"/>
+          </p:cNvSpPr>
+          <p:nvPr>
+            <p:ph type="title"/>
+          </p:nvPr>
+        </p:nvSpPr>
+        <p:spPr/>
+        <p:txBody>
+          <a:bodyPr/>
+          <a:lstStyle/>
+          <a:p>
+            <a:r>
+              <a:rPr lang="en-GB" dirty="0"/>
+              <a:t>Quiz time!</a:t>
+            </a:r>
+            <a:endParaRPr lang="en-SG" dirty="0"/>
+          </a:p>
+        </p:txBody>
+      </p:sp>
+      <p:sp>
+        <p:nvSpPr>
+          <p:cNvPr id="6" name="Content Placeholder 5">
+            <a:extLst>
+              <a:ext uri="{FF2B5EF4-FFF2-40B4-BE49-F238E27FC236}">
+                <a16:creationId xmlns:a16="http://schemas.microsoft.com/office/drawing/2014/main" id="{AD739F93-6CBC-214F-C0F7-13E4C4714B32}"/>
+              </a:ext>
+            </a:extLst>
+          </p:cNvPr>
+          <p:cNvSpPr>
+            <a:spLocks noGrp="1"/>
+          </p:cNvSpPr>
+          <p:nvPr>
+            <p:ph idx="1"/>
+          </p:nvPr>
+        </p:nvSpPr>
+        <p:spPr/>
+        <p:txBody>
+          <a:bodyPr/>
+          <a:lstStyle/>
+          <a:p>
+            <a:pPr marL="0" indent="0">
+              <a:buNone/>
+            </a:pPr>
+            <a:r>
+              <a:rPr lang="en-GB" b="1" dirty="0"/>
+              <a:t>Which of the following is NOT a characteristic of assembly code?</a:t>
+            </a:r>
+          </a:p>
+          <a:p>
+            <a:pPr marL="514350" indent="-514350">
+              <a:buFont typeface="+mj-lt"/>
+              <a:buAutoNum type="alphaUcPeriod"/>
+            </a:pPr>
+            <a:r>
+              <a:rPr lang="en-GB" dirty="0"/>
+              <a:t>It is a low-level programming language</a:t>
+            </a:r>
+          </a:p>
+          <a:p>
+            <a:pPr marL="514350" indent="-514350">
+              <a:buFont typeface="+mj-lt"/>
+              <a:buAutoNum type="alphaUcPeriod"/>
+            </a:pPr>
+            <a:r>
+              <a:rPr lang="en-GB" dirty="0"/>
+              <a:t>It is human-readable</a:t>
+            </a:r>
+          </a:p>
+          <a:p>
+            <a:pPr marL="514350" indent="-514350">
+              <a:buFont typeface="+mj-lt"/>
+              <a:buAutoNum type="alphaUcPeriod"/>
+            </a:pPr>
+            <a:r>
+              <a:rPr lang="en-GB" dirty="0"/>
+              <a:t>It contains variables and loops</a:t>
+            </a:r>
+          </a:p>
+          <a:p>
+            <a:pPr marL="514350" indent="-514350">
+              <a:buFont typeface="+mj-lt"/>
+              <a:buAutoNum type="alphaUcPeriod"/>
+            </a:pPr>
+            <a:r>
+              <a:rPr lang="en-GB" dirty="0"/>
+              <a:t>It is specific to a particular computer architecture</a:t>
+            </a:r>
+          </a:p>
+          <a:p>
+            <a:pPr marL="0" indent="0">
+              <a:buNone/>
+            </a:pPr>
+            <a:endParaRPr lang="en-SG" dirty="0"/>
+          </a:p>
+        </p:txBody>
+      </p:sp>
+    </p:spTree>
+    <p:extLst>
+      <p:ext uri="{BB962C8B-B14F-4D97-AF65-F5344CB8AC3E}">
+        <p14:creationId xmlns:p14="http://schemas.microsoft.com/office/powerpoint/2010/main" val="284645869"/>
+      </p:ext>
+    </p:extLst>
+  </p:cSld>
+  <p:clrMapOvr>
+    <a:masterClrMapping/>
+  </p:clrMapOvr>
+</p:sld>
+</file>
+
+<file path=ppt/slides/slide62.xml><?xml version="1.0" encoding="utf-8"?>
+<p:sld xmlns:a="http://schemas.openxmlformats.org/drawingml/2006/main" xmlns:r="http://schemas.openxmlformats.org/officeDocument/2006/relationships" xmlns:p="http://schemas.openxmlformats.org/presentationml/2006/main">
+  <p:cSld>
+    <p:spTree>
+      <p:nvGrpSpPr>
+        <p:cNvPr id="1" name=""/>
+        <p:cNvGrpSpPr/>
+        <p:nvPr/>
+      </p:nvGrpSpPr>
+      <p:grpSpPr>
+        <a:xfrm>
+          <a:off x="0" y="0"/>
+          <a:ext cx="0" cy="0"/>
+          <a:chOff x="0" y="0"/>
+          <a:chExt cx="0" cy="0"/>
+        </a:xfrm>
+      </p:grpSpPr>
+      <p:sp>
+        <p:nvSpPr>
+          <p:cNvPr id="5" name="Title 4">
+            <a:extLst>
+              <a:ext uri="{FF2B5EF4-FFF2-40B4-BE49-F238E27FC236}">
+                <a16:creationId xmlns:a16="http://schemas.microsoft.com/office/drawing/2014/main" id="{40BB58BE-9308-E2D0-621F-896D9F7A3F80}"/>
+              </a:ext>
+            </a:extLst>
+          </p:cNvPr>
+          <p:cNvSpPr>
+            <a:spLocks noGrp="1"/>
+          </p:cNvSpPr>
+          <p:nvPr>
+            <p:ph type="title"/>
+          </p:nvPr>
+        </p:nvSpPr>
+        <p:spPr/>
+        <p:txBody>
+          <a:bodyPr/>
+          <a:lstStyle/>
+          <a:p>
+            <a:r>
+              <a:rPr lang="en-GB" dirty="0"/>
+              <a:t>Quiz time!</a:t>
+            </a:r>
+            <a:endParaRPr lang="en-SG" dirty="0"/>
+          </a:p>
+        </p:txBody>
+      </p:sp>
+      <p:sp>
+        <p:nvSpPr>
+          <p:cNvPr id="6" name="Content Placeholder 5">
+            <a:extLst>
+              <a:ext uri="{FF2B5EF4-FFF2-40B4-BE49-F238E27FC236}">
+                <a16:creationId xmlns:a16="http://schemas.microsoft.com/office/drawing/2014/main" id="{AD739F93-6CBC-214F-C0F7-13E4C4714B32}"/>
+              </a:ext>
+            </a:extLst>
+          </p:cNvPr>
+          <p:cNvSpPr>
+            <a:spLocks noGrp="1"/>
+          </p:cNvSpPr>
+          <p:nvPr>
+            <p:ph idx="1"/>
+          </p:nvPr>
+        </p:nvSpPr>
+        <p:spPr/>
+        <p:txBody>
+          <a:bodyPr/>
+          <a:lstStyle/>
+          <a:p>
+            <a:pPr marL="0" indent="0">
+              <a:buNone/>
+            </a:pPr>
+            <a:r>
+              <a:rPr lang="en-GB" b="1" dirty="0"/>
+              <a:t>Which of the following is NOT a characteristic of assembly code?</a:t>
+            </a:r>
+          </a:p>
+          <a:p>
+            <a:pPr marL="514350" indent="-514350">
+              <a:buFont typeface="+mj-lt"/>
+              <a:buAutoNum type="alphaUcPeriod"/>
+            </a:pPr>
+            <a:r>
+              <a:rPr lang="en-GB" dirty="0"/>
+              <a:t>It is a low-level programming language</a:t>
+            </a:r>
+          </a:p>
+          <a:p>
+            <a:pPr marL="514350" indent="-514350">
+              <a:buFont typeface="+mj-lt"/>
+              <a:buAutoNum type="alphaUcPeriod"/>
+            </a:pPr>
+            <a:r>
+              <a:rPr lang="en-GB" dirty="0"/>
+              <a:t>It is human-readable</a:t>
+            </a:r>
+          </a:p>
+          <a:p>
+            <a:pPr marL="514350" indent="-514350">
+              <a:buFont typeface="+mj-lt"/>
+              <a:buAutoNum type="alphaUcPeriod"/>
+            </a:pPr>
+            <a:r>
+              <a:rPr lang="en-GB" b="1" dirty="0">
+                <a:solidFill>
+                  <a:srgbClr val="00B050"/>
+                </a:solidFill>
+              </a:rPr>
+              <a:t>It contains variables and loops</a:t>
+            </a:r>
+          </a:p>
+          <a:p>
+            <a:pPr marL="514350" indent="-514350">
+              <a:buFont typeface="+mj-lt"/>
+              <a:buAutoNum type="alphaUcPeriod"/>
+            </a:pPr>
+            <a:r>
+              <a:rPr lang="en-GB" dirty="0"/>
+              <a:t>It is specific to a particular computer architecture</a:t>
+            </a:r>
+          </a:p>
+          <a:p>
+            <a:pPr marL="0" indent="0">
+              <a:buNone/>
+            </a:pPr>
+            <a:endParaRPr lang="en-SG" dirty="0"/>
+          </a:p>
+        </p:txBody>
+      </p:sp>
+    </p:spTree>
+    <p:extLst>
+      <p:ext uri="{BB962C8B-B14F-4D97-AF65-F5344CB8AC3E}">
+        <p14:creationId xmlns:p14="http://schemas.microsoft.com/office/powerpoint/2010/main" val="3320168754"/>
+      </p:ext>
+    </p:extLst>
+  </p:cSld>
+  <p:clrMapOvr>
+    <a:masterClrMapping/>
+  </p:clrMapOvr>
+</p:sld>
+</file>
+
+<file path=ppt/slides/slide63.xml><?xml version="1.0" encoding="utf-8"?>
+<p:sld xmlns:a="http://schemas.openxmlformats.org/drawingml/2006/main" xmlns:r="http://schemas.openxmlformats.org/officeDocument/2006/relationships" xmlns:p="http://schemas.openxmlformats.org/presentationml/2006/main">
+  <p:cSld>
+    <p:spTree>
+      <p:nvGrpSpPr>
+        <p:cNvPr id="1" name=""/>
+        <p:cNvGrpSpPr/>
+        <p:nvPr/>
+      </p:nvGrpSpPr>
+      <p:grpSpPr>
+        <a:xfrm>
+          <a:off x="0" y="0"/>
+          <a:ext cx="0" cy="0"/>
+          <a:chOff x="0" y="0"/>
+          <a:chExt cx="0" cy="0"/>
+        </a:xfrm>
+      </p:grpSpPr>
+      <p:sp>
+        <p:nvSpPr>
+          <p:cNvPr id="5" name="Title 4">
+            <a:extLst>
+              <a:ext uri="{FF2B5EF4-FFF2-40B4-BE49-F238E27FC236}">
+                <a16:creationId xmlns:a16="http://schemas.microsoft.com/office/drawing/2014/main" id="{40BB58BE-9308-E2D0-621F-896D9F7A3F80}"/>
+              </a:ext>
+            </a:extLst>
+          </p:cNvPr>
+          <p:cNvSpPr>
+            <a:spLocks noGrp="1"/>
+          </p:cNvSpPr>
+          <p:nvPr>
+            <p:ph type="title"/>
+          </p:nvPr>
+        </p:nvSpPr>
+        <p:spPr/>
+        <p:txBody>
+          <a:bodyPr/>
+          <a:lstStyle/>
+          <a:p>
+            <a:r>
+              <a:rPr lang="en-GB" dirty="0"/>
+              <a:t>Quiz time!</a:t>
+            </a:r>
+            <a:endParaRPr lang="en-SG" dirty="0"/>
+          </a:p>
+        </p:txBody>
+      </p:sp>
+      <p:sp>
+        <p:nvSpPr>
+          <p:cNvPr id="6" name="Content Placeholder 5">
+            <a:extLst>
+              <a:ext uri="{FF2B5EF4-FFF2-40B4-BE49-F238E27FC236}">
+                <a16:creationId xmlns:a16="http://schemas.microsoft.com/office/drawing/2014/main" id="{AD739F93-6CBC-214F-C0F7-13E4C4714B32}"/>
+              </a:ext>
+            </a:extLst>
+          </p:cNvPr>
+          <p:cNvSpPr>
+            <a:spLocks noGrp="1"/>
+          </p:cNvSpPr>
+          <p:nvPr>
+            <p:ph idx="1"/>
+          </p:nvPr>
+        </p:nvSpPr>
+        <p:spPr/>
+        <p:txBody>
+          <a:bodyPr/>
+          <a:lstStyle/>
+          <a:p>
+            <a:pPr marL="0" indent="0">
+              <a:buNone/>
+            </a:pPr>
+            <a:r>
+              <a:rPr lang="en-GB" b="1" dirty="0"/>
+              <a:t>In the context of memory hierarchy, which of the following memory types has the fastest access time?</a:t>
+            </a:r>
+          </a:p>
+          <a:p>
+            <a:pPr marL="514350" indent="-514350">
+              <a:buFont typeface="+mj-lt"/>
+              <a:buAutoNum type="alphaUcPeriod"/>
+            </a:pPr>
+            <a:r>
+              <a:rPr lang="en-GB" dirty="0"/>
+              <a:t>Registers</a:t>
+            </a:r>
+          </a:p>
+          <a:p>
+            <a:pPr marL="514350" indent="-514350">
+              <a:buFont typeface="+mj-lt"/>
+              <a:buAutoNum type="alphaUcPeriod"/>
+            </a:pPr>
+            <a:r>
+              <a:rPr lang="en-GB" dirty="0"/>
+              <a:t>SRAM</a:t>
+            </a:r>
+          </a:p>
+          <a:p>
+            <a:pPr marL="514350" indent="-514350">
+              <a:buFont typeface="+mj-lt"/>
+              <a:buAutoNum type="alphaUcPeriod"/>
+            </a:pPr>
+            <a:r>
+              <a:rPr lang="en-GB" dirty="0"/>
+              <a:t>DRAM</a:t>
+            </a:r>
+          </a:p>
+          <a:p>
+            <a:pPr marL="514350" indent="-514350">
+              <a:buFont typeface="+mj-lt"/>
+              <a:buAutoNum type="alphaUcPeriod"/>
+            </a:pPr>
+            <a:r>
+              <a:rPr lang="en-GB" dirty="0"/>
+              <a:t>SSD drive</a:t>
+            </a:r>
+          </a:p>
+          <a:p>
+            <a:pPr marL="0" indent="0">
+              <a:buNone/>
+            </a:pPr>
+            <a:endParaRPr lang="en-SG" dirty="0"/>
+          </a:p>
+        </p:txBody>
+      </p:sp>
+    </p:spTree>
+    <p:extLst>
+      <p:ext uri="{BB962C8B-B14F-4D97-AF65-F5344CB8AC3E}">
+        <p14:creationId xmlns:p14="http://schemas.microsoft.com/office/powerpoint/2010/main" val="579872451"/>
       </p:ext>
     </p:extLst>
   </p:cSld>
@@ -37290,10 +37346,10 @@
       </p:grpSpPr>
       <p:sp>
         <p:nvSpPr>
-          <p:cNvPr id="2" name="Title 1">
+          <p:cNvPr id="5" name="Title 4">
             <a:extLst>
               <a:ext uri="{FF2B5EF4-FFF2-40B4-BE49-F238E27FC236}">
-                <a16:creationId xmlns:a16="http://schemas.microsoft.com/office/drawing/2014/main" id="{B8164294-BDA9-E340-C51A-A5DFCEDA01D9}"/>
+                <a16:creationId xmlns:a16="http://schemas.microsoft.com/office/drawing/2014/main" id="{40BB58BE-9308-E2D0-621F-896D9F7A3F80}"/>
               </a:ext>
             </a:extLst>
           </p:cNvPr>
@@ -37309,7 +37365,151 @@
           <a:bodyPr/>
           <a:lstStyle/>
           <a:p>
-            <a:endParaRPr lang="en-SG"/>
+            <a:r>
+              <a:rPr lang="en-GB" dirty="0"/>
+              <a:t>Quiz time!</a:t>
+            </a:r>
+            <a:endParaRPr lang="en-SG" dirty="0"/>
+          </a:p>
+        </p:txBody>
+      </p:sp>
+      <p:sp>
+        <p:nvSpPr>
+          <p:cNvPr id="6" name="Content Placeholder 5">
+            <a:extLst>
+              <a:ext uri="{FF2B5EF4-FFF2-40B4-BE49-F238E27FC236}">
+                <a16:creationId xmlns:a16="http://schemas.microsoft.com/office/drawing/2014/main" id="{AD739F93-6CBC-214F-C0F7-13E4C4714B32}"/>
+              </a:ext>
+            </a:extLst>
+          </p:cNvPr>
+          <p:cNvSpPr>
+            <a:spLocks noGrp="1"/>
+          </p:cNvSpPr>
+          <p:nvPr>
+            <p:ph idx="1"/>
+          </p:nvPr>
+        </p:nvSpPr>
+        <p:spPr/>
+        <p:txBody>
+          <a:bodyPr/>
+          <a:lstStyle/>
+          <a:p>
+            <a:pPr marL="0" indent="0">
+              <a:buNone/>
+            </a:pPr>
+            <a:r>
+              <a:rPr lang="en-GB" b="1" dirty="0"/>
+              <a:t>In the context of memory hierarchy, which of the following memory types has the fastest access time?</a:t>
+            </a:r>
+          </a:p>
+          <a:p>
+            <a:pPr marL="514350" indent="-514350">
+              <a:buFont typeface="+mj-lt"/>
+              <a:buAutoNum type="alphaUcPeriod"/>
+            </a:pPr>
+            <a:r>
+              <a:rPr lang="en-GB" b="1" dirty="0">
+                <a:solidFill>
+                  <a:srgbClr val="00B050"/>
+                </a:solidFill>
+              </a:rPr>
+              <a:t>Registers</a:t>
+            </a:r>
+          </a:p>
+          <a:p>
+            <a:pPr marL="514350" indent="-514350">
+              <a:buFont typeface="+mj-lt"/>
+              <a:buAutoNum type="alphaUcPeriod"/>
+            </a:pPr>
+            <a:r>
+              <a:rPr lang="en-GB" dirty="0"/>
+              <a:t>SRAM</a:t>
+            </a:r>
+          </a:p>
+          <a:p>
+            <a:pPr marL="514350" indent="-514350">
+              <a:buFont typeface="+mj-lt"/>
+              <a:buAutoNum type="alphaUcPeriod"/>
+            </a:pPr>
+            <a:r>
+              <a:rPr lang="en-GB" dirty="0"/>
+              <a:t>DRAM</a:t>
+            </a:r>
+          </a:p>
+          <a:p>
+            <a:pPr marL="514350" indent="-514350">
+              <a:buFont typeface="+mj-lt"/>
+              <a:buAutoNum type="alphaUcPeriod"/>
+            </a:pPr>
+            <a:r>
+              <a:rPr lang="en-GB" dirty="0"/>
+              <a:t>SSD drive</a:t>
+            </a:r>
+          </a:p>
+          <a:p>
+            <a:pPr marL="0" indent="0">
+              <a:buNone/>
+            </a:pPr>
+            <a:endParaRPr lang="en-SG" dirty="0"/>
+          </a:p>
+        </p:txBody>
+      </p:sp>
+    </p:spTree>
+    <p:extLst>
+      <p:ext uri="{BB962C8B-B14F-4D97-AF65-F5344CB8AC3E}">
+        <p14:creationId xmlns:p14="http://schemas.microsoft.com/office/powerpoint/2010/main" val="3664371702"/>
+      </p:ext>
+    </p:extLst>
+  </p:cSld>
+  <p:clrMapOvr>
+    <a:masterClrMapping/>
+  </p:clrMapOvr>
+</p:sld>
+</file>
+
+<file path=ppt/slides/slide65.xml><?xml version="1.0" encoding="utf-8"?>
+<p:sld xmlns:a="http://schemas.openxmlformats.org/drawingml/2006/main" xmlns:r="http://schemas.openxmlformats.org/officeDocument/2006/relationships" xmlns:p="http://schemas.openxmlformats.org/presentationml/2006/main">
+  <p:cSld>
+    <p:spTree>
+      <p:nvGrpSpPr>
+        <p:cNvPr id="1" name=""/>
+        <p:cNvGrpSpPr/>
+        <p:nvPr/>
+      </p:nvGrpSpPr>
+      <p:grpSpPr>
+        <a:xfrm>
+          <a:off x="0" y="0"/>
+          <a:ext cx="0" cy="0"/>
+          <a:chOff x="0" y="0"/>
+          <a:chExt cx="0" cy="0"/>
+        </a:xfrm>
+      </p:grpSpPr>
+      <p:sp>
+        <p:nvSpPr>
+          <p:cNvPr id="2" name="Title 1">
+            <a:extLst>
+              <a:ext uri="{FF2B5EF4-FFF2-40B4-BE49-F238E27FC236}">
+                <a16:creationId xmlns:a16="http://schemas.microsoft.com/office/drawing/2014/main" id="{110E6894-5FF9-E10E-0E7B-43752AE3FB7D}"/>
+              </a:ext>
+            </a:extLst>
+          </p:cNvPr>
+          <p:cNvSpPr>
+            <a:spLocks noGrp="1"/>
+          </p:cNvSpPr>
+          <p:nvPr>
+            <p:ph type="title"/>
+          </p:nvPr>
+        </p:nvSpPr>
+        <p:spPr/>
+        <p:txBody>
+          <a:bodyPr/>
+          <a:lstStyle/>
+          <a:p>
+            <a:r>
+              <a:rPr lang="en-GB" dirty="0"/>
+              <a:t>Quiz time!</a:t>
+            </a:r>
+            <a:endParaRPr lang="en-SG" dirty="0"/>
           </a:p>
         </p:txBody>
       </p:sp>
@@ -37318,7 +37518,7 @@
           <p:cNvPr id="3" name="Content Placeholder 2">
             <a:extLst>
               <a:ext uri="{FF2B5EF4-FFF2-40B4-BE49-F238E27FC236}">
-                <a16:creationId xmlns:a16="http://schemas.microsoft.com/office/drawing/2014/main" id="{CFD10E1C-3AFB-DFF2-7F48-4AA5874565AB}"/>
+                <a16:creationId xmlns:a16="http://schemas.microsoft.com/office/drawing/2014/main" id="{0B2B4336-BB3D-7291-D6DE-C910A086B5D4}"/>
               </a:ext>
             </a:extLst>
           </p:cNvPr>
@@ -37326,7 +37526,7 @@
             <a:spLocks noGrp="1"/>
           </p:cNvSpPr>
           <p:nvPr>
-            <p:ph sz="half" idx="1"/>
+            <p:ph idx="1"/>
           </p:nvPr>
         </p:nvSpPr>
         <p:spPr/>
@@ -37334,16 +37534,95 @@
           <a:bodyPr/>
           <a:lstStyle/>
           <a:p>
-            <a:endParaRPr lang="en-SG"/>
+            <a:pPr marL="0" indent="0">
+              <a:buNone/>
+            </a:pPr>
+            <a:r>
+              <a:rPr lang="en-GB" b="1" dirty="0"/>
+              <a:t>What is the primary goal of register allocation in a compiler?</a:t>
+            </a:r>
+          </a:p>
+          <a:p>
+            <a:pPr marL="514350" indent="-514350">
+              <a:buFont typeface="+mj-lt"/>
+              <a:buAutoNum type="alphaUcPeriod"/>
+            </a:pPr>
+            <a:r>
+              <a:rPr lang="en-GB" dirty="0"/>
+              <a:t>To improve code readability</a:t>
+            </a:r>
+          </a:p>
+          <a:p>
+            <a:pPr marL="514350" indent="-514350">
+              <a:buFont typeface="+mj-lt"/>
+              <a:buAutoNum type="alphaUcPeriod"/>
+            </a:pPr>
+            <a:r>
+              <a:rPr lang="en-GB" dirty="0"/>
+              <a:t>To reduce the number of registers required</a:t>
+            </a:r>
+          </a:p>
+          <a:p>
+            <a:pPr marL="514350" indent="-514350">
+              <a:buFont typeface="+mj-lt"/>
+              <a:buAutoNum type="alphaUcPeriod"/>
+            </a:pPr>
+            <a:r>
+              <a:rPr lang="en-GB" dirty="0"/>
+              <a:t>To minimize the number of memory accesses</a:t>
+            </a:r>
+          </a:p>
+          <a:p>
+            <a:pPr marL="514350" indent="-514350">
+              <a:buFont typeface="+mj-lt"/>
+              <a:buAutoNum type="alphaUcPeriod"/>
+            </a:pPr>
+            <a:r>
+              <a:rPr lang="en-GB" dirty="0"/>
+              <a:t>To ensure no memory information is lost upon computer shutdown</a:t>
+            </a:r>
+          </a:p>
+          <a:p>
+            <a:endParaRPr lang="en-SG" dirty="0"/>
           </a:p>
         </p:txBody>
       </p:sp>
+    </p:spTree>
+    <p:extLst>
+      <p:ext uri="{BB962C8B-B14F-4D97-AF65-F5344CB8AC3E}">
+        <p14:creationId xmlns:p14="http://schemas.microsoft.com/office/powerpoint/2010/main" val="412335008"/>
+      </p:ext>
+    </p:extLst>
+  </p:cSld>
+  <p:clrMapOvr>
+    <a:masterClrMapping/>
+  </p:clrMapOvr>
+</p:sld>
+</file>
+
+<file path=ppt/slides/slide66.xml><?xml version="1.0" encoding="utf-8"?>
+<p:sld xmlns:a="http://schemas.openxmlformats.org/drawingml/2006/main" xmlns:r="http://schemas.openxmlformats.org/officeDocument/2006/relationships" xmlns:p="http://schemas.openxmlformats.org/presentationml/2006/main">
+  <p:cSld>
+    <p:spTree>
+      <p:nvGrpSpPr>
+        <p:cNvPr id="1" name=""/>
+        <p:cNvGrpSpPr/>
+        <p:nvPr/>
+      </p:nvGrpSpPr>
+      <p:grpSpPr>
+        <a:xfrm>
+          <a:off x="0" y="0"/>
+          <a:ext cx="0" cy="0"/>
+          <a:chOff x="0" y="0"/>
+          <a:chExt cx="0" cy="0"/>
+        </a:xfrm>
+      </p:grpSpPr>
       <p:sp>
         <p:nvSpPr>
-          <p:cNvPr id="4" name="Content Placeholder 3">
+          <p:cNvPr id="2" name="Title 1">
             <a:extLst>
               <a:ext uri="{FF2B5EF4-FFF2-40B4-BE49-F238E27FC236}">
-                <a16:creationId xmlns:a16="http://schemas.microsoft.com/office/drawing/2014/main" id="{C2432F25-6717-D27C-F6BC-FAF822F07152}"/>
+                <a16:creationId xmlns:a16="http://schemas.microsoft.com/office/drawing/2014/main" id="{110E6894-5FF9-E10E-0E7B-43752AE3FB7D}"/>
               </a:ext>
             </a:extLst>
           </p:cNvPr>
@@ -37351,7 +37630,7 @@
             <a:spLocks noGrp="1"/>
           </p:cNvSpPr>
           <p:nvPr>
-            <p:ph sz="half" idx="2"/>
+            <p:ph type="title"/>
           </p:nvPr>
         </p:nvSpPr>
         <p:spPr/>
@@ -37359,14 +37638,390 @@
           <a:bodyPr/>
           <a:lstStyle/>
           <a:p>
-            <a:endParaRPr lang="en-SG"/>
+            <a:r>
+              <a:rPr lang="en-GB" dirty="0"/>
+              <a:t>Quiz time!</a:t>
+            </a:r>
+            <a:endParaRPr lang="en-SG" dirty="0"/>
+          </a:p>
+        </p:txBody>
+      </p:sp>
+      <p:sp>
+        <p:nvSpPr>
+          <p:cNvPr id="3" name="Content Placeholder 2">
+            <a:extLst>
+              <a:ext uri="{FF2B5EF4-FFF2-40B4-BE49-F238E27FC236}">
+                <a16:creationId xmlns:a16="http://schemas.microsoft.com/office/drawing/2014/main" id="{0B2B4336-BB3D-7291-D6DE-C910A086B5D4}"/>
+              </a:ext>
+            </a:extLst>
+          </p:cNvPr>
+          <p:cNvSpPr>
+            <a:spLocks noGrp="1"/>
+          </p:cNvSpPr>
+          <p:nvPr>
+            <p:ph idx="1"/>
+          </p:nvPr>
+        </p:nvSpPr>
+        <p:spPr/>
+        <p:txBody>
+          <a:bodyPr/>
+          <a:lstStyle/>
+          <a:p>
+            <a:pPr marL="0" indent="0">
+              <a:buNone/>
+            </a:pPr>
+            <a:r>
+              <a:rPr lang="en-GB" b="1" dirty="0"/>
+              <a:t>What is the primary goal of register allocation in a compiler?</a:t>
+            </a:r>
+          </a:p>
+          <a:p>
+            <a:pPr marL="514350" indent="-514350">
+              <a:buFont typeface="+mj-lt"/>
+              <a:buAutoNum type="alphaUcPeriod"/>
+            </a:pPr>
+            <a:r>
+              <a:rPr lang="en-GB" dirty="0"/>
+              <a:t>To improve code readability</a:t>
+            </a:r>
+          </a:p>
+          <a:p>
+            <a:pPr marL="514350" indent="-514350">
+              <a:buFont typeface="+mj-lt"/>
+              <a:buAutoNum type="alphaUcPeriod"/>
+            </a:pPr>
+            <a:r>
+              <a:rPr lang="en-GB" dirty="0"/>
+              <a:t>To reduce the number of registers required</a:t>
+            </a:r>
+          </a:p>
+          <a:p>
+            <a:pPr marL="514350" indent="-514350">
+              <a:buFont typeface="+mj-lt"/>
+              <a:buAutoNum type="alphaUcPeriod"/>
+            </a:pPr>
+            <a:r>
+              <a:rPr lang="en-GB" b="1" dirty="0">
+                <a:solidFill>
+                  <a:srgbClr val="00B050"/>
+                </a:solidFill>
+              </a:rPr>
+              <a:t>To minimize the number of memory accesses</a:t>
+            </a:r>
+          </a:p>
+          <a:p>
+            <a:pPr marL="514350" indent="-514350">
+              <a:buFont typeface="+mj-lt"/>
+              <a:buAutoNum type="alphaUcPeriod"/>
+            </a:pPr>
+            <a:r>
+              <a:rPr lang="en-GB" dirty="0"/>
+              <a:t>To ensure no memory information is lost upon computer shutdown</a:t>
+            </a:r>
+          </a:p>
+          <a:p>
+            <a:endParaRPr lang="en-SG" dirty="0"/>
           </a:p>
         </p:txBody>
       </p:sp>
     </p:spTree>
     <p:extLst>
       <p:ext uri="{BB962C8B-B14F-4D97-AF65-F5344CB8AC3E}">
-        <p14:creationId xmlns:p14="http://schemas.microsoft.com/office/powerpoint/2010/main" val="284645869"/>
+        <p14:creationId xmlns:p14="http://schemas.microsoft.com/office/powerpoint/2010/main" val="15714287"/>
+      </p:ext>
+    </p:extLst>
+  </p:cSld>
+  <p:clrMapOvr>
+    <a:masterClrMapping/>
+  </p:clrMapOvr>
+</p:sld>
+</file>
+
+<file path=ppt/slides/slide67.xml><?xml version="1.0" encoding="utf-8"?>
+<p:sld xmlns:a="http://schemas.openxmlformats.org/drawingml/2006/main" xmlns:r="http://schemas.openxmlformats.org/officeDocument/2006/relationships" xmlns:p="http://schemas.openxmlformats.org/presentationml/2006/main">
+  <p:cSld>
+    <p:spTree>
+      <p:nvGrpSpPr>
+        <p:cNvPr id="1" name=""/>
+        <p:cNvGrpSpPr/>
+        <p:nvPr/>
+      </p:nvGrpSpPr>
+      <p:grpSpPr>
+        <a:xfrm>
+          <a:off x="0" y="0"/>
+          <a:ext cx="0" cy="0"/>
+          <a:chOff x="0" y="0"/>
+          <a:chExt cx="0" cy="0"/>
+        </a:xfrm>
+      </p:grpSpPr>
+      <p:sp>
+        <p:nvSpPr>
+          <p:cNvPr id="2" name="Title 1">
+            <a:extLst>
+              <a:ext uri="{FF2B5EF4-FFF2-40B4-BE49-F238E27FC236}">
+                <a16:creationId xmlns:a16="http://schemas.microsoft.com/office/drawing/2014/main" id="{55ABAB9C-4A01-3B3C-24B3-EBAE2686E672}"/>
+              </a:ext>
+            </a:extLst>
+          </p:cNvPr>
+          <p:cNvSpPr>
+            <a:spLocks noGrp="1"/>
+          </p:cNvSpPr>
+          <p:nvPr>
+            <p:ph type="title"/>
+          </p:nvPr>
+        </p:nvSpPr>
+        <p:spPr/>
+        <p:txBody>
+          <a:bodyPr/>
+          <a:lstStyle/>
+          <a:p>
+            <a:r>
+              <a:rPr lang="en-GB" dirty="0"/>
+              <a:t>Quiz time!</a:t>
+            </a:r>
+            <a:endParaRPr lang="en-SG" dirty="0"/>
+          </a:p>
+        </p:txBody>
+      </p:sp>
+      <p:sp>
+        <p:nvSpPr>
+          <p:cNvPr id="3" name="Content Placeholder 2">
+            <a:extLst>
+              <a:ext uri="{FF2B5EF4-FFF2-40B4-BE49-F238E27FC236}">
+                <a16:creationId xmlns:a16="http://schemas.microsoft.com/office/drawing/2014/main" id="{2278344A-215D-7B2D-E9FA-EDED5099B989}"/>
+              </a:ext>
+            </a:extLst>
+          </p:cNvPr>
+          <p:cNvSpPr>
+            <a:spLocks noGrp="1"/>
+          </p:cNvSpPr>
+          <p:nvPr>
+            <p:ph idx="1"/>
+          </p:nvPr>
+        </p:nvSpPr>
+        <p:spPr/>
+        <p:txBody>
+          <a:bodyPr/>
+          <a:lstStyle/>
+          <a:p>
+            <a:pPr marL="0" indent="0">
+              <a:buNone/>
+            </a:pPr>
+            <a:r>
+              <a:rPr lang="en-GB" b="1" dirty="0"/>
+              <a:t>Which register allocation strategy attempts to minimize the number of registers needed for a specific computation?</a:t>
+            </a:r>
+          </a:p>
+          <a:p>
+            <a:pPr marL="514350" indent="-514350">
+              <a:buFont typeface="+mj-lt"/>
+              <a:buAutoNum type="alphaUcPeriod"/>
+            </a:pPr>
+            <a:r>
+              <a:rPr lang="en-GB" dirty="0"/>
+              <a:t>Graph </a:t>
+            </a:r>
+            <a:r>
+              <a:rPr lang="en-GB" dirty="0" err="1"/>
+              <a:t>coloring</a:t>
+            </a:r>
+            <a:r>
+              <a:rPr lang="en-GB" dirty="0"/>
+              <a:t> algorithms</a:t>
+            </a:r>
+          </a:p>
+          <a:p>
+            <a:pPr marL="514350" indent="-514350">
+              <a:buFont typeface="+mj-lt"/>
+              <a:buAutoNum type="alphaUcPeriod"/>
+            </a:pPr>
+            <a:r>
+              <a:rPr lang="en-GB" dirty="0"/>
+              <a:t>Linear scan algorithm</a:t>
+            </a:r>
+          </a:p>
+          <a:p>
+            <a:pPr marL="514350" indent="-514350">
+              <a:buFont typeface="+mj-lt"/>
+              <a:buAutoNum type="alphaUcPeriod"/>
+            </a:pPr>
+            <a:r>
+              <a:rPr lang="en-GB" dirty="0"/>
+              <a:t>Naive algorithm</a:t>
+            </a:r>
+          </a:p>
+          <a:p>
+            <a:pPr marL="514350" indent="-514350">
+              <a:buFont typeface="+mj-lt"/>
+              <a:buAutoNum type="alphaUcPeriod"/>
+            </a:pPr>
+            <a:r>
+              <a:rPr lang="en-GB" dirty="0"/>
+              <a:t>Greedy algorithm</a:t>
+            </a:r>
+          </a:p>
+          <a:p>
+            <a:endParaRPr lang="en-SG" dirty="0"/>
+          </a:p>
+        </p:txBody>
+      </p:sp>
+    </p:spTree>
+    <p:extLst>
+      <p:ext uri="{BB962C8B-B14F-4D97-AF65-F5344CB8AC3E}">
+        <p14:creationId xmlns:p14="http://schemas.microsoft.com/office/powerpoint/2010/main" val="230960679"/>
+      </p:ext>
+    </p:extLst>
+  </p:cSld>
+  <p:clrMapOvr>
+    <a:masterClrMapping/>
+  </p:clrMapOvr>
+</p:sld>
+</file>
+
+<file path=ppt/slides/slide68.xml><?xml version="1.0" encoding="utf-8"?>
+<p:sld xmlns:a="http://schemas.openxmlformats.org/drawingml/2006/main" xmlns:r="http://schemas.openxmlformats.org/officeDocument/2006/relationships" xmlns:p="http://schemas.openxmlformats.org/presentationml/2006/main">
+  <p:cSld>
+    <p:spTree>
+      <p:nvGrpSpPr>
+        <p:cNvPr id="1" name=""/>
+        <p:cNvGrpSpPr/>
+        <p:nvPr/>
+      </p:nvGrpSpPr>
+      <p:grpSpPr>
+        <a:xfrm>
+          <a:off x="0" y="0"/>
+          <a:ext cx="0" cy="0"/>
+          <a:chOff x="0" y="0"/>
+          <a:chExt cx="0" cy="0"/>
+        </a:xfrm>
+      </p:grpSpPr>
+      <p:sp>
+        <p:nvSpPr>
+          <p:cNvPr id="2" name="Title 1">
+            <a:extLst>
+              <a:ext uri="{FF2B5EF4-FFF2-40B4-BE49-F238E27FC236}">
+                <a16:creationId xmlns:a16="http://schemas.microsoft.com/office/drawing/2014/main" id="{55ABAB9C-4A01-3B3C-24B3-EBAE2686E672}"/>
+              </a:ext>
+            </a:extLst>
+          </p:cNvPr>
+          <p:cNvSpPr>
+            <a:spLocks noGrp="1"/>
+          </p:cNvSpPr>
+          <p:nvPr>
+            <p:ph type="title"/>
+          </p:nvPr>
+        </p:nvSpPr>
+        <p:spPr/>
+        <p:txBody>
+          <a:bodyPr/>
+          <a:lstStyle/>
+          <a:p>
+            <a:r>
+              <a:rPr lang="en-GB" dirty="0"/>
+              <a:t>Quiz time!</a:t>
+            </a:r>
+            <a:endParaRPr lang="en-SG" dirty="0"/>
+          </a:p>
+        </p:txBody>
+      </p:sp>
+      <p:sp>
+        <p:nvSpPr>
+          <p:cNvPr id="3" name="Content Placeholder 2">
+            <a:extLst>
+              <a:ext uri="{FF2B5EF4-FFF2-40B4-BE49-F238E27FC236}">
+                <a16:creationId xmlns:a16="http://schemas.microsoft.com/office/drawing/2014/main" id="{2278344A-215D-7B2D-E9FA-EDED5099B989}"/>
+              </a:ext>
+            </a:extLst>
+          </p:cNvPr>
+          <p:cNvSpPr>
+            <a:spLocks noGrp="1"/>
+          </p:cNvSpPr>
+          <p:nvPr>
+            <p:ph idx="1"/>
+          </p:nvPr>
+        </p:nvSpPr>
+        <p:spPr/>
+        <p:txBody>
+          <a:bodyPr/>
+          <a:lstStyle/>
+          <a:p>
+            <a:pPr marL="0" indent="0">
+              <a:buNone/>
+            </a:pPr>
+            <a:r>
+              <a:rPr lang="en-GB" b="1" dirty="0"/>
+              <a:t>Which register allocation strategy attempts to minimize the number of registers needed for a specific computation?</a:t>
+            </a:r>
+          </a:p>
+          <a:p>
+            <a:pPr marL="514350" indent="-514350">
+              <a:buFont typeface="+mj-lt"/>
+              <a:buAutoNum type="alphaUcPeriod"/>
+            </a:pPr>
+            <a:r>
+              <a:rPr lang="en-GB" b="1" dirty="0">
+                <a:solidFill>
+                  <a:srgbClr val="00B050"/>
+                </a:solidFill>
+              </a:rPr>
+              <a:t>Graph </a:t>
+            </a:r>
+            <a:r>
+              <a:rPr lang="en-GB" b="1" dirty="0" err="1">
+                <a:solidFill>
+                  <a:srgbClr val="00B050"/>
+                </a:solidFill>
+              </a:rPr>
+              <a:t>coloring</a:t>
+            </a:r>
+            <a:r>
+              <a:rPr lang="en-GB" b="1" dirty="0">
+                <a:solidFill>
+                  <a:srgbClr val="00B050"/>
+                </a:solidFill>
+              </a:rPr>
+              <a:t> algorithms</a:t>
+            </a:r>
+          </a:p>
+          <a:p>
+            <a:pPr marL="514350" indent="-514350">
+              <a:buFont typeface="+mj-lt"/>
+              <a:buAutoNum type="alphaUcPeriod"/>
+            </a:pPr>
+            <a:r>
+              <a:rPr lang="en-GB" dirty="0"/>
+              <a:t>Linear scan algorithm</a:t>
+            </a:r>
+          </a:p>
+          <a:p>
+            <a:pPr marL="514350" indent="-514350">
+              <a:buFont typeface="+mj-lt"/>
+              <a:buAutoNum type="alphaUcPeriod"/>
+            </a:pPr>
+            <a:r>
+              <a:rPr lang="en-GB" dirty="0"/>
+              <a:t>Naive algorithm</a:t>
+            </a:r>
+          </a:p>
+          <a:p>
+            <a:pPr marL="514350" indent="-514350">
+              <a:buFont typeface="+mj-lt"/>
+              <a:buAutoNum type="alphaUcPeriod"/>
+            </a:pPr>
+            <a:r>
+              <a:rPr lang="en-GB" dirty="0"/>
+              <a:t>Greedy algorithm</a:t>
+            </a:r>
+          </a:p>
+          <a:p>
+            <a:endParaRPr lang="en-SG" dirty="0"/>
+          </a:p>
+        </p:txBody>
+      </p:sp>
+    </p:spTree>
+    <p:extLst>
+      <p:ext uri="{BB962C8B-B14F-4D97-AF65-F5344CB8AC3E}">
+        <p14:creationId xmlns:p14="http://schemas.microsoft.com/office/powerpoint/2010/main" val="3870046890"/>
       </p:ext>
     </p:extLst>
   </p:cSld>
